--- a/宣道詩/(宣道詩161)來作工.pptx
+++ b/宣道詩/(宣道詩161)來作工.pptx
@@ -6,16 +6,13 @@
   </p:sldMasterIdLst>
   <p:sldIdLst>
     <p:sldId id="256" r:id="rId2"/>
-    <p:sldId id="257" r:id="rId3"/>
-    <p:sldId id="258" r:id="rId4"/>
-    <p:sldId id="259" r:id="rId5"/>
-    <p:sldId id="260" r:id="rId6"/>
-    <p:sldId id="261" r:id="rId7"/>
-    <p:sldId id="262" r:id="rId8"/>
-    <p:sldId id="263" r:id="rId9"/>
-    <p:sldId id="264" r:id="rId10"/>
+    <p:sldId id="258" r:id="rId3"/>
+    <p:sldId id="259" r:id="rId4"/>
+    <p:sldId id="261" r:id="rId5"/>
+    <p:sldId id="262" r:id="rId6"/>
+    <p:sldId id="264" r:id="rId7"/>
   </p:sldIdLst>
-  <p:sldSz cx="9144000" cy="6858000" type="screen4x3"/>
+  <p:sldSz cx="12192000" cy="6858000"/>
   <p:notesSz cx="6858000" cy="9144000"/>
   <p:defaultTextStyle>
     <a:defPPr>
@@ -112,6 +109,22 @@
       </a:defRPr>
     </a:lvl9pPr>
   </p:defaultTextStyle>
+  <p:extLst>
+    <p:ext uri="{EFAFB233-063F-42B5-8137-9DF3F51BA10A}">
+      <p15:sldGuideLst xmlns:p15="http://schemas.microsoft.com/office/powerpoint/2012/main">
+        <p15:guide id="1" orient="horz" pos="2160" userDrawn="1">
+          <p15:clr>
+            <a:srgbClr val="A4A3A4"/>
+          </p15:clr>
+        </p15:guide>
+        <p15:guide id="2" pos="3840" userDrawn="1">
+          <p15:clr>
+            <a:srgbClr val="A4A3A4"/>
+          </p15:clr>
+        </p15:guide>
+      </p15:sldGuideLst>
+    </p:ext>
+  </p:extLst>
 </p:presentation>
 </file>
 
@@ -144,8 +157,8 @@
         </p:nvSpPr>
         <p:spPr>
           <a:xfrm>
-            <a:off x="685800" y="2130425"/>
-            <a:ext cx="7772400" cy="1470025"/>
+            <a:off x="914400" y="2130426"/>
+            <a:ext cx="10363200" cy="1470025"/>
           </a:xfrm>
         </p:spPr>
         <p:txBody>
@@ -172,8 +185,8 @@
         </p:nvSpPr>
         <p:spPr>
           <a:xfrm>
-            <a:off x="1371600" y="3886200"/>
-            <a:ext cx="6400800" cy="1752600"/>
+            <a:off x="1828800" y="3886200"/>
+            <a:ext cx="8534400" cy="1752600"/>
           </a:xfrm>
         </p:spPr>
         <p:txBody>
@@ -296,7 +309,7 @@
           <a:p>
             <a:fld id="{14467127-E8DE-42E1-8DAB-0022B04B92FD}" type="datetimeFigureOut">
               <a:rPr lang="zh-TW" altLang="en-US" smtClean="0"/>
-              <a:t>2017/10/21</a:t>
+              <a:t>2020/5/30</a:t>
             </a:fld>
             <a:endParaRPr lang="zh-TW" altLang="en-US"/>
           </a:p>
@@ -461,7 +474,7 @@
           <a:p>
             <a:fld id="{14467127-E8DE-42E1-8DAB-0022B04B92FD}" type="datetimeFigureOut">
               <a:rPr lang="zh-TW" altLang="en-US" smtClean="0"/>
-              <a:t>2017/10/21</a:t>
+              <a:t>2020/5/30</a:t>
             </a:fld>
             <a:endParaRPr lang="zh-TW" altLang="en-US"/>
           </a:p>
@@ -546,8 +559,8 @@
         </p:nvSpPr>
         <p:spPr>
           <a:xfrm>
-            <a:off x="6629400" y="274638"/>
-            <a:ext cx="2057400" cy="5851525"/>
+            <a:off x="8839200" y="274639"/>
+            <a:ext cx="2743200" cy="5851525"/>
           </a:xfrm>
         </p:spPr>
         <p:txBody>
@@ -574,8 +587,8 @@
         </p:nvSpPr>
         <p:spPr>
           <a:xfrm>
-            <a:off x="457200" y="274638"/>
-            <a:ext cx="6019800" cy="5851525"/>
+            <a:off x="609600" y="274639"/>
+            <a:ext cx="8026400" cy="5851525"/>
           </a:xfrm>
         </p:spPr>
         <p:txBody>
@@ -636,7 +649,7 @@
           <a:p>
             <a:fld id="{14467127-E8DE-42E1-8DAB-0022B04B92FD}" type="datetimeFigureOut">
               <a:rPr lang="zh-TW" altLang="en-US" smtClean="0"/>
-              <a:t>2017/10/21</a:t>
+              <a:t>2020/5/30</a:t>
             </a:fld>
             <a:endParaRPr lang="zh-TW" altLang="en-US"/>
           </a:p>
@@ -801,7 +814,7 @@
           <a:p>
             <a:fld id="{14467127-E8DE-42E1-8DAB-0022B04B92FD}" type="datetimeFigureOut">
               <a:rPr lang="zh-TW" altLang="en-US" smtClean="0"/>
-              <a:t>2017/10/21</a:t>
+              <a:t>2020/5/30</a:t>
             </a:fld>
             <a:endParaRPr lang="zh-TW" altLang="en-US"/>
           </a:p>
@@ -886,8 +899,8 @@
         </p:nvSpPr>
         <p:spPr>
           <a:xfrm>
-            <a:off x="722313" y="4406900"/>
-            <a:ext cx="7772400" cy="1362075"/>
+            <a:off x="963084" y="4406901"/>
+            <a:ext cx="10363200" cy="1362075"/>
           </a:xfrm>
         </p:spPr>
         <p:txBody>
@@ -918,8 +931,8 @@
         </p:nvSpPr>
         <p:spPr>
           <a:xfrm>
-            <a:off x="722313" y="2906713"/>
-            <a:ext cx="7772400" cy="1500187"/>
+            <a:off x="963084" y="2906713"/>
+            <a:ext cx="10363200" cy="1500187"/>
           </a:xfrm>
         </p:spPr>
         <p:txBody>
@@ -1042,7 +1055,7 @@
           <a:p>
             <a:fld id="{14467127-E8DE-42E1-8DAB-0022B04B92FD}" type="datetimeFigureOut">
               <a:rPr lang="zh-TW" altLang="en-US" smtClean="0"/>
-              <a:t>2017/10/21</a:t>
+              <a:t>2020/5/30</a:t>
             </a:fld>
             <a:endParaRPr lang="zh-TW" altLang="en-US"/>
           </a:p>
@@ -1150,8 +1163,8 @@
         </p:nvSpPr>
         <p:spPr>
           <a:xfrm>
-            <a:off x="457200" y="1600200"/>
-            <a:ext cx="4038600" cy="4525963"/>
+            <a:off x="609600" y="1600201"/>
+            <a:ext cx="5384800" cy="4525963"/>
           </a:xfrm>
         </p:spPr>
         <p:txBody>
@@ -1235,8 +1248,8 @@
         </p:nvSpPr>
         <p:spPr>
           <a:xfrm>
-            <a:off x="4648200" y="1600200"/>
-            <a:ext cx="4038600" cy="4525963"/>
+            <a:off x="6197600" y="1600201"/>
+            <a:ext cx="5384800" cy="4525963"/>
           </a:xfrm>
         </p:spPr>
         <p:txBody>
@@ -1325,7 +1338,7 @@
           <a:p>
             <a:fld id="{14467127-E8DE-42E1-8DAB-0022B04B92FD}" type="datetimeFigureOut">
               <a:rPr lang="zh-TW" altLang="en-US" smtClean="0"/>
-              <a:t>2017/10/21</a:t>
+              <a:t>2020/5/30</a:t>
             </a:fld>
             <a:endParaRPr lang="zh-TW" altLang="en-US"/>
           </a:p>
@@ -1437,8 +1450,8 @@
         </p:nvSpPr>
         <p:spPr>
           <a:xfrm>
-            <a:off x="457200" y="1535113"/>
-            <a:ext cx="4040188" cy="639762"/>
+            <a:off x="609600" y="1535113"/>
+            <a:ext cx="5386917" cy="639762"/>
           </a:xfrm>
         </p:spPr>
         <p:txBody>
@@ -1502,8 +1515,8 @@
         </p:nvSpPr>
         <p:spPr>
           <a:xfrm>
-            <a:off x="457200" y="2174875"/>
-            <a:ext cx="4040188" cy="3951288"/>
+            <a:off x="609600" y="2174875"/>
+            <a:ext cx="5386917" cy="3951288"/>
           </a:xfrm>
         </p:spPr>
         <p:txBody>
@@ -1587,8 +1600,8 @@
         </p:nvSpPr>
         <p:spPr>
           <a:xfrm>
-            <a:off x="4645025" y="1535113"/>
-            <a:ext cx="4041775" cy="639762"/>
+            <a:off x="6193368" y="1535113"/>
+            <a:ext cx="5389033" cy="639762"/>
           </a:xfrm>
         </p:spPr>
         <p:txBody>
@@ -1652,8 +1665,8 @@
         </p:nvSpPr>
         <p:spPr>
           <a:xfrm>
-            <a:off x="4645025" y="2174875"/>
-            <a:ext cx="4041775" cy="3951288"/>
+            <a:off x="6193368" y="2174875"/>
+            <a:ext cx="5389033" cy="3951288"/>
           </a:xfrm>
         </p:spPr>
         <p:txBody>
@@ -1742,7 +1755,7 @@
           <a:p>
             <a:fld id="{14467127-E8DE-42E1-8DAB-0022B04B92FD}" type="datetimeFigureOut">
               <a:rPr lang="zh-TW" altLang="en-US" smtClean="0"/>
-              <a:t>2017/10/21</a:t>
+              <a:t>2020/5/30</a:t>
             </a:fld>
             <a:endParaRPr lang="zh-TW" altLang="en-US"/>
           </a:p>
@@ -1855,7 +1868,7 @@
           <a:p>
             <a:fld id="{14467127-E8DE-42E1-8DAB-0022B04B92FD}" type="datetimeFigureOut">
               <a:rPr lang="zh-TW" altLang="en-US" smtClean="0"/>
-              <a:t>2017/10/21</a:t>
+              <a:t>2020/5/30</a:t>
             </a:fld>
             <a:endParaRPr lang="zh-TW" altLang="en-US"/>
           </a:p>
@@ -1945,7 +1958,7 @@
           <a:p>
             <a:fld id="{14467127-E8DE-42E1-8DAB-0022B04B92FD}" type="datetimeFigureOut">
               <a:rPr lang="zh-TW" altLang="en-US" smtClean="0"/>
-              <a:t>2017/10/21</a:t>
+              <a:t>2020/5/30</a:t>
             </a:fld>
             <a:endParaRPr lang="zh-TW" altLang="en-US"/>
           </a:p>
@@ -2030,8 +2043,8 @@
         </p:nvSpPr>
         <p:spPr>
           <a:xfrm>
-            <a:off x="457200" y="273050"/>
-            <a:ext cx="3008313" cy="1162050"/>
+            <a:off x="609601" y="273050"/>
+            <a:ext cx="4011084" cy="1162050"/>
           </a:xfrm>
         </p:spPr>
         <p:txBody>
@@ -2062,8 +2075,8 @@
         </p:nvSpPr>
         <p:spPr>
           <a:xfrm>
-            <a:off x="3575050" y="273050"/>
-            <a:ext cx="5111750" cy="5853113"/>
+            <a:off x="4766733" y="273051"/>
+            <a:ext cx="6815667" cy="5853113"/>
           </a:xfrm>
         </p:spPr>
         <p:txBody>
@@ -2147,8 +2160,8 @@
         </p:nvSpPr>
         <p:spPr>
           <a:xfrm>
-            <a:off x="457200" y="1435100"/>
-            <a:ext cx="3008313" cy="4691063"/>
+            <a:off x="609601" y="1435101"/>
+            <a:ext cx="4011084" cy="4691063"/>
           </a:xfrm>
         </p:spPr>
         <p:txBody>
@@ -2217,7 +2230,7 @@
           <a:p>
             <a:fld id="{14467127-E8DE-42E1-8DAB-0022B04B92FD}" type="datetimeFigureOut">
               <a:rPr lang="zh-TW" altLang="en-US" smtClean="0"/>
-              <a:t>2017/10/21</a:t>
+              <a:t>2020/5/30</a:t>
             </a:fld>
             <a:endParaRPr lang="zh-TW" altLang="en-US"/>
           </a:p>
@@ -2302,8 +2315,8 @@
         </p:nvSpPr>
         <p:spPr>
           <a:xfrm>
-            <a:off x="1792288" y="4800600"/>
-            <a:ext cx="5486400" cy="566738"/>
+            <a:off x="2389717" y="4800600"/>
+            <a:ext cx="7315200" cy="566738"/>
           </a:xfrm>
         </p:spPr>
         <p:txBody>
@@ -2334,8 +2347,8 @@
         </p:nvSpPr>
         <p:spPr>
           <a:xfrm>
-            <a:off x="1792288" y="612775"/>
-            <a:ext cx="5486400" cy="4114800"/>
+            <a:off x="2389717" y="612775"/>
+            <a:ext cx="7315200" cy="4114800"/>
           </a:xfrm>
         </p:spPr>
         <p:txBody>
@@ -2399,8 +2412,8 @@
         </p:nvSpPr>
         <p:spPr>
           <a:xfrm>
-            <a:off x="1792288" y="5367338"/>
-            <a:ext cx="5486400" cy="804862"/>
+            <a:off x="2389717" y="5367338"/>
+            <a:ext cx="7315200" cy="804862"/>
           </a:xfrm>
         </p:spPr>
         <p:txBody>
@@ -2469,7 +2482,7 @@
           <a:p>
             <a:fld id="{14467127-E8DE-42E1-8DAB-0022B04B92FD}" type="datetimeFigureOut">
               <a:rPr lang="zh-TW" altLang="en-US" smtClean="0"/>
-              <a:t>2017/10/21</a:t>
+              <a:t>2020/5/30</a:t>
             </a:fld>
             <a:endParaRPr lang="zh-TW" altLang="en-US"/>
           </a:p>
@@ -2564,8 +2577,8 @@
         </p:nvSpPr>
         <p:spPr>
           <a:xfrm>
-            <a:off x="457200" y="274638"/>
-            <a:ext cx="8229600" cy="1143000"/>
+            <a:off x="609600" y="274638"/>
+            <a:ext cx="10972800" cy="1143000"/>
           </a:xfrm>
           <a:prstGeom prst="rect">
             <a:avLst/>
@@ -2597,8 +2610,8 @@
         </p:nvSpPr>
         <p:spPr>
           <a:xfrm>
-            <a:off x="457200" y="1600200"/>
-            <a:ext cx="8229600" cy="4525963"/>
+            <a:off x="609600" y="1600201"/>
+            <a:ext cx="10972800" cy="4525963"/>
           </a:xfrm>
           <a:prstGeom prst="rect">
             <a:avLst/>
@@ -2659,8 +2672,8 @@
         </p:nvSpPr>
         <p:spPr>
           <a:xfrm>
-            <a:off x="457200" y="6356350"/>
-            <a:ext cx="2133600" cy="365125"/>
+            <a:off x="609600" y="6356351"/>
+            <a:ext cx="2844800" cy="365125"/>
           </a:xfrm>
           <a:prstGeom prst="rect">
             <a:avLst/>
@@ -2682,7 +2695,7 @@
           <a:p>
             <a:fld id="{14467127-E8DE-42E1-8DAB-0022B04B92FD}" type="datetimeFigureOut">
               <a:rPr lang="zh-TW" altLang="en-US" smtClean="0"/>
-              <a:t>2017/10/21</a:t>
+              <a:t>2020/5/30</a:t>
             </a:fld>
             <a:endParaRPr lang="zh-TW" altLang="en-US"/>
           </a:p>
@@ -2700,8 +2713,8 @@
         </p:nvSpPr>
         <p:spPr>
           <a:xfrm>
-            <a:off x="3124200" y="6356350"/>
-            <a:ext cx="2895600" cy="365125"/>
+            <a:off x="4165600" y="6356351"/>
+            <a:ext cx="3860800" cy="365125"/>
           </a:xfrm>
           <a:prstGeom prst="rect">
             <a:avLst/>
@@ -2737,8 +2750,8 @@
         </p:nvSpPr>
         <p:spPr>
           <a:xfrm>
-            <a:off x="6553200" y="6356350"/>
-            <a:ext cx="2133600" cy="365125"/>
+            <a:off x="8737600" y="6356351"/>
+            <a:ext cx="2844800" cy="365125"/>
           </a:xfrm>
           <a:prstGeom prst="rect">
             <a:avLst/>
@@ -3108,6 +3121,16 @@
               <a:buNone/>
             </a:pPr>
             <a:r>
+              <a:rPr lang="zh-TW" altLang="en-US" sz="5400" b="1" dirty="0">
+                <a:solidFill>
+                  <a:srgbClr val="660033"/>
+                </a:solidFill>
+                <a:latin typeface="微軟正黑體" pitchFamily="34" charset="-120"/>
+                <a:ea typeface="微軟正黑體" pitchFamily="34" charset="-120"/>
+              </a:rPr>
+              <a:t>來作工  來作</a:t>
+            </a:r>
+            <a:r>
               <a:rPr lang="zh-TW" altLang="en-US" sz="5400" b="1" dirty="0" smtClean="0">
                 <a:solidFill>
                   <a:srgbClr val="660033"/>
@@ -3115,9 +3138,61 @@
                 <a:latin typeface="微軟正黑體" pitchFamily="34" charset="-120"/>
                 <a:ea typeface="微軟正黑體" pitchFamily="34" charset="-120"/>
               </a:rPr>
+              <a:t>工</a:t>
+            </a:r>
+            <a:r>
+              <a:rPr lang="en-US" altLang="zh-TW" sz="5400" b="1" dirty="0" smtClean="0">
+                <a:solidFill>
+                  <a:srgbClr val="660033"/>
+                </a:solidFill>
+                <a:latin typeface="微軟正黑體" pitchFamily="34" charset="-120"/>
+                <a:ea typeface="微軟正黑體" pitchFamily="34" charset="-120"/>
+              </a:rPr>
+              <a:t>  </a:t>
+            </a:r>
+            <a:r>
+              <a:rPr lang="zh-TW" altLang="en-US" sz="5400" b="1" dirty="0" smtClean="0">
+                <a:solidFill>
+                  <a:srgbClr val="660033"/>
+                </a:solidFill>
+                <a:latin typeface="微軟正黑體" pitchFamily="34" charset="-120"/>
+                <a:ea typeface="微軟正黑體" pitchFamily="34" charset="-120"/>
+              </a:rPr>
               <a:t>來</a:t>
             </a:r>
             <a:r>
+              <a:rPr lang="zh-TW" altLang="en-US" sz="5400" b="1" dirty="0">
+                <a:solidFill>
+                  <a:srgbClr val="660033"/>
+                </a:solidFill>
+                <a:latin typeface="微軟正黑體" pitchFamily="34" charset="-120"/>
+                <a:ea typeface="微軟正黑體" pitchFamily="34" charset="-120"/>
+              </a:rPr>
+              <a:t>作主忠信僕</a:t>
+            </a:r>
+            <a:endParaRPr lang="en-US" altLang="zh-TW" sz="5400" b="1" dirty="0">
+              <a:solidFill>
+                <a:srgbClr val="660033"/>
+              </a:solidFill>
+              <a:latin typeface="微軟正黑體" pitchFamily="34" charset="-120"/>
+              <a:ea typeface="微軟正黑體" pitchFamily="34" charset="-120"/>
+            </a:endParaRPr>
+          </a:p>
+          <a:p>
+            <a:pPr algn="ctr">
+              <a:buNone/>
+            </a:pPr>
+            <a:r>
+              <a:rPr lang="zh-TW" altLang="en-US" sz="5400" b="1" dirty="0">
+                <a:solidFill>
+                  <a:srgbClr val="660033"/>
+                </a:solidFill>
+                <a:latin typeface="微軟正黑體" pitchFamily="34" charset="-120"/>
+                <a:ea typeface="微軟正黑體" pitchFamily="34" charset="-120"/>
+              </a:rPr>
+              <a:t>總要大家發</a:t>
+            </a:r>
+            <a:r>
               <a:rPr lang="zh-TW" altLang="en-US" sz="5400" b="1" dirty="0" smtClean="0">
                 <a:solidFill>
                   <a:srgbClr val="660033"/>
@@ -3125,7 +3200,47 @@
                 <a:latin typeface="微軟正黑體" pitchFamily="34" charset="-120"/>
                 <a:ea typeface="微軟正黑體" pitchFamily="34" charset="-120"/>
               </a:rPr>
-              <a:t>作工  來作工</a:t>
+              <a:t>憤</a:t>
+            </a:r>
+            <a:r>
+              <a:rPr lang="en-US" altLang="zh-TW" sz="5400" b="1" dirty="0" smtClean="0">
+                <a:solidFill>
+                  <a:srgbClr val="660033"/>
+                </a:solidFill>
+                <a:latin typeface="微軟正黑體" pitchFamily="34" charset="-120"/>
+                <a:ea typeface="微軟正黑體" pitchFamily="34" charset="-120"/>
+              </a:rPr>
+              <a:t>  </a:t>
+            </a:r>
+            <a:r>
+              <a:rPr lang="zh-TW" altLang="en-US" sz="5400" b="1" dirty="0" smtClean="0">
+                <a:solidFill>
+                  <a:srgbClr val="660033"/>
+                </a:solidFill>
+                <a:latin typeface="微軟正黑體" pitchFamily="34" charset="-120"/>
+                <a:ea typeface="微軟正黑體" pitchFamily="34" charset="-120"/>
+              </a:rPr>
+              <a:t>同</a:t>
+            </a:r>
+            <a:r>
+              <a:rPr lang="zh-TW" altLang="en-US" sz="5400" b="1" dirty="0">
+                <a:solidFill>
+                  <a:srgbClr val="660033"/>
+                </a:solidFill>
+                <a:latin typeface="微軟正黑體" pitchFamily="34" charset="-120"/>
+                <a:ea typeface="微軟正黑體" pitchFamily="34" charset="-120"/>
+              </a:rPr>
+              <a:t>來從主腳</a:t>
+            </a:r>
+            <a:r>
+              <a:rPr lang="zh-TW" altLang="en-US" sz="5400" b="1" dirty="0" smtClean="0">
+                <a:solidFill>
+                  <a:srgbClr val="660033"/>
+                </a:solidFill>
+                <a:latin typeface="微軟正黑體" pitchFamily="34" charset="-120"/>
+                <a:ea typeface="微軟正黑體" pitchFamily="34" charset="-120"/>
+              </a:rPr>
+              <a:t>步</a:t>
             </a:r>
             <a:endParaRPr lang="en-US" altLang="zh-TW" sz="5400" b="1" dirty="0" smtClean="0">
               <a:solidFill>
@@ -3140,6 +3255,16 @@
               <a:buNone/>
             </a:pPr>
             <a:r>
+              <a:rPr lang="zh-TW" altLang="en-US" sz="5400" b="1" dirty="0">
+                <a:solidFill>
+                  <a:srgbClr val="660033"/>
+                </a:solidFill>
+                <a:latin typeface="微軟正黑體" pitchFamily="34" charset="-120"/>
+                <a:ea typeface="微軟正黑體" pitchFamily="34" charset="-120"/>
+              </a:rPr>
+              <a:t>既有救主指</a:t>
+            </a:r>
+            <a:r>
               <a:rPr lang="zh-TW" altLang="en-US" sz="5400" b="1" dirty="0" smtClean="0">
                 <a:solidFill>
                   <a:srgbClr val="660033"/>
@@ -3147,7 +3272,17 @@
                 <a:latin typeface="微軟正黑體" pitchFamily="34" charset="-120"/>
                 <a:ea typeface="微軟正黑體" pitchFamily="34" charset="-120"/>
               </a:rPr>
-              <a:t>來</a:t>
+              <a:t>點</a:t>
+            </a:r>
+            <a:r>
+              <a:rPr lang="en-US" altLang="zh-TW" sz="5400" b="1" dirty="0" smtClean="0">
+                <a:solidFill>
+                  <a:srgbClr val="660033"/>
+                </a:solidFill>
+                <a:latin typeface="微軟正黑體" pitchFamily="34" charset="-120"/>
+                <a:ea typeface="微軟正黑體" pitchFamily="34" charset="-120"/>
+              </a:rPr>
+              <a:t>  </a:t>
             </a:r>
             <a:r>
               <a:rPr lang="zh-TW" altLang="en-US" sz="5400" b="1" dirty="0" smtClean="0">
@@ -3157,19 +3292,19 @@
                 <a:latin typeface="微軟正黑體" pitchFamily="34" charset="-120"/>
                 <a:ea typeface="微軟正黑體" pitchFamily="34" charset="-120"/>
               </a:rPr>
-              <a:t>作主忠信</a:t>
-            </a:r>
-            <a:r>
-              <a:rPr lang="zh-TW" altLang="en-US" sz="5400" b="1" dirty="0" smtClean="0">
-                <a:solidFill>
-                  <a:srgbClr val="660033"/>
-                </a:solidFill>
-                <a:latin typeface="微軟正黑體" pitchFamily="34" charset="-120"/>
-                <a:ea typeface="微軟正黑體" pitchFamily="34" charset="-120"/>
-              </a:rPr>
-              <a:t>僕</a:t>
-            </a:r>
-            <a:endParaRPr lang="en-US" altLang="zh-TW" sz="5400" b="1" dirty="0" smtClean="0">
+              <a:t>莫</a:t>
+            </a:r>
+            <a:r>
+              <a:rPr lang="zh-TW" altLang="en-US" sz="5400" b="1" dirty="0">
+                <a:solidFill>
+                  <a:srgbClr val="660033"/>
+                </a:solidFill>
+                <a:latin typeface="微軟正黑體" pitchFamily="34" charset="-120"/>
+                <a:ea typeface="微軟正黑體" pitchFamily="34" charset="-120"/>
+              </a:rPr>
+              <a:t>說力量不足</a:t>
+            </a:r>
+            <a:endParaRPr lang="en-US" altLang="zh-TW" sz="5400" b="1" dirty="0">
               <a:solidFill>
                 <a:srgbClr val="660033"/>
               </a:solidFill>
@@ -3189,7 +3324,17 @@
                 <a:latin typeface="微軟正黑體" pitchFamily="34" charset="-120"/>
                 <a:ea typeface="微軟正黑體" pitchFamily="34" charset="-120"/>
               </a:rPr>
-              <a:t>總</a:t>
+              <a:t>只</a:t>
+            </a:r>
+            <a:r>
+              <a:rPr lang="zh-TW" altLang="en-US" sz="5400" b="1" dirty="0">
+                <a:solidFill>
+                  <a:srgbClr val="660033"/>
+                </a:solidFill>
+                <a:latin typeface="微軟正黑體" pitchFamily="34" charset="-120"/>
+                <a:ea typeface="微軟正黑體" pitchFamily="34" charset="-120"/>
+              </a:rPr>
+              <a:t>要慇勤撒</a:t>
             </a:r>
             <a:r>
               <a:rPr lang="zh-TW" altLang="en-US" sz="5400" b="1" dirty="0" smtClean="0">
@@ -3199,7 +3344,17 @@
                 <a:latin typeface="微軟正黑體" pitchFamily="34" charset="-120"/>
                 <a:ea typeface="微軟正黑體" pitchFamily="34" charset="-120"/>
               </a:rPr>
-              <a:t>要大家</a:t>
+              <a:t>種</a:t>
+            </a:r>
+            <a:r>
+              <a:rPr lang="en-US" altLang="zh-TW" sz="5400" b="1" dirty="0" smtClean="0">
+                <a:solidFill>
+                  <a:srgbClr val="660033"/>
+                </a:solidFill>
+                <a:latin typeface="微軟正黑體" pitchFamily="34" charset="-120"/>
+                <a:ea typeface="微軟正黑體" pitchFamily="34" charset="-120"/>
+              </a:rPr>
+              <a:t>  </a:t>
             </a:r>
             <a:r>
               <a:rPr lang="zh-TW" altLang="en-US" sz="5400" b="1" dirty="0" smtClean="0">
@@ -3209,9 +3364,29 @@
                 <a:latin typeface="微軟正黑體" pitchFamily="34" charset="-120"/>
                 <a:ea typeface="微軟正黑體" pitchFamily="34" charset="-120"/>
               </a:rPr>
-              <a:t>發憤</a:t>
-            </a:r>
-            <a:endParaRPr lang="en-US" altLang="zh-TW" sz="5400" b="1" dirty="0" smtClean="0">
+              <a:t>必</a:t>
+            </a:r>
+            <a:r>
+              <a:rPr lang="zh-TW" altLang="en-US" sz="5400" b="1" dirty="0">
+                <a:solidFill>
+                  <a:srgbClr val="660033"/>
+                </a:solidFill>
+                <a:latin typeface="微軟正黑體" pitchFamily="34" charset="-120"/>
+                <a:ea typeface="微軟正黑體" pitchFamily="34" charset="-120"/>
+              </a:rPr>
+              <a:t>要茂盛成</a:t>
+            </a:r>
+            <a:r>
+              <a:rPr lang="zh-TW" altLang="en-US" sz="5400" b="1" dirty="0" smtClean="0">
+                <a:solidFill>
+                  <a:srgbClr val="660033"/>
+                </a:solidFill>
+                <a:latin typeface="微軟正黑體" pitchFamily="34" charset="-120"/>
+                <a:ea typeface="微軟正黑體" pitchFamily="34" charset="-120"/>
+              </a:rPr>
+              <a:t>熟</a:t>
+            </a:r>
+            <a:endParaRPr lang="en-US" altLang="zh-TW" sz="5400" b="1" dirty="0">
               <a:solidFill>
                 <a:srgbClr val="660033"/>
               </a:solidFill>
@@ -3219,46 +3394,42 @@
               <a:ea typeface="微軟正黑體" pitchFamily="34" charset="-120"/>
             </a:endParaRPr>
           </a:p>
-          <a:p>
-            <a:pPr algn="ctr">
-              <a:buNone/>
-            </a:pPr>
-            <a:r>
-              <a:rPr lang="zh-TW" altLang="en-US" sz="5400" b="1" dirty="0" smtClean="0">
-                <a:solidFill>
-                  <a:srgbClr val="660033"/>
-                </a:solidFill>
-                <a:latin typeface="微軟正黑體" pitchFamily="34" charset="-120"/>
-                <a:ea typeface="微軟正黑體" pitchFamily="34" charset="-120"/>
-              </a:rPr>
-              <a:t>同</a:t>
-            </a:r>
-            <a:r>
-              <a:rPr lang="zh-TW" altLang="en-US" sz="5400" b="1" dirty="0" smtClean="0">
-                <a:solidFill>
-                  <a:srgbClr val="660033"/>
-                </a:solidFill>
-                <a:latin typeface="微軟正黑體" pitchFamily="34" charset="-120"/>
-                <a:ea typeface="微軟正黑體" pitchFamily="34" charset="-120"/>
-              </a:rPr>
-              <a:t>來從主</a:t>
-            </a:r>
-            <a:r>
-              <a:rPr lang="zh-TW" altLang="en-US" sz="5400" b="1" dirty="0" smtClean="0">
-                <a:solidFill>
-                  <a:srgbClr val="660033"/>
-                </a:solidFill>
-                <a:latin typeface="微軟正黑體" pitchFamily="34" charset="-120"/>
-                <a:ea typeface="微軟正黑體" pitchFamily="34" charset="-120"/>
-              </a:rPr>
-              <a:t>腳步</a:t>
-            </a:r>
-            <a:endParaRPr lang="en-US" altLang="zh-TW" sz="5400" b="1" dirty="0" smtClean="0">
+        </p:txBody>
+      </p:sp>
+      <p:sp>
+        <p:nvSpPr>
+          <p:cNvPr id="2" name="TextBox 1"/>
+          <p:cNvSpPr txBox="1"/>
+          <p:nvPr/>
+        </p:nvSpPr>
+        <p:spPr>
+          <a:xfrm>
+            <a:off x="407368" y="1700808"/>
+            <a:ext cx="720080" cy="830997"/>
+          </a:xfrm>
+          <a:prstGeom prst="rect">
+            <a:avLst/>
+          </a:prstGeom>
+          <a:noFill/>
+        </p:spPr>
+        <p:txBody>
+          <a:bodyPr wrap="square" rtlCol="0">
+            <a:spAutoFit/>
+          </a:bodyPr>
+          <a:lstStyle/>
+          <a:p>
+            <a:r>
+              <a:rPr lang="en-US" sz="4800" b="1" dirty="0" smtClean="0">
+                <a:solidFill>
+                  <a:srgbClr val="660033"/>
+                </a:solidFill>
+              </a:rPr>
+              <a:t>1.</a:t>
+            </a:r>
+            <a:endParaRPr lang="vi-VN" sz="4800" b="1" dirty="0">
               <a:solidFill>
                 <a:srgbClr val="660033"/>
               </a:solidFill>
-              <a:latin typeface="微軟正黑體" pitchFamily="34" charset="-120"/>
-              <a:ea typeface="微軟正黑體" pitchFamily="34" charset="-120"/>
             </a:endParaRPr>
           </a:p>
         </p:txBody>
@@ -3344,16 +3515,16 @@
               <a:buNone/>
             </a:pPr>
             <a:r>
-              <a:rPr lang="zh-TW" altLang="en-US" sz="5400" b="1" dirty="0" smtClean="0">
-                <a:solidFill>
-                  <a:srgbClr val="660033"/>
-                </a:solidFill>
-                <a:latin typeface="微軟正黑體" pitchFamily="34" charset="-120"/>
-                <a:ea typeface="微軟正黑體" pitchFamily="34" charset="-120"/>
-              </a:rPr>
-              <a:t>既有救主指點</a:t>
-            </a:r>
-            <a:endParaRPr lang="en-US" altLang="zh-TW" sz="5400" b="1" dirty="0" smtClean="0">
+              <a:rPr lang="zh-TW" altLang="en-US" sz="5400" b="1" dirty="0">
+                <a:solidFill>
+                  <a:srgbClr val="660033"/>
+                </a:solidFill>
+                <a:latin typeface="微軟正黑體" pitchFamily="34" charset="-120"/>
+                <a:ea typeface="微軟正黑體" pitchFamily="34" charset="-120"/>
+              </a:rPr>
+              <a:t>當勤勞  當勤勞</a:t>
+            </a:r>
+            <a:endParaRPr lang="en-US" altLang="zh-TW" sz="5400" b="1" dirty="0">
               <a:solidFill>
                 <a:srgbClr val="660033"/>
               </a:solidFill>
@@ -3366,16 +3537,16 @@
               <a:buNone/>
             </a:pPr>
             <a:r>
-              <a:rPr lang="zh-TW" altLang="en-US" sz="5400" b="1" dirty="0" smtClean="0">
-                <a:solidFill>
-                  <a:srgbClr val="660033"/>
-                </a:solidFill>
-                <a:latin typeface="微軟正黑體" pitchFamily="34" charset="-120"/>
-                <a:ea typeface="微軟正黑體" pitchFamily="34" charset="-120"/>
-              </a:rPr>
-              <a:t>莫說力量不足</a:t>
-            </a:r>
-            <a:endParaRPr lang="en-US" altLang="zh-TW" sz="5400" b="1" dirty="0" smtClean="0">
+              <a:rPr lang="zh-TW" altLang="en-US" sz="5400" b="1" dirty="0">
+                <a:solidFill>
+                  <a:srgbClr val="660033"/>
+                </a:solidFill>
+                <a:latin typeface="微軟正黑體" pitchFamily="34" charset="-120"/>
+                <a:ea typeface="微軟正黑體" pitchFamily="34" charset="-120"/>
+              </a:rPr>
+              <a:t>當勤勞  當勤勞</a:t>
+            </a:r>
+            <a:endParaRPr lang="en-US" altLang="zh-TW" sz="5400" b="1" dirty="0">
               <a:solidFill>
                 <a:srgbClr val="660033"/>
               </a:solidFill>
@@ -3388,16 +3559,16 @@
               <a:buNone/>
             </a:pPr>
             <a:r>
-              <a:rPr lang="zh-TW" altLang="en-US" sz="5400" b="1" dirty="0" smtClean="0">
-                <a:solidFill>
-                  <a:srgbClr val="660033"/>
-                </a:solidFill>
-                <a:latin typeface="微軟正黑體" pitchFamily="34" charset="-120"/>
-                <a:ea typeface="微軟正黑體" pitchFamily="34" charset="-120"/>
-              </a:rPr>
-              <a:t> 只要慇勤撒種</a:t>
-            </a:r>
-            <a:endParaRPr lang="en-US" altLang="zh-TW" sz="5400" b="1" dirty="0" smtClean="0">
+              <a:rPr lang="zh-TW" altLang="en-US" sz="5400" b="1" dirty="0">
+                <a:solidFill>
+                  <a:srgbClr val="660033"/>
+                </a:solidFill>
+                <a:latin typeface="微軟正黑體" pitchFamily="34" charset="-120"/>
+                <a:ea typeface="微軟正黑體" pitchFamily="34" charset="-120"/>
+              </a:rPr>
+              <a:t>恆忍望  儆醒待</a:t>
+            </a:r>
+            <a:endParaRPr lang="en-US" altLang="zh-TW" sz="5400" b="1" dirty="0">
               <a:solidFill>
                 <a:srgbClr val="660033"/>
               </a:solidFill>
@@ -3410,16 +3581,16 @@
               <a:buNone/>
             </a:pPr>
             <a:r>
-              <a:rPr lang="zh-TW" altLang="en-US" sz="5400" b="1" dirty="0" smtClean="0">
-                <a:solidFill>
-                  <a:srgbClr val="660033"/>
-                </a:solidFill>
-                <a:latin typeface="微軟正黑體" pitchFamily="34" charset="-120"/>
-                <a:ea typeface="微軟正黑體" pitchFamily="34" charset="-120"/>
-              </a:rPr>
-              <a:t>必要茂盛成熟</a:t>
-            </a:r>
-            <a:endParaRPr lang="en-US" altLang="zh-TW" sz="5400" b="1" dirty="0" smtClean="0">
+              <a:rPr lang="zh-TW" altLang="en-US" sz="5400" b="1" dirty="0">
+                <a:solidFill>
+                  <a:srgbClr val="660033"/>
+                </a:solidFill>
+                <a:latin typeface="微軟正黑體" pitchFamily="34" charset="-120"/>
+                <a:ea typeface="微軟正黑體" pitchFamily="34" charset="-120"/>
+              </a:rPr>
+              <a:t>忠心勤工直到主來</a:t>
+            </a:r>
+            <a:endParaRPr lang="en-US" altLang="zh-TW" sz="5400" b="1" dirty="0">
               <a:solidFill>
                 <a:srgbClr val="660033"/>
               </a:solidFill>
@@ -3510,6 +3681,16 @@
               <a:buNone/>
             </a:pPr>
             <a:r>
+              <a:rPr lang="zh-TW" altLang="en-US" sz="5400" b="1" dirty="0">
+                <a:solidFill>
+                  <a:srgbClr val="660033"/>
+                </a:solidFill>
+                <a:latin typeface="微軟正黑體" pitchFamily="34" charset="-120"/>
+                <a:ea typeface="微軟正黑體" pitchFamily="34" charset="-120"/>
+              </a:rPr>
+              <a:t>來作工  來作</a:t>
+            </a:r>
+            <a:r>
               <a:rPr lang="zh-TW" altLang="en-US" sz="5400" b="1" dirty="0" smtClean="0">
                 <a:solidFill>
                   <a:srgbClr val="660033"/>
@@ -3517,7 +3698,109 @@
                 <a:latin typeface="微軟正黑體" pitchFamily="34" charset="-120"/>
                 <a:ea typeface="微軟正黑體" pitchFamily="34" charset="-120"/>
               </a:rPr>
-              <a:t>當勤勞  當勤勞</a:t>
+              <a:t>工</a:t>
+            </a:r>
+            <a:r>
+              <a:rPr lang="en-US" altLang="zh-TW" sz="5400" b="1" dirty="0" smtClean="0">
+                <a:solidFill>
+                  <a:srgbClr val="660033"/>
+                </a:solidFill>
+                <a:latin typeface="微軟正黑體" pitchFamily="34" charset="-120"/>
+                <a:ea typeface="微軟正黑體" pitchFamily="34" charset="-120"/>
+              </a:rPr>
+              <a:t>  </a:t>
+            </a:r>
+            <a:r>
+              <a:rPr lang="zh-TW" altLang="en-US" sz="5400" b="1" dirty="0" smtClean="0">
+                <a:solidFill>
+                  <a:srgbClr val="660033"/>
+                </a:solidFill>
+                <a:latin typeface="微軟正黑體" pitchFamily="34" charset="-120"/>
+                <a:ea typeface="微軟正黑體" pitchFamily="34" charset="-120"/>
+              </a:rPr>
+              <a:t>望</a:t>
+            </a:r>
+            <a:r>
+              <a:rPr lang="zh-TW" altLang="en-US" sz="5400" b="1" dirty="0">
+                <a:solidFill>
+                  <a:srgbClr val="660033"/>
+                </a:solidFill>
+                <a:latin typeface="微軟正黑體" pitchFamily="34" charset="-120"/>
+                <a:ea typeface="微軟正黑體" pitchFamily="34" charset="-120"/>
+              </a:rPr>
+              <a:t>主國度大興</a:t>
+            </a:r>
+            <a:endParaRPr lang="en-US" altLang="zh-TW" sz="5400" b="1" dirty="0">
+              <a:solidFill>
+                <a:srgbClr val="660033"/>
+              </a:solidFill>
+              <a:latin typeface="微軟正黑體" pitchFamily="34" charset="-120"/>
+              <a:ea typeface="微軟正黑體" pitchFamily="34" charset="-120"/>
+            </a:endParaRPr>
+          </a:p>
+          <a:p>
+            <a:pPr algn="ctr">
+              <a:buNone/>
+            </a:pPr>
+            <a:r>
+              <a:rPr lang="zh-TW" altLang="en-US" sz="5400" b="1" dirty="0">
+                <a:solidFill>
+                  <a:srgbClr val="660033"/>
+                </a:solidFill>
+                <a:latin typeface="微軟正黑體" pitchFamily="34" charset="-120"/>
+                <a:ea typeface="微軟正黑體" pitchFamily="34" charset="-120"/>
+              </a:rPr>
+              <a:t>撒但權柄衰</a:t>
+            </a:r>
+            <a:r>
+              <a:rPr lang="zh-TW" altLang="en-US" sz="5400" b="1" dirty="0" smtClean="0">
+                <a:solidFill>
+                  <a:srgbClr val="660033"/>
+                </a:solidFill>
+                <a:latin typeface="微軟正黑體" pitchFamily="34" charset="-120"/>
+                <a:ea typeface="微軟正黑體" pitchFamily="34" charset="-120"/>
+              </a:rPr>
+              <a:t>敗</a:t>
+            </a:r>
+            <a:r>
+              <a:rPr lang="en-US" altLang="zh-TW" sz="5400" b="1" dirty="0" smtClean="0">
+                <a:solidFill>
+                  <a:srgbClr val="660033"/>
+                </a:solidFill>
+                <a:latin typeface="微軟正黑體" pitchFamily="34" charset="-120"/>
+                <a:ea typeface="微軟正黑體" pitchFamily="34" charset="-120"/>
+              </a:rPr>
+              <a:t>  </a:t>
+            </a:r>
+            <a:r>
+              <a:rPr lang="zh-TW" altLang="en-US" sz="5400" b="1" dirty="0" smtClean="0">
+                <a:solidFill>
+                  <a:srgbClr val="660033"/>
+                </a:solidFill>
+                <a:latin typeface="微軟正黑體" pitchFamily="34" charset="-120"/>
+                <a:ea typeface="微軟正黑體" pitchFamily="34" charset="-120"/>
+              </a:rPr>
+              <a:t>去</a:t>
+            </a:r>
+            <a:r>
+              <a:rPr lang="zh-TW" altLang="en-US" sz="5400" b="1" dirty="0">
+                <a:solidFill>
+                  <a:srgbClr val="660033"/>
+                </a:solidFill>
+                <a:latin typeface="微軟正黑體" pitchFamily="34" charset="-120"/>
+                <a:ea typeface="微軟正黑體" pitchFamily="34" charset="-120"/>
+              </a:rPr>
+              <a:t>我膽戰心</a:t>
+            </a:r>
+            <a:r>
+              <a:rPr lang="zh-TW" altLang="en-US" sz="5400" b="1" dirty="0" smtClean="0">
+                <a:solidFill>
+                  <a:srgbClr val="660033"/>
+                </a:solidFill>
+                <a:latin typeface="微軟正黑體" pitchFamily="34" charset="-120"/>
+                <a:ea typeface="微軟正黑體" pitchFamily="34" charset="-120"/>
+              </a:rPr>
+              <a:t>驚</a:t>
             </a:r>
             <a:endParaRPr lang="en-US" altLang="zh-TW" sz="5400" b="1" dirty="0" smtClean="0">
               <a:solidFill>
@@ -3532,6 +3815,16 @@
               <a:buNone/>
             </a:pPr>
             <a:r>
+              <a:rPr lang="zh-TW" altLang="en-US" sz="5400" b="1" dirty="0">
+                <a:solidFill>
+                  <a:srgbClr val="660033"/>
+                </a:solidFill>
+                <a:latin typeface="微軟正黑體" pitchFamily="34" charset="-120"/>
+                <a:ea typeface="微軟正黑體" pitchFamily="34" charset="-120"/>
+              </a:rPr>
+              <a:t>並使天下萬</a:t>
+            </a:r>
+            <a:r>
               <a:rPr lang="zh-TW" altLang="en-US" sz="5400" b="1" dirty="0" smtClean="0">
                 <a:solidFill>
                   <a:srgbClr val="660033"/>
@@ -3539,9 +3832,39 @@
                 <a:latin typeface="微軟正黑體" pitchFamily="34" charset="-120"/>
                 <a:ea typeface="微軟正黑體" pitchFamily="34" charset="-120"/>
               </a:rPr>
-              <a:t>當勤勞  當勤勞</a:t>
-            </a:r>
-            <a:endParaRPr lang="en-US" altLang="zh-TW" sz="5400" b="1" dirty="0" smtClean="0">
+              <a:t>國</a:t>
+            </a:r>
+            <a:r>
+              <a:rPr lang="en-US" altLang="zh-TW" sz="5400" b="1" dirty="0" smtClean="0">
+                <a:solidFill>
+                  <a:srgbClr val="660033"/>
+                </a:solidFill>
+                <a:latin typeface="微軟正黑體" pitchFamily="34" charset="-120"/>
+                <a:ea typeface="微軟正黑體" pitchFamily="34" charset="-120"/>
+              </a:rPr>
+              <a:t>  </a:t>
+            </a:r>
+            <a:r>
+              <a:rPr lang="zh-TW" altLang="en-US" sz="5400" b="1" dirty="0" smtClean="0">
+                <a:solidFill>
+                  <a:srgbClr val="660033"/>
+                </a:solidFill>
+                <a:latin typeface="微軟正黑體" pitchFamily="34" charset="-120"/>
+                <a:ea typeface="微軟正黑體" pitchFamily="34" charset="-120"/>
+              </a:rPr>
+              <a:t>皆</a:t>
+            </a:r>
+            <a:r>
+              <a:rPr lang="zh-TW" altLang="en-US" sz="5400" b="1" dirty="0">
+                <a:solidFill>
+                  <a:srgbClr val="660033"/>
+                </a:solidFill>
+                <a:latin typeface="微軟正黑體" pitchFamily="34" charset="-120"/>
+                <a:ea typeface="微軟正黑體" pitchFamily="34" charset="-120"/>
+              </a:rPr>
+              <a:t>尊基督榮名</a:t>
+            </a:r>
+            <a:endParaRPr lang="en-US" altLang="zh-TW" sz="5400" b="1" dirty="0">
               <a:solidFill>
                 <a:srgbClr val="660033"/>
               </a:solidFill>
@@ -3554,6 +3877,16 @@
               <a:buNone/>
             </a:pPr>
             <a:r>
+              <a:rPr lang="zh-TW" altLang="en-US" sz="5400" b="1" dirty="0">
+                <a:solidFill>
+                  <a:srgbClr val="660033"/>
+                </a:solidFill>
+                <a:latin typeface="微軟正黑體" pitchFamily="34" charset="-120"/>
+                <a:ea typeface="微軟正黑體" pitchFamily="34" charset="-120"/>
+              </a:rPr>
+              <a:t>都來同聲讚</a:t>
+            </a:r>
+            <a:r>
               <a:rPr lang="zh-TW" altLang="en-US" sz="5400" b="1" dirty="0" smtClean="0">
                 <a:solidFill>
                   <a:srgbClr val="660033"/>
@@ -3561,9 +3894,39 @@
                 <a:latin typeface="微軟正黑體" pitchFamily="34" charset="-120"/>
                 <a:ea typeface="微軟正黑體" pitchFamily="34" charset="-120"/>
               </a:rPr>
-              <a:t>恆忍望  儆醒待</a:t>
-            </a:r>
-            <a:endParaRPr lang="en-US" altLang="zh-TW" sz="5400" b="1" dirty="0" smtClean="0">
+              <a:t>美</a:t>
+            </a:r>
+            <a:r>
+              <a:rPr lang="en-US" altLang="zh-TW" sz="5400" b="1" dirty="0" smtClean="0">
+                <a:solidFill>
+                  <a:srgbClr val="660033"/>
+                </a:solidFill>
+                <a:latin typeface="微軟正黑體" pitchFamily="34" charset="-120"/>
+                <a:ea typeface="微軟正黑體" pitchFamily="34" charset="-120"/>
+              </a:rPr>
+              <a:t>  </a:t>
+            </a:r>
+            <a:r>
+              <a:rPr lang="zh-TW" altLang="en-US" sz="5400" b="1" dirty="0" smtClean="0">
+                <a:solidFill>
+                  <a:srgbClr val="660033"/>
+                </a:solidFill>
+                <a:latin typeface="微軟正黑體" pitchFamily="34" charset="-120"/>
+                <a:ea typeface="微軟正黑體" pitchFamily="34" charset="-120"/>
+              </a:rPr>
+              <a:t>感</a:t>
+            </a:r>
+            <a:r>
+              <a:rPr lang="zh-TW" altLang="en-US" sz="5400" b="1" dirty="0">
+                <a:solidFill>
+                  <a:srgbClr val="660033"/>
+                </a:solidFill>
+                <a:latin typeface="微軟正黑體" pitchFamily="34" charset="-120"/>
+                <a:ea typeface="微軟正黑體" pitchFamily="34" charset="-120"/>
+              </a:rPr>
+              <a:t>謝救人鴻恩</a:t>
+            </a:r>
+            <a:endParaRPr lang="en-US" altLang="zh-TW" sz="5400" b="1" dirty="0">
               <a:solidFill>
                 <a:srgbClr val="660033"/>
               </a:solidFill>
@@ -3575,22 +3938,58 @@
             <a:pPr algn="ctr">
               <a:buNone/>
             </a:pPr>
-            <a:r>
-              <a:rPr lang="zh-TW" altLang="en-US" sz="5400" b="1" dirty="0" smtClean="0">
-                <a:solidFill>
-                  <a:srgbClr val="660033"/>
-                </a:solidFill>
-                <a:latin typeface="微軟正黑體" pitchFamily="34" charset="-120"/>
-                <a:ea typeface="微軟正黑體" pitchFamily="34" charset="-120"/>
-              </a:rPr>
-              <a:t>忠心勤工直到主來</a:t>
-            </a:r>
-            <a:endParaRPr lang="en-US" altLang="zh-TW" sz="5400" b="1" dirty="0" smtClean="0">
+            <a:endParaRPr lang="en-US" altLang="zh-TW" sz="5400" b="1" dirty="0">
               <a:solidFill>
                 <a:srgbClr val="660033"/>
               </a:solidFill>
               <a:latin typeface="微軟正黑體" pitchFamily="34" charset="-120"/>
               <a:ea typeface="微軟正黑體" pitchFamily="34" charset="-120"/>
+            </a:endParaRPr>
+          </a:p>
+        </p:txBody>
+      </p:sp>
+      <p:sp>
+        <p:nvSpPr>
+          <p:cNvPr id="6" name="TextBox 5"/>
+          <p:cNvSpPr txBox="1"/>
+          <p:nvPr/>
+        </p:nvSpPr>
+        <p:spPr>
+          <a:xfrm>
+            <a:off x="407368" y="1700808"/>
+            <a:ext cx="720080" cy="830997"/>
+          </a:xfrm>
+          <a:prstGeom prst="rect">
+            <a:avLst/>
+          </a:prstGeom>
+          <a:noFill/>
+        </p:spPr>
+        <p:txBody>
+          <a:bodyPr wrap="square" rtlCol="0">
+            <a:spAutoFit/>
+          </a:bodyPr>
+          <a:lstStyle/>
+          <a:p>
+            <a:r>
+              <a:rPr lang="en-US" sz="4800" b="1" dirty="0">
+                <a:solidFill>
+                  <a:srgbClr val="660033"/>
+                </a:solidFill>
+              </a:rPr>
+              <a:t>2</a:t>
+            </a:r>
+            <a:r>
+              <a:rPr lang="en-US" sz="4800" b="1" dirty="0" smtClean="0">
+                <a:solidFill>
+                  <a:srgbClr val="660033"/>
+                </a:solidFill>
+              </a:rPr>
+              <a:t>.</a:t>
+            </a:r>
+            <a:endParaRPr lang="vi-VN" sz="4800" b="1" dirty="0">
+              <a:solidFill>
+                <a:srgbClr val="660033"/>
+              </a:solidFill>
             </a:endParaRPr>
           </a:p>
         </p:txBody>
@@ -3676,16 +4075,16 @@
               <a:buNone/>
             </a:pPr>
             <a:r>
-              <a:rPr lang="zh-TW" altLang="en-US" sz="5400" b="1" dirty="0" smtClean="0">
-                <a:solidFill>
-                  <a:srgbClr val="660033"/>
-                </a:solidFill>
-                <a:latin typeface="微軟正黑體" pitchFamily="34" charset="-120"/>
-                <a:ea typeface="微軟正黑體" pitchFamily="34" charset="-120"/>
-              </a:rPr>
-              <a:t>來作工  來作工</a:t>
-            </a:r>
-            <a:endParaRPr lang="en-US" altLang="zh-TW" sz="5400" b="1" dirty="0" smtClean="0">
+              <a:rPr lang="zh-TW" altLang="en-US" sz="5400" b="1" dirty="0">
+                <a:solidFill>
+                  <a:srgbClr val="660033"/>
+                </a:solidFill>
+                <a:latin typeface="微軟正黑體" pitchFamily="34" charset="-120"/>
+                <a:ea typeface="微軟正黑體" pitchFamily="34" charset="-120"/>
+              </a:rPr>
+              <a:t>當勤勞  當勤勞</a:t>
+            </a:r>
+            <a:endParaRPr lang="en-US" altLang="zh-TW" sz="5400" b="1" dirty="0">
               <a:solidFill>
                 <a:srgbClr val="660033"/>
               </a:solidFill>
@@ -3698,16 +4097,16 @@
               <a:buNone/>
             </a:pPr>
             <a:r>
-              <a:rPr lang="zh-TW" altLang="en-US" sz="5400" b="1" dirty="0" smtClean="0">
-                <a:solidFill>
-                  <a:srgbClr val="660033"/>
-                </a:solidFill>
-                <a:latin typeface="微軟正黑體" pitchFamily="34" charset="-120"/>
-                <a:ea typeface="微軟正黑體" pitchFamily="34" charset="-120"/>
-              </a:rPr>
-              <a:t>望主國度大興</a:t>
-            </a:r>
-            <a:endParaRPr lang="en-US" altLang="zh-TW" sz="5400" b="1" dirty="0" smtClean="0">
+              <a:rPr lang="zh-TW" altLang="en-US" sz="5400" b="1" dirty="0">
+                <a:solidFill>
+                  <a:srgbClr val="660033"/>
+                </a:solidFill>
+                <a:latin typeface="微軟正黑體" pitchFamily="34" charset="-120"/>
+                <a:ea typeface="微軟正黑體" pitchFamily="34" charset="-120"/>
+              </a:rPr>
+              <a:t>當勤勞  當勤勞</a:t>
+            </a:r>
+            <a:endParaRPr lang="en-US" altLang="zh-TW" sz="5400" b="1" dirty="0">
               <a:solidFill>
                 <a:srgbClr val="660033"/>
               </a:solidFill>
@@ -3720,16 +4119,16 @@
               <a:buNone/>
             </a:pPr>
             <a:r>
-              <a:rPr lang="zh-TW" altLang="en-US" sz="5400" b="1" dirty="0" smtClean="0">
-                <a:solidFill>
-                  <a:srgbClr val="660033"/>
-                </a:solidFill>
-                <a:latin typeface="微軟正黑體" pitchFamily="34" charset="-120"/>
-                <a:ea typeface="微軟正黑體" pitchFamily="34" charset="-120"/>
-              </a:rPr>
-              <a:t>撒但權柄衰敗</a:t>
-            </a:r>
-            <a:endParaRPr lang="en-US" altLang="zh-TW" sz="5400" b="1" dirty="0" smtClean="0">
+              <a:rPr lang="zh-TW" altLang="en-US" sz="5400" b="1" dirty="0">
+                <a:solidFill>
+                  <a:srgbClr val="660033"/>
+                </a:solidFill>
+                <a:latin typeface="微軟正黑體" pitchFamily="34" charset="-120"/>
+                <a:ea typeface="微軟正黑體" pitchFamily="34" charset="-120"/>
+              </a:rPr>
+              <a:t>恆忍望  儆醒待</a:t>
+            </a:r>
+            <a:endParaRPr lang="en-US" altLang="zh-TW" sz="5400" b="1" dirty="0">
               <a:solidFill>
                 <a:srgbClr val="660033"/>
               </a:solidFill>
@@ -3742,16 +4141,16 @@
               <a:buNone/>
             </a:pPr>
             <a:r>
-              <a:rPr lang="zh-TW" altLang="en-US" sz="5400" b="1" dirty="0" smtClean="0">
-                <a:solidFill>
-                  <a:srgbClr val="660033"/>
-                </a:solidFill>
-                <a:latin typeface="微軟正黑體" pitchFamily="34" charset="-120"/>
-                <a:ea typeface="微軟正黑體" pitchFamily="34" charset="-120"/>
-              </a:rPr>
-              <a:t>去我膽戰心驚</a:t>
-            </a:r>
-            <a:endParaRPr lang="en-US" altLang="zh-TW" sz="5400" b="1" dirty="0" smtClean="0">
+              <a:rPr lang="zh-TW" altLang="en-US" sz="5400" b="1" dirty="0">
+                <a:solidFill>
+                  <a:srgbClr val="660033"/>
+                </a:solidFill>
+                <a:latin typeface="微軟正黑體" pitchFamily="34" charset="-120"/>
+                <a:ea typeface="微軟正黑體" pitchFamily="34" charset="-120"/>
+              </a:rPr>
+              <a:t>忠心勤工直到主來</a:t>
+            </a:r>
+            <a:endParaRPr lang="en-US" altLang="zh-TW" sz="5400" b="1" dirty="0">
               <a:solidFill>
                 <a:srgbClr val="660033"/>
               </a:solidFill>
@@ -3842,6 +4241,16 @@
               <a:buNone/>
             </a:pPr>
             <a:r>
+              <a:rPr lang="zh-TW" altLang="en-US" sz="5400" b="1" dirty="0">
+                <a:solidFill>
+                  <a:srgbClr val="660033"/>
+                </a:solidFill>
+                <a:latin typeface="微軟正黑體" pitchFamily="34" charset="-120"/>
+                <a:ea typeface="微軟正黑體" pitchFamily="34" charset="-120"/>
+              </a:rPr>
+              <a:t>來作工  來作</a:t>
+            </a:r>
+            <a:r>
               <a:rPr lang="zh-TW" altLang="en-US" sz="5400" b="1" dirty="0" smtClean="0">
                 <a:solidFill>
                   <a:srgbClr val="660033"/>
@@ -3849,7 +4258,17 @@
                 <a:latin typeface="微軟正黑體" pitchFamily="34" charset="-120"/>
                 <a:ea typeface="微軟正黑體" pitchFamily="34" charset="-120"/>
               </a:rPr>
-              <a:t>並使天下</a:t>
+              <a:t>工</a:t>
+            </a:r>
+            <a:r>
+              <a:rPr lang="en-US" altLang="zh-TW" sz="5400" b="1" dirty="0" smtClean="0">
+                <a:solidFill>
+                  <a:srgbClr val="660033"/>
+                </a:solidFill>
+                <a:latin typeface="微軟正黑體" pitchFamily="34" charset="-120"/>
+                <a:ea typeface="微軟正黑體" pitchFamily="34" charset="-120"/>
+              </a:rPr>
+              <a:t>  </a:t>
             </a:r>
             <a:r>
               <a:rPr lang="zh-TW" altLang="en-US" sz="5400" b="1" dirty="0" smtClean="0">
@@ -3859,7 +4278,89 @@
                 <a:latin typeface="微軟正黑體" pitchFamily="34" charset="-120"/>
                 <a:ea typeface="微軟正黑體" pitchFamily="34" charset="-120"/>
               </a:rPr>
-              <a:t>萬國</a:t>
+              <a:t>主</a:t>
+            </a:r>
+            <a:r>
+              <a:rPr lang="zh-TW" altLang="en-US" sz="5400" b="1" dirty="0">
+                <a:solidFill>
+                  <a:srgbClr val="660033"/>
+                </a:solidFill>
+                <a:latin typeface="微軟正黑體" pitchFamily="34" charset="-120"/>
+                <a:ea typeface="微軟正黑體" pitchFamily="34" charset="-120"/>
+              </a:rPr>
+              <a:t>必賞賜你力</a:t>
+            </a:r>
+            <a:endParaRPr lang="en-US" altLang="zh-TW" sz="5400" b="1" dirty="0">
+              <a:solidFill>
+                <a:srgbClr val="660033"/>
+              </a:solidFill>
+              <a:latin typeface="微軟正黑體" pitchFamily="34" charset="-120"/>
+              <a:ea typeface="微軟正黑體" pitchFamily="34" charset="-120"/>
+            </a:endParaRPr>
+          </a:p>
+          <a:p>
+            <a:pPr algn="ctr">
+              <a:buNone/>
+            </a:pPr>
+            <a:r>
+              <a:rPr lang="zh-TW" altLang="en-US" sz="5400" b="1" dirty="0">
+                <a:solidFill>
+                  <a:srgbClr val="660033"/>
+                </a:solidFill>
+                <a:latin typeface="微軟正黑體" pitchFamily="34" charset="-120"/>
+                <a:ea typeface="微軟正黑體" pitchFamily="34" charset="-120"/>
+              </a:rPr>
+              <a:t>等到工夫完</a:t>
+            </a:r>
+            <a:r>
+              <a:rPr lang="zh-TW" altLang="en-US" sz="5400" b="1" dirty="0" smtClean="0">
+                <a:solidFill>
+                  <a:srgbClr val="660033"/>
+                </a:solidFill>
+                <a:latin typeface="微軟正黑體" pitchFamily="34" charset="-120"/>
+                <a:ea typeface="微軟正黑體" pitchFamily="34" charset="-120"/>
+              </a:rPr>
+              <a:t>畢</a:t>
+            </a:r>
+            <a:r>
+              <a:rPr lang="en-US" altLang="zh-TW" sz="5400" b="1" dirty="0" smtClean="0">
+                <a:solidFill>
+                  <a:srgbClr val="660033"/>
+                </a:solidFill>
+                <a:latin typeface="微軟正黑體" pitchFamily="34" charset="-120"/>
+                <a:ea typeface="微軟正黑體" pitchFamily="34" charset="-120"/>
+              </a:rPr>
+              <a:t>  </a:t>
+            </a:r>
+            <a:r>
+              <a:rPr lang="zh-TW" altLang="en-US" sz="5400" b="1" dirty="0" smtClean="0">
+                <a:solidFill>
+                  <a:srgbClr val="660033"/>
+                </a:solidFill>
+                <a:latin typeface="微軟正黑體" pitchFamily="34" charset="-120"/>
+                <a:ea typeface="微軟正黑體" pitchFamily="34" charset="-120"/>
+              </a:rPr>
+              <a:t>便</a:t>
+            </a:r>
+            <a:r>
+              <a:rPr lang="zh-TW" altLang="en-US" sz="5400" b="1" dirty="0">
+                <a:solidFill>
+                  <a:srgbClr val="660033"/>
+                </a:solidFill>
+                <a:latin typeface="微軟正黑體" pitchFamily="34" charset="-120"/>
+                <a:ea typeface="微軟正黑體" pitchFamily="34" charset="-120"/>
+              </a:rPr>
+              <a:t>有冠冕給</a:t>
+            </a:r>
+            <a:r>
+              <a:rPr lang="zh-TW" altLang="en-US" sz="5400" b="1" dirty="0" smtClean="0">
+                <a:solidFill>
+                  <a:srgbClr val="660033"/>
+                </a:solidFill>
+                <a:latin typeface="微軟正黑體" pitchFamily="34" charset="-120"/>
+                <a:ea typeface="微軟正黑體" pitchFamily="34" charset="-120"/>
+              </a:rPr>
+              <a:t>你</a:t>
             </a:r>
             <a:endParaRPr lang="en-US" altLang="zh-TW" sz="5400" b="1" dirty="0" smtClean="0">
               <a:solidFill>
@@ -3874,6 +4375,16 @@
               <a:buNone/>
             </a:pPr>
             <a:r>
+              <a:rPr lang="zh-TW" altLang="en-US" sz="5400" b="1" dirty="0">
+                <a:solidFill>
+                  <a:srgbClr val="660033"/>
+                </a:solidFill>
+                <a:latin typeface="微軟正黑體" pitchFamily="34" charset="-120"/>
+                <a:ea typeface="微軟正黑體" pitchFamily="34" charset="-120"/>
+              </a:rPr>
+              <a:t>若能忍耐到</a:t>
+            </a:r>
+            <a:r>
               <a:rPr lang="zh-TW" altLang="en-US" sz="5400" b="1" dirty="0" smtClean="0">
                 <a:solidFill>
                   <a:srgbClr val="660033"/>
@@ -3881,7 +4392,17 @@
                 <a:latin typeface="微軟正黑體" pitchFamily="34" charset="-120"/>
                 <a:ea typeface="微軟正黑體" pitchFamily="34" charset="-120"/>
               </a:rPr>
-              <a:t>皆</a:t>
+              <a:t>底</a:t>
+            </a:r>
+            <a:r>
+              <a:rPr lang="en-US" altLang="zh-TW" sz="5400" b="1" dirty="0" smtClean="0">
+                <a:solidFill>
+                  <a:srgbClr val="660033"/>
+                </a:solidFill>
+                <a:latin typeface="微軟正黑體" pitchFamily="34" charset="-120"/>
+                <a:ea typeface="微軟正黑體" pitchFamily="34" charset="-120"/>
+              </a:rPr>
+              <a:t>  </a:t>
             </a:r>
             <a:r>
               <a:rPr lang="zh-TW" altLang="en-US" sz="5400" b="1" dirty="0" smtClean="0">
@@ -3891,19 +4412,19 @@
                 <a:latin typeface="微軟正黑體" pitchFamily="34" charset="-120"/>
                 <a:ea typeface="微軟正黑體" pitchFamily="34" charset="-120"/>
               </a:rPr>
-              <a:t>尊基督榮</a:t>
-            </a:r>
-            <a:r>
-              <a:rPr lang="zh-TW" altLang="en-US" sz="5400" b="1" dirty="0" smtClean="0">
-                <a:solidFill>
-                  <a:srgbClr val="660033"/>
-                </a:solidFill>
-                <a:latin typeface="微軟正黑體" pitchFamily="34" charset="-120"/>
-                <a:ea typeface="微軟正黑體" pitchFamily="34" charset="-120"/>
-              </a:rPr>
-              <a:t>名</a:t>
-            </a:r>
-            <a:endParaRPr lang="en-US" altLang="zh-TW" sz="5400" b="1" dirty="0" smtClean="0">
+              <a:t>必</a:t>
+            </a:r>
+            <a:r>
+              <a:rPr lang="zh-TW" altLang="en-US" sz="5400" b="1" dirty="0">
+                <a:solidFill>
+                  <a:srgbClr val="660033"/>
+                </a:solidFill>
+                <a:latin typeface="微軟正黑體" pitchFamily="34" charset="-120"/>
+                <a:ea typeface="微軟正黑體" pitchFamily="34" charset="-120"/>
+              </a:rPr>
+              <a:t>入天堂安息</a:t>
+            </a:r>
+            <a:endParaRPr lang="en-US" altLang="zh-TW" sz="5400" b="1" dirty="0">
               <a:solidFill>
                 <a:srgbClr val="660033"/>
               </a:solidFill>
@@ -3916,6 +4437,16 @@
               <a:buNone/>
             </a:pPr>
             <a:r>
+              <a:rPr lang="zh-TW" altLang="en-US" sz="5400" b="1" dirty="0">
+                <a:solidFill>
+                  <a:srgbClr val="660033"/>
+                </a:solidFill>
+                <a:latin typeface="微軟正黑體" pitchFamily="34" charset="-120"/>
+                <a:ea typeface="微軟正黑體" pitchFamily="34" charset="-120"/>
+              </a:rPr>
+              <a:t>同眾門徒歌</a:t>
+            </a:r>
+            <a:r>
               <a:rPr lang="zh-TW" altLang="en-US" sz="5400" b="1" dirty="0" smtClean="0">
                 <a:solidFill>
                   <a:srgbClr val="660033"/>
@@ -3923,7 +4454,17 @@
                 <a:latin typeface="微軟正黑體" pitchFamily="34" charset="-120"/>
                 <a:ea typeface="微軟正黑體" pitchFamily="34" charset="-120"/>
               </a:rPr>
-              <a:t>都</a:t>
+              <a:t>唱</a:t>
+            </a:r>
+            <a:r>
+              <a:rPr lang="en-US" altLang="zh-TW" sz="5400" b="1" dirty="0" smtClean="0">
+                <a:solidFill>
+                  <a:srgbClr val="660033"/>
+                </a:solidFill>
+                <a:latin typeface="微軟正黑體" pitchFamily="34" charset="-120"/>
+                <a:ea typeface="微軟正黑體" pitchFamily="34" charset="-120"/>
+              </a:rPr>
+              <a:t>  </a:t>
             </a:r>
             <a:r>
               <a:rPr lang="zh-TW" altLang="en-US" sz="5400" b="1" dirty="0" smtClean="0">
@@ -3933,19 +4474,19 @@
                 <a:latin typeface="微軟正黑體" pitchFamily="34" charset="-120"/>
                 <a:ea typeface="微軟正黑體" pitchFamily="34" charset="-120"/>
               </a:rPr>
-              <a:t>來同聲</a:t>
-            </a:r>
-            <a:r>
-              <a:rPr lang="zh-TW" altLang="en-US" sz="5400" b="1" dirty="0" smtClean="0">
-                <a:solidFill>
-                  <a:srgbClr val="660033"/>
-                </a:solidFill>
-                <a:latin typeface="微軟正黑體" pitchFamily="34" charset="-120"/>
-                <a:ea typeface="微軟正黑體" pitchFamily="34" charset="-120"/>
-              </a:rPr>
-              <a:t>讚美</a:t>
-            </a:r>
-            <a:endParaRPr lang="en-US" altLang="zh-TW" sz="5400" b="1" dirty="0" smtClean="0">
+              <a:t>頌</a:t>
+            </a:r>
+            <a:r>
+              <a:rPr lang="zh-TW" altLang="en-US" sz="5400" b="1" dirty="0">
+                <a:solidFill>
+                  <a:srgbClr val="660033"/>
+                </a:solidFill>
+                <a:latin typeface="微軟正黑體" pitchFamily="34" charset="-120"/>
+                <a:ea typeface="微軟正黑體" pitchFamily="34" charset="-120"/>
+              </a:rPr>
+              <a:t>主恩惠不已</a:t>
+            </a:r>
+            <a:endParaRPr lang="en-US" altLang="zh-TW" sz="5400" b="1" dirty="0">
               <a:solidFill>
                 <a:srgbClr val="660033"/>
               </a:solidFill>
@@ -3957,32 +4498,58 @@
             <a:pPr algn="ctr">
               <a:buNone/>
             </a:pPr>
-            <a:r>
-              <a:rPr lang="zh-TW" altLang="en-US" sz="5400" b="1" dirty="0" smtClean="0">
-                <a:solidFill>
-                  <a:srgbClr val="660033"/>
-                </a:solidFill>
-                <a:latin typeface="微軟正黑體" pitchFamily="34" charset="-120"/>
-                <a:ea typeface="微軟正黑體" pitchFamily="34" charset="-120"/>
-              </a:rPr>
-              <a:t>感謝</a:t>
-            </a:r>
-            <a:r>
-              <a:rPr lang="zh-TW" altLang="en-US" sz="5400" b="1" dirty="0" smtClean="0">
-                <a:solidFill>
-                  <a:srgbClr val="660033"/>
-                </a:solidFill>
-                <a:latin typeface="微軟正黑體" pitchFamily="34" charset="-120"/>
-                <a:ea typeface="微軟正黑體" pitchFamily="34" charset="-120"/>
-              </a:rPr>
-              <a:t>救人鴻恩</a:t>
-            </a:r>
-            <a:endParaRPr lang="en-US" altLang="zh-TW" sz="5400" b="1" dirty="0" smtClean="0">
+            <a:endParaRPr lang="en-US" altLang="zh-TW" sz="5400" b="1" dirty="0">
               <a:solidFill>
                 <a:srgbClr val="660033"/>
               </a:solidFill>
               <a:latin typeface="微軟正黑體" pitchFamily="34" charset="-120"/>
               <a:ea typeface="微軟正黑體" pitchFamily="34" charset="-120"/>
+            </a:endParaRPr>
+          </a:p>
+        </p:txBody>
+      </p:sp>
+      <p:sp>
+        <p:nvSpPr>
+          <p:cNvPr id="6" name="TextBox 5"/>
+          <p:cNvSpPr txBox="1"/>
+          <p:nvPr/>
+        </p:nvSpPr>
+        <p:spPr>
+          <a:xfrm>
+            <a:off x="407368" y="1700808"/>
+            <a:ext cx="720080" cy="830997"/>
+          </a:xfrm>
+          <a:prstGeom prst="rect">
+            <a:avLst/>
+          </a:prstGeom>
+          <a:noFill/>
+        </p:spPr>
+        <p:txBody>
+          <a:bodyPr wrap="square" rtlCol="0">
+            <a:spAutoFit/>
+          </a:bodyPr>
+          <a:lstStyle/>
+          <a:p>
+            <a:r>
+              <a:rPr lang="en-US" sz="4800" b="1" dirty="0">
+                <a:solidFill>
+                  <a:srgbClr val="660033"/>
+                </a:solidFill>
+              </a:rPr>
+              <a:t>3</a:t>
+            </a:r>
+            <a:r>
+              <a:rPr lang="en-US" sz="4800" b="1" dirty="0" smtClean="0">
+                <a:solidFill>
+                  <a:srgbClr val="660033"/>
+                </a:solidFill>
+              </a:rPr>
+              <a:t>.</a:t>
+            </a:r>
+            <a:endParaRPr lang="vi-VN" sz="4800" b="1" dirty="0">
+              <a:solidFill>
+                <a:srgbClr val="660033"/>
+              </a:solidFill>
             </a:endParaRPr>
           </a:p>
         </p:txBody>
@@ -4068,7 +4635,7 @@
               <a:buNone/>
             </a:pPr>
             <a:r>
-              <a:rPr lang="zh-TW" altLang="en-US" sz="5400" b="1" dirty="0" smtClean="0">
+              <a:rPr lang="zh-TW" altLang="en-US" sz="5400" b="1" dirty="0">
                 <a:solidFill>
                   <a:srgbClr val="660033"/>
                 </a:solidFill>
@@ -4077,7 +4644,7 @@
               </a:rPr>
               <a:t>當勤勞  當勤勞</a:t>
             </a:r>
-            <a:endParaRPr lang="en-US" altLang="zh-TW" sz="5400" b="1" dirty="0" smtClean="0">
+            <a:endParaRPr lang="en-US" altLang="zh-TW" sz="5400" b="1" dirty="0">
               <a:solidFill>
                 <a:srgbClr val="660033"/>
               </a:solidFill>
@@ -4090,7 +4657,7 @@
               <a:buNone/>
             </a:pPr>
             <a:r>
-              <a:rPr lang="zh-TW" altLang="en-US" sz="5400" b="1" dirty="0" smtClean="0">
+              <a:rPr lang="zh-TW" altLang="en-US" sz="5400" b="1" dirty="0">
                 <a:solidFill>
                   <a:srgbClr val="660033"/>
                 </a:solidFill>
@@ -4099,7 +4666,7 @@
               </a:rPr>
               <a:t>當勤勞  當勤勞</a:t>
             </a:r>
-            <a:endParaRPr lang="en-US" altLang="zh-TW" sz="5400" b="1" dirty="0" smtClean="0">
+            <a:endParaRPr lang="en-US" altLang="zh-TW" sz="5400" b="1" dirty="0">
               <a:solidFill>
                 <a:srgbClr val="660033"/>
               </a:solidFill>
@@ -4112,7 +4679,7 @@
               <a:buNone/>
             </a:pPr>
             <a:r>
-              <a:rPr lang="zh-TW" altLang="en-US" sz="5400" b="1" dirty="0" smtClean="0">
+              <a:rPr lang="zh-TW" altLang="en-US" sz="5400" b="1" dirty="0">
                 <a:solidFill>
                   <a:srgbClr val="660033"/>
                 </a:solidFill>
@@ -4121,7 +4688,7 @@
               </a:rPr>
               <a:t>恆忍望  儆醒待</a:t>
             </a:r>
-            <a:endParaRPr lang="en-US" altLang="zh-TW" sz="5400" b="1" dirty="0" smtClean="0">
+            <a:endParaRPr lang="en-US" altLang="zh-TW" sz="5400" b="1" dirty="0">
               <a:solidFill>
                 <a:srgbClr val="660033"/>
               </a:solidFill>
@@ -4134,7 +4701,7 @@
               <a:buNone/>
             </a:pPr>
             <a:r>
-              <a:rPr lang="zh-TW" altLang="en-US" sz="5400" b="1" dirty="0" smtClean="0">
+              <a:rPr lang="zh-TW" altLang="en-US" sz="5400" b="1" dirty="0">
                 <a:solidFill>
                   <a:srgbClr val="660033"/>
                 </a:solidFill>
@@ -4143,505 +4710,7 @@
               </a:rPr>
               <a:t>忠心勤工直到主來</a:t>
             </a:r>
-            <a:endParaRPr lang="en-US" altLang="zh-TW" sz="5400" b="1" dirty="0" smtClean="0">
-              <a:solidFill>
-                <a:srgbClr val="660033"/>
-              </a:solidFill>
-              <a:latin typeface="微軟正黑體" pitchFamily="34" charset="-120"/>
-              <a:ea typeface="微軟正黑體" pitchFamily="34" charset="-120"/>
-            </a:endParaRPr>
-          </a:p>
-        </p:txBody>
-      </p:sp>
-    </p:spTree>
-  </p:cSld>
-  <p:clrMapOvr>
-    <a:masterClrMapping/>
-  </p:clrMapOvr>
-</p:sld>
-</file>
-
-<file path=ppt/slides/slide7.xml><?xml version="1.0" encoding="utf-8"?>
-<p:sld xmlns:a="http://schemas.openxmlformats.org/drawingml/2006/main" xmlns:r="http://schemas.openxmlformats.org/officeDocument/2006/relationships" xmlns:p="http://schemas.openxmlformats.org/presentationml/2006/main">
-  <p:cSld>
-    <p:spTree>
-      <p:nvGrpSpPr>
-        <p:cNvPr id="1" name=""/>
-        <p:cNvGrpSpPr/>
-        <p:nvPr/>
-      </p:nvGrpSpPr>
-      <p:grpSpPr>
-        <a:xfrm>
-          <a:off x="0" y="0"/>
-          <a:ext cx="0" cy="0"/>
-          <a:chOff x="0" y="0"/>
-          <a:chExt cx="0" cy="0"/>
-        </a:xfrm>
-      </p:grpSpPr>
-      <p:sp>
-        <p:nvSpPr>
-          <p:cNvPr id="4" name="標題 3"/>
-          <p:cNvSpPr>
-            <a:spLocks noGrp="1"/>
-          </p:cNvSpPr>
-          <p:nvPr>
-            <p:ph type="title"/>
-          </p:nvPr>
-        </p:nvSpPr>
-        <p:spPr/>
-        <p:txBody>
-          <a:bodyPr/>
-          <a:lstStyle/>
-          <a:p>
-            <a:r>
-              <a:rPr lang="zh-TW" altLang="en-US" b="1" dirty="0" smtClean="0">
-                <a:solidFill>
-                  <a:srgbClr val="660033"/>
-                </a:solidFill>
-                <a:latin typeface="微軟正黑體" pitchFamily="34" charset="-120"/>
-                <a:ea typeface="微軟正黑體" pitchFamily="34" charset="-120"/>
-              </a:rPr>
-              <a:t>來作工</a:t>
-            </a:r>
-            <a:endParaRPr lang="zh-TW" altLang="en-US" b="1" dirty="0">
-              <a:solidFill>
-                <a:srgbClr val="660033"/>
-              </a:solidFill>
-              <a:latin typeface="微軟正黑體" pitchFamily="34" charset="-120"/>
-              <a:ea typeface="微軟正黑體" pitchFamily="34" charset="-120"/>
-            </a:endParaRPr>
-          </a:p>
-        </p:txBody>
-      </p:sp>
-      <p:sp>
-        <p:nvSpPr>
-          <p:cNvPr id="5" name="內容版面配置區 4"/>
-          <p:cNvSpPr>
-            <a:spLocks noGrp="1"/>
-          </p:cNvSpPr>
-          <p:nvPr>
-            <p:ph idx="1"/>
-          </p:nvPr>
-        </p:nvSpPr>
-        <p:spPr/>
-        <p:txBody>
-          <a:bodyPr>
-            <a:normAutofit/>
-          </a:bodyPr>
-          <a:lstStyle/>
-          <a:p>
-            <a:pPr algn="ctr">
-              <a:buNone/>
-            </a:pPr>
-            <a:r>
-              <a:rPr lang="zh-TW" altLang="en-US" sz="5400" b="1" dirty="0" smtClean="0">
-                <a:solidFill>
-                  <a:srgbClr val="660033"/>
-                </a:solidFill>
-                <a:latin typeface="微軟正黑體" pitchFamily="34" charset="-120"/>
-                <a:ea typeface="微軟正黑體" pitchFamily="34" charset="-120"/>
-              </a:rPr>
-              <a:t>來作工  來作工</a:t>
-            </a:r>
-            <a:endParaRPr lang="en-US" altLang="zh-TW" sz="5400" b="1" dirty="0" smtClean="0">
-              <a:solidFill>
-                <a:srgbClr val="660033"/>
-              </a:solidFill>
-              <a:latin typeface="微軟正黑體" pitchFamily="34" charset="-120"/>
-              <a:ea typeface="微軟正黑體" pitchFamily="34" charset="-120"/>
-            </a:endParaRPr>
-          </a:p>
-          <a:p>
-            <a:pPr algn="ctr">
-              <a:buNone/>
-            </a:pPr>
-            <a:r>
-              <a:rPr lang="zh-TW" altLang="en-US" sz="5400" b="1" dirty="0" smtClean="0">
-                <a:solidFill>
-                  <a:srgbClr val="660033"/>
-                </a:solidFill>
-                <a:latin typeface="微軟正黑體" pitchFamily="34" charset="-120"/>
-                <a:ea typeface="微軟正黑體" pitchFamily="34" charset="-120"/>
-              </a:rPr>
-              <a:t>主必賞賜你力</a:t>
-            </a:r>
-            <a:endParaRPr lang="en-US" altLang="zh-TW" sz="5400" b="1" dirty="0" smtClean="0">
-              <a:solidFill>
-                <a:srgbClr val="660033"/>
-              </a:solidFill>
-              <a:latin typeface="微軟正黑體" pitchFamily="34" charset="-120"/>
-              <a:ea typeface="微軟正黑體" pitchFamily="34" charset="-120"/>
-            </a:endParaRPr>
-          </a:p>
-          <a:p>
-            <a:pPr algn="ctr">
-              <a:buNone/>
-            </a:pPr>
-            <a:r>
-              <a:rPr lang="zh-TW" altLang="en-US" sz="5400" b="1" dirty="0" smtClean="0">
-                <a:solidFill>
-                  <a:srgbClr val="660033"/>
-                </a:solidFill>
-                <a:latin typeface="微軟正黑體" pitchFamily="34" charset="-120"/>
-                <a:ea typeface="微軟正黑體" pitchFamily="34" charset="-120"/>
-              </a:rPr>
-              <a:t>等到工夫完畢</a:t>
-            </a:r>
-            <a:endParaRPr lang="en-US" altLang="zh-TW" sz="5400" b="1" dirty="0" smtClean="0">
-              <a:solidFill>
-                <a:srgbClr val="660033"/>
-              </a:solidFill>
-              <a:latin typeface="微軟正黑體" pitchFamily="34" charset="-120"/>
-              <a:ea typeface="微軟正黑體" pitchFamily="34" charset="-120"/>
-            </a:endParaRPr>
-          </a:p>
-          <a:p>
-            <a:pPr algn="ctr">
-              <a:buNone/>
-            </a:pPr>
-            <a:r>
-              <a:rPr lang="zh-TW" altLang="en-US" sz="5400" b="1" dirty="0" smtClean="0">
-                <a:solidFill>
-                  <a:srgbClr val="660033"/>
-                </a:solidFill>
-                <a:latin typeface="微軟正黑體" pitchFamily="34" charset="-120"/>
-                <a:ea typeface="微軟正黑體" pitchFamily="34" charset="-120"/>
-              </a:rPr>
-              <a:t>便有冠冕給你</a:t>
-            </a:r>
-            <a:endParaRPr lang="en-US" altLang="zh-TW" sz="5400" b="1" dirty="0" smtClean="0">
-              <a:solidFill>
-                <a:srgbClr val="660033"/>
-              </a:solidFill>
-              <a:latin typeface="微軟正黑體" pitchFamily="34" charset="-120"/>
-              <a:ea typeface="微軟正黑體" pitchFamily="34" charset="-120"/>
-            </a:endParaRPr>
-          </a:p>
-        </p:txBody>
-      </p:sp>
-    </p:spTree>
-  </p:cSld>
-  <p:clrMapOvr>
-    <a:masterClrMapping/>
-  </p:clrMapOvr>
-</p:sld>
-</file>
-
-<file path=ppt/slides/slide8.xml><?xml version="1.0" encoding="utf-8"?>
-<p:sld xmlns:a="http://schemas.openxmlformats.org/drawingml/2006/main" xmlns:r="http://schemas.openxmlformats.org/officeDocument/2006/relationships" xmlns:p="http://schemas.openxmlformats.org/presentationml/2006/main">
-  <p:cSld>
-    <p:spTree>
-      <p:nvGrpSpPr>
-        <p:cNvPr id="1" name=""/>
-        <p:cNvGrpSpPr/>
-        <p:nvPr/>
-      </p:nvGrpSpPr>
-      <p:grpSpPr>
-        <a:xfrm>
-          <a:off x="0" y="0"/>
-          <a:ext cx="0" cy="0"/>
-          <a:chOff x="0" y="0"/>
-          <a:chExt cx="0" cy="0"/>
-        </a:xfrm>
-      </p:grpSpPr>
-      <p:sp>
-        <p:nvSpPr>
-          <p:cNvPr id="4" name="標題 3"/>
-          <p:cNvSpPr>
-            <a:spLocks noGrp="1"/>
-          </p:cNvSpPr>
-          <p:nvPr>
-            <p:ph type="title"/>
-          </p:nvPr>
-        </p:nvSpPr>
-        <p:spPr/>
-        <p:txBody>
-          <a:bodyPr/>
-          <a:lstStyle/>
-          <a:p>
-            <a:r>
-              <a:rPr lang="zh-TW" altLang="en-US" b="1" dirty="0" smtClean="0">
-                <a:solidFill>
-                  <a:srgbClr val="660033"/>
-                </a:solidFill>
-                <a:latin typeface="微軟正黑體" pitchFamily="34" charset="-120"/>
-                <a:ea typeface="微軟正黑體" pitchFamily="34" charset="-120"/>
-              </a:rPr>
-              <a:t>來作工</a:t>
-            </a:r>
-            <a:endParaRPr lang="zh-TW" altLang="en-US" b="1" dirty="0">
-              <a:solidFill>
-                <a:srgbClr val="660033"/>
-              </a:solidFill>
-              <a:latin typeface="微軟正黑體" pitchFamily="34" charset="-120"/>
-              <a:ea typeface="微軟正黑體" pitchFamily="34" charset="-120"/>
-            </a:endParaRPr>
-          </a:p>
-        </p:txBody>
-      </p:sp>
-      <p:sp>
-        <p:nvSpPr>
-          <p:cNvPr id="5" name="內容版面配置區 4"/>
-          <p:cNvSpPr>
-            <a:spLocks noGrp="1"/>
-          </p:cNvSpPr>
-          <p:nvPr>
-            <p:ph idx="1"/>
-          </p:nvPr>
-        </p:nvSpPr>
-        <p:spPr/>
-        <p:txBody>
-          <a:bodyPr>
-            <a:normAutofit/>
-          </a:bodyPr>
-          <a:lstStyle/>
-          <a:p>
-            <a:pPr algn="ctr">
-              <a:buNone/>
-            </a:pPr>
-            <a:r>
-              <a:rPr lang="zh-TW" altLang="en-US" sz="5400" b="1" dirty="0" smtClean="0">
-                <a:solidFill>
-                  <a:srgbClr val="660033"/>
-                </a:solidFill>
-                <a:latin typeface="微軟正黑體" pitchFamily="34" charset="-120"/>
-                <a:ea typeface="微軟正黑體" pitchFamily="34" charset="-120"/>
-              </a:rPr>
-              <a:t>若能忍耐到底</a:t>
-            </a:r>
-            <a:endParaRPr lang="en-US" altLang="zh-TW" sz="5400" b="1" dirty="0" smtClean="0">
-              <a:solidFill>
-                <a:srgbClr val="660033"/>
-              </a:solidFill>
-              <a:latin typeface="微軟正黑體" pitchFamily="34" charset="-120"/>
-              <a:ea typeface="微軟正黑體" pitchFamily="34" charset="-120"/>
-            </a:endParaRPr>
-          </a:p>
-          <a:p>
-            <a:pPr algn="ctr">
-              <a:buNone/>
-            </a:pPr>
-            <a:r>
-              <a:rPr lang="zh-TW" altLang="en-US" sz="5400" b="1" dirty="0" smtClean="0">
-                <a:solidFill>
-                  <a:srgbClr val="660033"/>
-                </a:solidFill>
-                <a:latin typeface="微軟正黑體" pitchFamily="34" charset="-120"/>
-                <a:ea typeface="微軟正黑體" pitchFamily="34" charset="-120"/>
-              </a:rPr>
-              <a:t>必入天堂安息</a:t>
-            </a:r>
-            <a:endParaRPr lang="en-US" altLang="zh-TW" sz="5400" b="1" dirty="0" smtClean="0">
-              <a:solidFill>
-                <a:srgbClr val="660033"/>
-              </a:solidFill>
-              <a:latin typeface="微軟正黑體" pitchFamily="34" charset="-120"/>
-              <a:ea typeface="微軟正黑體" pitchFamily="34" charset="-120"/>
-            </a:endParaRPr>
-          </a:p>
-          <a:p>
-            <a:pPr algn="ctr">
-              <a:buNone/>
-            </a:pPr>
-            <a:r>
-              <a:rPr lang="zh-TW" altLang="en-US" sz="5400" b="1" dirty="0" smtClean="0">
-                <a:solidFill>
-                  <a:srgbClr val="660033"/>
-                </a:solidFill>
-                <a:latin typeface="微軟正黑體" pitchFamily="34" charset="-120"/>
-                <a:ea typeface="微軟正黑體" pitchFamily="34" charset="-120"/>
-              </a:rPr>
-              <a:t>同眾門徒歌唱</a:t>
-            </a:r>
-            <a:endParaRPr lang="en-US" altLang="zh-TW" sz="5400" b="1" dirty="0" smtClean="0">
-              <a:solidFill>
-                <a:srgbClr val="660033"/>
-              </a:solidFill>
-              <a:latin typeface="微軟正黑體" pitchFamily="34" charset="-120"/>
-              <a:ea typeface="微軟正黑體" pitchFamily="34" charset="-120"/>
-            </a:endParaRPr>
-          </a:p>
-          <a:p>
-            <a:pPr algn="ctr">
-              <a:buNone/>
-            </a:pPr>
-            <a:r>
-              <a:rPr lang="zh-TW" altLang="en-US" sz="5400" b="1" dirty="0" smtClean="0">
-                <a:solidFill>
-                  <a:srgbClr val="660033"/>
-                </a:solidFill>
-                <a:latin typeface="微軟正黑體" pitchFamily="34" charset="-120"/>
-                <a:ea typeface="微軟正黑體" pitchFamily="34" charset="-120"/>
-              </a:rPr>
-              <a:t>頌主恩惠不已</a:t>
-            </a:r>
-            <a:endParaRPr lang="en-US" altLang="zh-TW" sz="5400" b="1" dirty="0" smtClean="0">
-              <a:solidFill>
-                <a:srgbClr val="660033"/>
-              </a:solidFill>
-              <a:latin typeface="微軟正黑體" pitchFamily="34" charset="-120"/>
-              <a:ea typeface="微軟正黑體" pitchFamily="34" charset="-120"/>
-            </a:endParaRPr>
-          </a:p>
-        </p:txBody>
-      </p:sp>
-    </p:spTree>
-  </p:cSld>
-  <p:clrMapOvr>
-    <a:masterClrMapping/>
-  </p:clrMapOvr>
-</p:sld>
-</file>
-
-<file path=ppt/slides/slide9.xml><?xml version="1.0" encoding="utf-8"?>
-<p:sld xmlns:a="http://schemas.openxmlformats.org/drawingml/2006/main" xmlns:r="http://schemas.openxmlformats.org/officeDocument/2006/relationships" xmlns:p="http://schemas.openxmlformats.org/presentationml/2006/main">
-  <p:cSld>
-    <p:spTree>
-      <p:nvGrpSpPr>
-        <p:cNvPr id="1" name=""/>
-        <p:cNvGrpSpPr/>
-        <p:nvPr/>
-      </p:nvGrpSpPr>
-      <p:grpSpPr>
-        <a:xfrm>
-          <a:off x="0" y="0"/>
-          <a:ext cx="0" cy="0"/>
-          <a:chOff x="0" y="0"/>
-          <a:chExt cx="0" cy="0"/>
-        </a:xfrm>
-      </p:grpSpPr>
-      <p:sp>
-        <p:nvSpPr>
-          <p:cNvPr id="4" name="標題 3"/>
-          <p:cNvSpPr>
-            <a:spLocks noGrp="1"/>
-          </p:cNvSpPr>
-          <p:nvPr>
-            <p:ph type="title"/>
-          </p:nvPr>
-        </p:nvSpPr>
-        <p:spPr/>
-        <p:txBody>
-          <a:bodyPr/>
-          <a:lstStyle/>
-          <a:p>
-            <a:r>
-              <a:rPr lang="zh-TW" altLang="en-US" b="1" dirty="0" smtClean="0">
-                <a:solidFill>
-                  <a:srgbClr val="660033"/>
-                </a:solidFill>
-                <a:latin typeface="微軟正黑體" pitchFamily="34" charset="-120"/>
-                <a:ea typeface="微軟正黑體" pitchFamily="34" charset="-120"/>
-              </a:rPr>
-              <a:t>來作工</a:t>
-            </a:r>
-            <a:endParaRPr lang="zh-TW" altLang="en-US" b="1" dirty="0">
-              <a:solidFill>
-                <a:srgbClr val="660033"/>
-              </a:solidFill>
-              <a:latin typeface="微軟正黑體" pitchFamily="34" charset="-120"/>
-              <a:ea typeface="微軟正黑體" pitchFamily="34" charset="-120"/>
-            </a:endParaRPr>
-          </a:p>
-        </p:txBody>
-      </p:sp>
-      <p:sp>
-        <p:nvSpPr>
-          <p:cNvPr id="5" name="內容版面配置區 4"/>
-          <p:cNvSpPr>
-            <a:spLocks noGrp="1"/>
-          </p:cNvSpPr>
-          <p:nvPr>
-            <p:ph idx="1"/>
-          </p:nvPr>
-        </p:nvSpPr>
-        <p:spPr/>
-        <p:txBody>
-          <a:bodyPr>
-            <a:normAutofit/>
-          </a:bodyPr>
-          <a:lstStyle/>
-          <a:p>
-            <a:pPr algn="ctr">
-              <a:buNone/>
-            </a:pPr>
-            <a:r>
-              <a:rPr lang="zh-TW" altLang="en-US" sz="5400" b="1" dirty="0" smtClean="0">
-                <a:solidFill>
-                  <a:srgbClr val="660033"/>
-                </a:solidFill>
-                <a:latin typeface="微軟正黑體" pitchFamily="34" charset="-120"/>
-                <a:ea typeface="微軟正黑體" pitchFamily="34" charset="-120"/>
-              </a:rPr>
-              <a:t>當勤勞  當勤勞</a:t>
-            </a:r>
-            <a:endParaRPr lang="en-US" altLang="zh-TW" sz="5400" b="1" dirty="0" smtClean="0">
-              <a:solidFill>
-                <a:srgbClr val="660033"/>
-              </a:solidFill>
-              <a:latin typeface="微軟正黑體" pitchFamily="34" charset="-120"/>
-              <a:ea typeface="微軟正黑體" pitchFamily="34" charset="-120"/>
-            </a:endParaRPr>
-          </a:p>
-          <a:p>
-            <a:pPr algn="ctr">
-              <a:buNone/>
-            </a:pPr>
-            <a:r>
-              <a:rPr lang="zh-TW" altLang="en-US" sz="5400" b="1" dirty="0" smtClean="0">
-                <a:solidFill>
-                  <a:srgbClr val="660033"/>
-                </a:solidFill>
-                <a:latin typeface="微軟正黑體" pitchFamily="34" charset="-120"/>
-                <a:ea typeface="微軟正黑體" pitchFamily="34" charset="-120"/>
-              </a:rPr>
-              <a:t>當勤勞  當勤勞</a:t>
-            </a:r>
-            <a:endParaRPr lang="en-US" altLang="zh-TW" sz="5400" b="1" dirty="0" smtClean="0">
-              <a:solidFill>
-                <a:srgbClr val="660033"/>
-              </a:solidFill>
-              <a:latin typeface="微軟正黑體" pitchFamily="34" charset="-120"/>
-              <a:ea typeface="微軟正黑體" pitchFamily="34" charset="-120"/>
-            </a:endParaRPr>
-          </a:p>
-          <a:p>
-            <a:pPr algn="ctr">
-              <a:buNone/>
-            </a:pPr>
-            <a:r>
-              <a:rPr lang="zh-TW" altLang="en-US" sz="5400" b="1" dirty="0" smtClean="0">
-                <a:solidFill>
-                  <a:srgbClr val="660033"/>
-                </a:solidFill>
-                <a:latin typeface="微軟正黑體" pitchFamily="34" charset="-120"/>
-                <a:ea typeface="微軟正黑體" pitchFamily="34" charset="-120"/>
-              </a:rPr>
-              <a:t>恆忍望  儆醒待</a:t>
-            </a:r>
-            <a:endParaRPr lang="en-US" altLang="zh-TW" sz="5400" b="1" dirty="0" smtClean="0">
-              <a:solidFill>
-                <a:srgbClr val="660033"/>
-              </a:solidFill>
-              <a:latin typeface="微軟正黑體" pitchFamily="34" charset="-120"/>
-              <a:ea typeface="微軟正黑體" pitchFamily="34" charset="-120"/>
-            </a:endParaRPr>
-          </a:p>
-          <a:p>
-            <a:pPr algn="ctr">
-              <a:buNone/>
-            </a:pPr>
-            <a:r>
-              <a:rPr lang="zh-TW" altLang="en-US" sz="5400" b="1" dirty="0" smtClean="0">
-                <a:solidFill>
-                  <a:srgbClr val="660033"/>
-                </a:solidFill>
-                <a:latin typeface="微軟正黑體" pitchFamily="34" charset="-120"/>
-                <a:ea typeface="微軟正黑體" pitchFamily="34" charset="-120"/>
-              </a:rPr>
-              <a:t>忠心勤工直到主來</a:t>
-            </a:r>
-            <a:endParaRPr lang="en-US" altLang="zh-TW" sz="5400" b="1" dirty="0" smtClean="0">
+            <a:endParaRPr lang="en-US" altLang="zh-TW" sz="5400" b="1" dirty="0">
               <a:solidFill>
                 <a:srgbClr val="660033"/>
               </a:solidFill>

--- a/宣道詩/(宣道詩161)來作工.pptx
+++ b/宣道詩/(宣道詩161)來作工.pptx
@@ -6,11 +6,24 @@
   </p:sldMasterIdLst>
   <p:sldIdLst>
     <p:sldId id="256" r:id="rId2"/>
-    <p:sldId id="258" r:id="rId3"/>
-    <p:sldId id="259" r:id="rId4"/>
-    <p:sldId id="261" r:id="rId5"/>
-    <p:sldId id="262" r:id="rId6"/>
-    <p:sldId id="264" r:id="rId7"/>
+    <p:sldId id="257" r:id="rId3"/>
+    <p:sldId id="258" r:id="rId4"/>
+    <p:sldId id="259" r:id="rId5"/>
+    <p:sldId id="260" r:id="rId6"/>
+    <p:sldId id="261" r:id="rId7"/>
+    <p:sldId id="262" r:id="rId8"/>
+    <p:sldId id="263" r:id="rId9"/>
+    <p:sldId id="264" r:id="rId10"/>
+    <p:sldId id="265" r:id="rId11"/>
+    <p:sldId id="266" r:id="rId12"/>
+    <p:sldId id="267" r:id="rId13"/>
+    <p:sldId id="268" r:id="rId14"/>
+    <p:sldId id="269" r:id="rId15"/>
+    <p:sldId id="270" r:id="rId16"/>
+    <p:sldId id="271" r:id="rId17"/>
+    <p:sldId id="272" r:id="rId18"/>
+    <p:sldId id="273" r:id="rId19"/>
+    <p:sldId id="274" r:id="rId20"/>
   </p:sldIdLst>
   <p:sldSz cx="12192000" cy="6858000"/>
   <p:notesSz cx="6858000" cy="9144000"/>
@@ -309,7 +322,7 @@
           <a:p>
             <a:fld id="{14467127-E8DE-42E1-8DAB-0022B04B92FD}" type="datetimeFigureOut">
               <a:rPr lang="zh-TW" altLang="en-US" smtClean="0"/>
-              <a:t>2020/5/30</a:t>
+              <a:t>2020/10/24</a:t>
             </a:fld>
             <a:endParaRPr lang="zh-TW" altLang="en-US"/>
           </a:p>
@@ -474,7 +487,7 @@
           <a:p>
             <a:fld id="{14467127-E8DE-42E1-8DAB-0022B04B92FD}" type="datetimeFigureOut">
               <a:rPr lang="zh-TW" altLang="en-US" smtClean="0"/>
-              <a:t>2020/5/30</a:t>
+              <a:t>2020/10/24</a:t>
             </a:fld>
             <a:endParaRPr lang="zh-TW" altLang="en-US"/>
           </a:p>
@@ -649,7 +662,7 @@
           <a:p>
             <a:fld id="{14467127-E8DE-42E1-8DAB-0022B04B92FD}" type="datetimeFigureOut">
               <a:rPr lang="zh-TW" altLang="en-US" smtClean="0"/>
-              <a:t>2020/5/30</a:t>
+              <a:t>2020/10/24</a:t>
             </a:fld>
             <a:endParaRPr lang="zh-TW" altLang="en-US"/>
           </a:p>
@@ -814,7 +827,7 @@
           <a:p>
             <a:fld id="{14467127-E8DE-42E1-8DAB-0022B04B92FD}" type="datetimeFigureOut">
               <a:rPr lang="zh-TW" altLang="en-US" smtClean="0"/>
-              <a:t>2020/5/30</a:t>
+              <a:t>2020/10/24</a:t>
             </a:fld>
             <a:endParaRPr lang="zh-TW" altLang="en-US"/>
           </a:p>
@@ -1055,7 +1068,7 @@
           <a:p>
             <a:fld id="{14467127-E8DE-42E1-8DAB-0022B04B92FD}" type="datetimeFigureOut">
               <a:rPr lang="zh-TW" altLang="en-US" smtClean="0"/>
-              <a:t>2020/5/30</a:t>
+              <a:t>2020/10/24</a:t>
             </a:fld>
             <a:endParaRPr lang="zh-TW" altLang="en-US"/>
           </a:p>
@@ -1338,7 +1351,7 @@
           <a:p>
             <a:fld id="{14467127-E8DE-42E1-8DAB-0022B04B92FD}" type="datetimeFigureOut">
               <a:rPr lang="zh-TW" altLang="en-US" smtClean="0"/>
-              <a:t>2020/5/30</a:t>
+              <a:t>2020/10/24</a:t>
             </a:fld>
             <a:endParaRPr lang="zh-TW" altLang="en-US"/>
           </a:p>
@@ -1755,7 +1768,7 @@
           <a:p>
             <a:fld id="{14467127-E8DE-42E1-8DAB-0022B04B92FD}" type="datetimeFigureOut">
               <a:rPr lang="zh-TW" altLang="en-US" smtClean="0"/>
-              <a:t>2020/5/30</a:t>
+              <a:t>2020/10/24</a:t>
             </a:fld>
             <a:endParaRPr lang="zh-TW" altLang="en-US"/>
           </a:p>
@@ -1868,7 +1881,7 @@
           <a:p>
             <a:fld id="{14467127-E8DE-42E1-8DAB-0022B04B92FD}" type="datetimeFigureOut">
               <a:rPr lang="zh-TW" altLang="en-US" smtClean="0"/>
-              <a:t>2020/5/30</a:t>
+              <a:t>2020/10/24</a:t>
             </a:fld>
             <a:endParaRPr lang="zh-TW" altLang="en-US"/>
           </a:p>
@@ -1958,7 +1971,7 @@
           <a:p>
             <a:fld id="{14467127-E8DE-42E1-8DAB-0022B04B92FD}" type="datetimeFigureOut">
               <a:rPr lang="zh-TW" altLang="en-US" smtClean="0"/>
-              <a:t>2020/5/30</a:t>
+              <a:t>2020/10/24</a:t>
             </a:fld>
             <a:endParaRPr lang="zh-TW" altLang="en-US"/>
           </a:p>
@@ -2230,7 +2243,7 @@
           <a:p>
             <a:fld id="{14467127-E8DE-42E1-8DAB-0022B04B92FD}" type="datetimeFigureOut">
               <a:rPr lang="zh-TW" altLang="en-US" smtClean="0"/>
-              <a:t>2020/5/30</a:t>
+              <a:t>2020/10/24</a:t>
             </a:fld>
             <a:endParaRPr lang="zh-TW" altLang="en-US"/>
           </a:p>
@@ -2482,7 +2495,7 @@
           <a:p>
             <a:fld id="{14467127-E8DE-42E1-8DAB-0022B04B92FD}" type="datetimeFigureOut">
               <a:rPr lang="zh-TW" altLang="en-US" smtClean="0"/>
-              <a:t>2020/5/30</a:t>
+              <a:t>2020/10/24</a:t>
             </a:fld>
             <a:endParaRPr lang="zh-TW" altLang="en-US"/>
           </a:p>
@@ -2695,7 +2708,7 @@
           <a:p>
             <a:fld id="{14467127-E8DE-42E1-8DAB-0022B04B92FD}" type="datetimeFigureOut">
               <a:rPr lang="zh-TW" altLang="en-US" smtClean="0"/>
-              <a:t>2020/5/30</a:t>
+              <a:t>2020/10/24</a:t>
             </a:fld>
             <a:endParaRPr lang="zh-TW" altLang="en-US"/>
           </a:p>
@@ -3075,22 +3088,209 @@
             <p:ph type="title"/>
           </p:nvPr>
         </p:nvSpPr>
-        <p:spPr/>
-        <p:txBody>
-          <a:bodyPr/>
-          <a:lstStyle/>
-          <a:p>
-            <a:r>
-              <a:rPr lang="zh-TW" altLang="en-US" b="1" dirty="0" smtClean="0">
-                <a:solidFill>
-                  <a:srgbClr val="660033"/>
-                </a:solidFill>
+        <p:spPr>
+          <a:xfrm>
+            <a:off x="0" y="2857513"/>
+            <a:ext cx="12192000" cy="1143000"/>
+          </a:xfrm>
+        </p:spPr>
+        <p:txBody>
+          <a:bodyPr>
+            <a:noAutofit/>
+          </a:bodyPr>
+          <a:lstStyle/>
+          <a:p>
+            <a:r>
+              <a:rPr lang="zh-CN" altLang="en-US" sz="5333" b="1" u="sng" dirty="0">
+                <a:solidFill>
+                  <a:srgbClr val="000066"/>
+                </a:solidFill>
+                <a:effectLst>
+                  <a:outerShdw blurRad="38100" dist="38100" dir="2700000" algn="tl">
+                    <a:srgbClr val="000000">
+                      <a:alpha val="43137"/>
+                    </a:srgbClr>
+                  </a:outerShdw>
+                </a:effectLst>
                 <a:latin typeface="微軟正黑體" pitchFamily="34" charset="-120"/>
                 <a:ea typeface="微軟正黑體" pitchFamily="34" charset="-120"/>
               </a:rPr>
-              <a:t>來作工</a:t>
-            </a:r>
-            <a:endParaRPr lang="zh-TW" altLang="en-US" b="1" dirty="0">
+              <a:t>宣道詩 </a:t>
+            </a:r>
+            <a:r>
+              <a:rPr lang="en-US" altLang="zh-CN" sz="5333" b="1" u="sng" dirty="0">
+                <a:solidFill>
+                  <a:srgbClr val="000066"/>
+                </a:solidFill>
+                <a:effectLst>
+                  <a:outerShdw blurRad="38100" dist="38100" dir="2700000" algn="tl">
+                    <a:srgbClr val="000000">
+                      <a:alpha val="43137"/>
+                    </a:srgbClr>
+                  </a:outerShdw>
+                </a:effectLst>
+                <a:latin typeface="微軟正黑體" pitchFamily="34" charset="-120"/>
+                <a:ea typeface="微軟正黑體" pitchFamily="34" charset="-120"/>
+              </a:rPr>
+              <a:t>161</a:t>
+            </a:r>
+            <a:r>
+              <a:rPr lang="en-US" altLang="zh-CN" sz="7200" b="1" i="1" dirty="0">
+                <a:solidFill>
+                  <a:srgbClr val="660033"/>
+                </a:solidFill>
+                <a:effectLst>
+                  <a:outerShdw blurRad="38100" dist="38100" dir="2700000" algn="tl">
+                    <a:srgbClr val="000000">
+                      <a:alpha val="43137"/>
+                    </a:srgbClr>
+                  </a:outerShdw>
+                </a:effectLst>
+                <a:latin typeface="微軟正黑體" pitchFamily="34" charset="-120"/>
+                <a:ea typeface="微軟正黑體" pitchFamily="34" charset="-120"/>
+              </a:rPr>
+              <a:t/>
+            </a:r>
+            <a:br>
+              <a:rPr lang="en-US" altLang="zh-CN" sz="7200" b="1" i="1" dirty="0">
+                <a:solidFill>
+                  <a:srgbClr val="660033"/>
+                </a:solidFill>
+                <a:effectLst>
+                  <a:outerShdw blurRad="38100" dist="38100" dir="2700000" algn="tl">
+                    <a:srgbClr val="000000">
+                      <a:alpha val="43137"/>
+                    </a:srgbClr>
+                  </a:outerShdw>
+                </a:effectLst>
+                <a:latin typeface="微軟正黑體" pitchFamily="34" charset="-120"/>
+                <a:ea typeface="微軟正黑體" pitchFamily="34" charset="-120"/>
+              </a:rPr>
+            </a:br>
+            <a:r>
+              <a:rPr lang="zh-TW" altLang="en-US" sz="8000" b="1" dirty="0">
+                <a:solidFill>
+                  <a:srgbClr val="660033"/>
+                </a:solidFill>
+                <a:effectLst>
+                  <a:outerShdw blurRad="38100" dist="38100" dir="2700000" algn="tl">
+                    <a:srgbClr val="000000">
+                      <a:alpha val="43137"/>
+                    </a:srgbClr>
+                  </a:outerShdw>
+                </a:effectLst>
+                <a:latin typeface="微軟正黑體" pitchFamily="34" charset="-120"/>
+                <a:ea typeface="微軟正黑體" pitchFamily="34" charset="-120"/>
+              </a:rPr>
+              <a:t>來作</a:t>
+            </a:r>
+            <a:r>
+              <a:rPr lang="zh-TW" altLang="en-US" sz="8000" b="1" dirty="0">
+                <a:solidFill>
+                  <a:srgbClr val="660033"/>
+                </a:solidFill>
+                <a:effectLst>
+                  <a:outerShdw blurRad="38100" dist="38100" dir="2700000" algn="tl">
+                    <a:srgbClr val="000000">
+                      <a:alpha val="43137"/>
+                    </a:srgbClr>
+                  </a:outerShdw>
+                </a:effectLst>
+                <a:latin typeface="微軟正黑體" pitchFamily="34" charset="-120"/>
+                <a:ea typeface="微軟正黑體" pitchFamily="34" charset="-120"/>
+              </a:rPr>
+              <a:t>工</a:t>
+            </a:r>
+            <a:endParaRPr lang="zh-TW" altLang="en-US" sz="8000" b="1" dirty="0">
+              <a:solidFill>
+                <a:srgbClr val="660033"/>
+              </a:solidFill>
+              <a:effectLst>
+                <a:outerShdw blurRad="38100" dist="38100" dir="2700000" algn="tl">
+                  <a:srgbClr val="000000">
+                    <a:alpha val="43137"/>
+                  </a:srgbClr>
+                </a:outerShdw>
+              </a:effectLst>
+              <a:latin typeface="微軟正黑體" pitchFamily="34" charset="-120"/>
+              <a:ea typeface="微軟正黑體" pitchFamily="34" charset="-120"/>
+            </a:endParaRPr>
+          </a:p>
+        </p:txBody>
+      </p:sp>
+    </p:spTree>
+    <p:extLst>
+      <p:ext uri="{BB962C8B-B14F-4D97-AF65-F5344CB8AC3E}">
+        <p14:creationId xmlns:p14="http://schemas.microsoft.com/office/powerpoint/2010/main" val="3523805356"/>
+      </p:ext>
+    </p:extLst>
+  </p:cSld>
+  <p:clrMapOvr>
+    <a:masterClrMapping/>
+  </p:clrMapOvr>
+  <p:timing>
+    <p:tnLst>
+      <p:par>
+        <p:cTn id="1" dur="indefinite" restart="never" nodeType="tmRoot"/>
+      </p:par>
+    </p:tnLst>
+  </p:timing>
+</p:sld>
+</file>
+
+<file path=ppt/slides/slide10.xml><?xml version="1.0" encoding="utf-8"?>
+<p:sld xmlns:a="http://schemas.openxmlformats.org/drawingml/2006/main" xmlns:r="http://schemas.openxmlformats.org/officeDocument/2006/relationships" xmlns:p="http://schemas.openxmlformats.org/presentationml/2006/main">
+  <p:cSld>
+    <p:spTree>
+      <p:nvGrpSpPr>
+        <p:cNvPr id="1" name=""/>
+        <p:cNvGrpSpPr/>
+        <p:nvPr/>
+      </p:nvGrpSpPr>
+      <p:grpSpPr>
+        <a:xfrm>
+          <a:off x="0" y="0"/>
+          <a:ext cx="0" cy="0"/>
+          <a:chOff x="0" y="0"/>
+          <a:chExt cx="0" cy="0"/>
+        </a:xfrm>
+      </p:grpSpPr>
+      <p:sp>
+        <p:nvSpPr>
+          <p:cNvPr id="5" name="內容版面配置區 4"/>
+          <p:cNvSpPr>
+            <a:spLocks noGrp="1"/>
+          </p:cNvSpPr>
+          <p:nvPr>
+            <p:ph idx="1"/>
+          </p:nvPr>
+        </p:nvSpPr>
+        <p:spPr>
+          <a:xfrm>
+            <a:off x="0" y="2084851"/>
+            <a:ext cx="12192000" cy="2404863"/>
+          </a:xfrm>
+        </p:spPr>
+        <p:txBody>
+          <a:bodyPr anchor="ctr">
+            <a:normAutofit/>
+          </a:bodyPr>
+          <a:lstStyle/>
+          <a:p>
+            <a:pPr algn="ctr">
+              <a:buNone/>
+            </a:pPr>
+            <a:r>
+              <a:rPr lang="zh-TW" altLang="en-US" sz="6400" b="1" dirty="0">
+                <a:solidFill>
+                  <a:srgbClr val="660033"/>
+                </a:solidFill>
+                <a:latin typeface="微軟正黑體" pitchFamily="34" charset="-120"/>
+                <a:ea typeface="微軟正黑體" pitchFamily="34" charset="-120"/>
+              </a:rPr>
+              <a:t>並使天下萬國</a:t>
+            </a:r>
+            <a:endParaRPr lang="en-US" altLang="zh-TW" sz="6400" b="1" dirty="0">
               <a:solidFill>
                 <a:srgbClr val="660033"/>
               </a:solidFill>
@@ -3098,79 +3298,21 @@
               <a:ea typeface="微軟正黑體" pitchFamily="34" charset="-120"/>
             </a:endParaRPr>
           </a:p>
-        </p:txBody>
-      </p:sp>
-      <p:sp>
-        <p:nvSpPr>
-          <p:cNvPr id="5" name="內容版面配置區 4"/>
-          <p:cNvSpPr>
-            <a:spLocks noGrp="1"/>
-          </p:cNvSpPr>
-          <p:nvPr>
-            <p:ph idx="1"/>
-          </p:nvPr>
-        </p:nvSpPr>
-        <p:spPr/>
-        <p:txBody>
-          <a:bodyPr>
-            <a:normAutofit/>
-          </a:bodyPr>
-          <a:lstStyle/>
           <a:p>
             <a:pPr algn="ctr">
               <a:buNone/>
             </a:pPr>
             <a:r>
-              <a:rPr lang="zh-TW" altLang="en-US" sz="5400" b="1" dirty="0">
+              <a:rPr lang="zh-TW" altLang="en-US" sz="6400" b="1" dirty="0">
                 <a:solidFill>
                   <a:srgbClr val="660033"/>
                 </a:solidFill>
                 <a:latin typeface="微軟正黑體" pitchFamily="34" charset="-120"/>
                 <a:ea typeface="微軟正黑體" pitchFamily="34" charset="-120"/>
               </a:rPr>
-              <a:t>來作工  來作</a:t>
-            </a:r>
-            <a:r>
-              <a:rPr lang="zh-TW" altLang="en-US" sz="5400" b="1" dirty="0" smtClean="0">
-                <a:solidFill>
-                  <a:srgbClr val="660033"/>
-                </a:solidFill>
-                <a:latin typeface="微軟正黑體" pitchFamily="34" charset="-120"/>
-                <a:ea typeface="微軟正黑體" pitchFamily="34" charset="-120"/>
-              </a:rPr>
-              <a:t>工</a:t>
-            </a:r>
-            <a:r>
-              <a:rPr lang="en-US" altLang="zh-TW" sz="5400" b="1" dirty="0" smtClean="0">
-                <a:solidFill>
-                  <a:srgbClr val="660033"/>
-                </a:solidFill>
-                <a:latin typeface="微軟正黑體" pitchFamily="34" charset="-120"/>
-                <a:ea typeface="微軟正黑體" pitchFamily="34" charset="-120"/>
-              </a:rPr>
-              <a:t>  </a:t>
-            </a:r>
-            <a:r>
-              <a:rPr lang="zh-TW" altLang="en-US" sz="5400" b="1" dirty="0" smtClean="0">
-                <a:solidFill>
-                  <a:srgbClr val="660033"/>
-                </a:solidFill>
-                <a:latin typeface="微軟正黑體" pitchFamily="34" charset="-120"/>
-                <a:ea typeface="微軟正黑體" pitchFamily="34" charset="-120"/>
-              </a:rPr>
-              <a:t>來</a:t>
-            </a:r>
-            <a:r>
-              <a:rPr lang="zh-TW" altLang="en-US" sz="5400" b="1" dirty="0">
-                <a:solidFill>
-                  <a:srgbClr val="660033"/>
-                </a:solidFill>
-                <a:latin typeface="微軟正黑體" pitchFamily="34" charset="-120"/>
-                <a:ea typeface="微軟正黑體" pitchFamily="34" charset="-120"/>
-              </a:rPr>
-              <a:t>作主忠信僕</a:t>
-            </a:r>
-            <a:endParaRPr lang="en-US" altLang="zh-TW" sz="5400" b="1" dirty="0">
+              <a:t>皆尊基督榮名</a:t>
+            </a:r>
+            <a:endParaRPr lang="en-US" altLang="zh-TW" sz="6400" b="1" dirty="0">
               <a:solidFill>
                 <a:srgbClr val="660033"/>
               </a:solidFill>
@@ -3178,71 +3320,119 @@
               <a:ea typeface="微軟正黑體" pitchFamily="34" charset="-120"/>
             </a:endParaRPr>
           </a:p>
+        </p:txBody>
+      </p:sp>
+      <p:sp>
+        <p:nvSpPr>
+          <p:cNvPr id="3" name="TextBox 2"/>
+          <p:cNvSpPr txBox="1"/>
+          <p:nvPr/>
+        </p:nvSpPr>
+        <p:spPr>
+          <a:xfrm>
+            <a:off x="911424" y="2194526"/>
+            <a:ext cx="1248139" cy="1200329"/>
+          </a:xfrm>
+          <a:prstGeom prst="rect">
+            <a:avLst/>
+          </a:prstGeom>
+          <a:noFill/>
+        </p:spPr>
+        <p:txBody>
+          <a:bodyPr wrap="square" rtlCol="0">
+            <a:spAutoFit/>
+          </a:bodyPr>
+          <a:lstStyle/>
+          <a:p>
+            <a:r>
+              <a:rPr lang="en-US" sz="7200" b="1" dirty="0">
+                <a:solidFill>
+                  <a:srgbClr val="660033"/>
+                </a:solidFill>
+              </a:rPr>
+              <a:t>2.</a:t>
+            </a:r>
+            <a:endParaRPr lang="vi-VN" sz="7200" b="1" dirty="0">
+              <a:solidFill>
+                <a:srgbClr val="660033"/>
+              </a:solidFill>
+            </a:endParaRPr>
+          </a:p>
+        </p:txBody>
+      </p:sp>
+    </p:spTree>
+    <p:extLst>
+      <p:ext uri="{BB962C8B-B14F-4D97-AF65-F5344CB8AC3E}">
+        <p14:creationId xmlns:p14="http://schemas.microsoft.com/office/powerpoint/2010/main" val="262764495"/>
+      </p:ext>
+    </p:extLst>
+  </p:cSld>
+  <p:clrMapOvr>
+    <a:masterClrMapping/>
+  </p:clrMapOvr>
+  <p:timing>
+    <p:tnLst>
+      <p:par>
+        <p:cTn id="1" dur="indefinite" restart="never" nodeType="tmRoot"/>
+      </p:par>
+    </p:tnLst>
+  </p:timing>
+</p:sld>
+</file>
+
+<file path=ppt/slides/slide11.xml><?xml version="1.0" encoding="utf-8"?>
+<p:sld xmlns:a="http://schemas.openxmlformats.org/drawingml/2006/main" xmlns:r="http://schemas.openxmlformats.org/officeDocument/2006/relationships" xmlns:p="http://schemas.openxmlformats.org/presentationml/2006/main">
+  <p:cSld>
+    <p:spTree>
+      <p:nvGrpSpPr>
+        <p:cNvPr id="1" name=""/>
+        <p:cNvGrpSpPr/>
+        <p:nvPr/>
+      </p:nvGrpSpPr>
+      <p:grpSpPr>
+        <a:xfrm>
+          <a:off x="0" y="0"/>
+          <a:ext cx="0" cy="0"/>
+          <a:chOff x="0" y="0"/>
+          <a:chExt cx="0" cy="0"/>
+        </a:xfrm>
+      </p:grpSpPr>
+      <p:sp>
+        <p:nvSpPr>
+          <p:cNvPr id="5" name="內容版面配置區 4"/>
+          <p:cNvSpPr>
+            <a:spLocks noGrp="1"/>
+          </p:cNvSpPr>
+          <p:nvPr>
+            <p:ph idx="1"/>
+          </p:nvPr>
+        </p:nvSpPr>
+        <p:spPr>
+          <a:xfrm>
+            <a:off x="0" y="2084851"/>
+            <a:ext cx="12192000" cy="2404863"/>
+          </a:xfrm>
+        </p:spPr>
+        <p:txBody>
+          <a:bodyPr anchor="ctr">
+            <a:normAutofit/>
+          </a:bodyPr>
+          <a:lstStyle/>
           <a:p>
             <a:pPr algn="ctr">
               <a:buNone/>
             </a:pPr>
             <a:r>
-              <a:rPr lang="zh-TW" altLang="en-US" sz="5400" b="1" dirty="0">
+              <a:rPr lang="zh-TW" altLang="en-US" sz="6400" b="1" dirty="0">
                 <a:solidFill>
                   <a:srgbClr val="660033"/>
                 </a:solidFill>
                 <a:latin typeface="微軟正黑體" pitchFamily="34" charset="-120"/>
                 <a:ea typeface="微軟正黑體" pitchFamily="34" charset="-120"/>
               </a:rPr>
-              <a:t>總要大家發</a:t>
-            </a:r>
-            <a:r>
-              <a:rPr lang="zh-TW" altLang="en-US" sz="5400" b="1" dirty="0" smtClean="0">
-                <a:solidFill>
-                  <a:srgbClr val="660033"/>
-                </a:solidFill>
-                <a:latin typeface="微軟正黑體" pitchFamily="34" charset="-120"/>
-                <a:ea typeface="微軟正黑體" pitchFamily="34" charset="-120"/>
-              </a:rPr>
-              <a:t>憤</a:t>
-            </a:r>
-            <a:r>
-              <a:rPr lang="en-US" altLang="zh-TW" sz="5400" b="1" dirty="0" smtClean="0">
-                <a:solidFill>
-                  <a:srgbClr val="660033"/>
-                </a:solidFill>
-                <a:latin typeface="微軟正黑體" pitchFamily="34" charset="-120"/>
-                <a:ea typeface="微軟正黑體" pitchFamily="34" charset="-120"/>
-              </a:rPr>
-              <a:t>  </a:t>
-            </a:r>
-            <a:r>
-              <a:rPr lang="zh-TW" altLang="en-US" sz="5400" b="1" dirty="0" smtClean="0">
-                <a:solidFill>
-                  <a:srgbClr val="660033"/>
-                </a:solidFill>
-                <a:latin typeface="微軟正黑體" pitchFamily="34" charset="-120"/>
-                <a:ea typeface="微軟正黑體" pitchFamily="34" charset="-120"/>
-              </a:rPr>
-              <a:t>同</a:t>
-            </a:r>
-            <a:r>
-              <a:rPr lang="zh-TW" altLang="en-US" sz="5400" b="1" dirty="0">
-                <a:solidFill>
-                  <a:srgbClr val="660033"/>
-                </a:solidFill>
-                <a:latin typeface="微軟正黑體" pitchFamily="34" charset="-120"/>
-                <a:ea typeface="微軟正黑體" pitchFamily="34" charset="-120"/>
-              </a:rPr>
-              <a:t>來從主腳</a:t>
-            </a:r>
-            <a:r>
-              <a:rPr lang="zh-TW" altLang="en-US" sz="5400" b="1" dirty="0" smtClean="0">
-                <a:solidFill>
-                  <a:srgbClr val="660033"/>
-                </a:solidFill>
-                <a:latin typeface="微軟正黑體" pitchFamily="34" charset="-120"/>
-                <a:ea typeface="微軟正黑體" pitchFamily="34" charset="-120"/>
-              </a:rPr>
-              <a:t>步</a:t>
-            </a:r>
-            <a:endParaRPr lang="en-US" altLang="zh-TW" sz="5400" b="1" dirty="0" smtClean="0">
+              <a:t>都來同聲讚美</a:t>
+            </a:r>
+            <a:endParaRPr lang="en-US" altLang="zh-TW" sz="6400" b="1" dirty="0">
               <a:solidFill>
                 <a:srgbClr val="660033"/>
               </a:solidFill>
@@ -3255,56 +3445,16 @@
               <a:buNone/>
             </a:pPr>
             <a:r>
-              <a:rPr lang="zh-TW" altLang="en-US" sz="5400" b="1" dirty="0">
+              <a:rPr lang="zh-TW" altLang="en-US" sz="6400" b="1" dirty="0">
                 <a:solidFill>
                   <a:srgbClr val="660033"/>
                 </a:solidFill>
                 <a:latin typeface="微軟正黑體" pitchFamily="34" charset="-120"/>
                 <a:ea typeface="微軟正黑體" pitchFamily="34" charset="-120"/>
               </a:rPr>
-              <a:t>既有救主指</a:t>
-            </a:r>
-            <a:r>
-              <a:rPr lang="zh-TW" altLang="en-US" sz="5400" b="1" dirty="0" smtClean="0">
-                <a:solidFill>
-                  <a:srgbClr val="660033"/>
-                </a:solidFill>
-                <a:latin typeface="微軟正黑體" pitchFamily="34" charset="-120"/>
-                <a:ea typeface="微軟正黑體" pitchFamily="34" charset="-120"/>
-              </a:rPr>
-              <a:t>點</a:t>
-            </a:r>
-            <a:r>
-              <a:rPr lang="en-US" altLang="zh-TW" sz="5400" b="1" dirty="0" smtClean="0">
-                <a:solidFill>
-                  <a:srgbClr val="660033"/>
-                </a:solidFill>
-                <a:latin typeface="微軟正黑體" pitchFamily="34" charset="-120"/>
-                <a:ea typeface="微軟正黑體" pitchFamily="34" charset="-120"/>
-              </a:rPr>
-              <a:t>  </a:t>
-            </a:r>
-            <a:r>
-              <a:rPr lang="zh-TW" altLang="en-US" sz="5400" b="1" dirty="0" smtClean="0">
-                <a:solidFill>
-                  <a:srgbClr val="660033"/>
-                </a:solidFill>
-                <a:latin typeface="微軟正黑體" pitchFamily="34" charset="-120"/>
-                <a:ea typeface="微軟正黑體" pitchFamily="34" charset="-120"/>
-              </a:rPr>
-              <a:t>莫</a:t>
-            </a:r>
-            <a:r>
-              <a:rPr lang="zh-TW" altLang="en-US" sz="5400" b="1" dirty="0">
-                <a:solidFill>
-                  <a:srgbClr val="660033"/>
-                </a:solidFill>
-                <a:latin typeface="微軟正黑體" pitchFamily="34" charset="-120"/>
-                <a:ea typeface="微軟正黑體" pitchFamily="34" charset="-120"/>
-              </a:rPr>
-              <a:t>說力量不足</a:t>
-            </a:r>
-            <a:endParaRPr lang="en-US" altLang="zh-TW" sz="5400" b="1" dirty="0">
+              <a:t>感謝救人鴻恩</a:t>
+            </a:r>
+            <a:endParaRPr lang="en-US" altLang="zh-TW" sz="6400" b="1" dirty="0">
               <a:solidFill>
                 <a:srgbClr val="660033"/>
               </a:solidFill>
@@ -3312,81 +3462,119 @@
               <a:ea typeface="微軟正黑體" pitchFamily="34" charset="-120"/>
             </a:endParaRPr>
           </a:p>
+        </p:txBody>
+      </p:sp>
+      <p:sp>
+        <p:nvSpPr>
+          <p:cNvPr id="3" name="TextBox 2"/>
+          <p:cNvSpPr txBox="1"/>
+          <p:nvPr/>
+        </p:nvSpPr>
+        <p:spPr>
+          <a:xfrm>
+            <a:off x="911424" y="2194526"/>
+            <a:ext cx="1248139" cy="1200329"/>
+          </a:xfrm>
+          <a:prstGeom prst="rect">
+            <a:avLst/>
+          </a:prstGeom>
+          <a:noFill/>
+        </p:spPr>
+        <p:txBody>
+          <a:bodyPr wrap="square" rtlCol="0">
+            <a:spAutoFit/>
+          </a:bodyPr>
+          <a:lstStyle/>
+          <a:p>
+            <a:r>
+              <a:rPr lang="en-US" sz="7200" b="1" dirty="0">
+                <a:solidFill>
+                  <a:srgbClr val="660033"/>
+                </a:solidFill>
+              </a:rPr>
+              <a:t>2.</a:t>
+            </a:r>
+            <a:endParaRPr lang="vi-VN" sz="7200" b="1" dirty="0">
+              <a:solidFill>
+                <a:srgbClr val="660033"/>
+              </a:solidFill>
+            </a:endParaRPr>
+          </a:p>
+        </p:txBody>
+      </p:sp>
+    </p:spTree>
+    <p:extLst>
+      <p:ext uri="{BB962C8B-B14F-4D97-AF65-F5344CB8AC3E}">
+        <p14:creationId xmlns:p14="http://schemas.microsoft.com/office/powerpoint/2010/main" val="869247552"/>
+      </p:ext>
+    </p:extLst>
+  </p:cSld>
+  <p:clrMapOvr>
+    <a:masterClrMapping/>
+  </p:clrMapOvr>
+  <p:timing>
+    <p:tnLst>
+      <p:par>
+        <p:cTn id="1" dur="indefinite" restart="never" nodeType="tmRoot"/>
+      </p:par>
+    </p:tnLst>
+  </p:timing>
+</p:sld>
+</file>
+
+<file path=ppt/slides/slide12.xml><?xml version="1.0" encoding="utf-8"?>
+<p:sld xmlns:a="http://schemas.openxmlformats.org/drawingml/2006/main" xmlns:r="http://schemas.openxmlformats.org/officeDocument/2006/relationships" xmlns:p="http://schemas.openxmlformats.org/presentationml/2006/main">
+  <p:cSld>
+    <p:spTree>
+      <p:nvGrpSpPr>
+        <p:cNvPr id="1" name=""/>
+        <p:cNvGrpSpPr/>
+        <p:nvPr/>
+      </p:nvGrpSpPr>
+      <p:grpSpPr>
+        <a:xfrm>
+          <a:off x="0" y="0"/>
+          <a:ext cx="0" cy="0"/>
+          <a:chOff x="0" y="0"/>
+          <a:chExt cx="0" cy="0"/>
+        </a:xfrm>
+      </p:grpSpPr>
+      <p:sp>
+        <p:nvSpPr>
+          <p:cNvPr id="5" name="內容版面配置區 4"/>
+          <p:cNvSpPr>
+            <a:spLocks noGrp="1"/>
+          </p:cNvSpPr>
+          <p:nvPr>
+            <p:ph idx="1"/>
+          </p:nvPr>
+        </p:nvSpPr>
+        <p:spPr>
+          <a:xfrm>
+            <a:off x="0" y="2084851"/>
+            <a:ext cx="12192000" cy="2404863"/>
+          </a:xfrm>
+        </p:spPr>
+        <p:txBody>
+          <a:bodyPr anchor="ctr">
+            <a:normAutofit/>
+          </a:bodyPr>
+          <a:lstStyle/>
           <a:p>
             <a:pPr algn="ctr">
               <a:buNone/>
             </a:pPr>
             <a:r>
-              <a:rPr lang="zh-TW" altLang="en-US" sz="5400" b="1" dirty="0" smtClean="0">
+              <a:rPr lang="zh-TW" altLang="en-US" sz="6400" b="1" dirty="0">
                 <a:solidFill>
                   <a:srgbClr val="660033"/>
                 </a:solidFill>
                 <a:latin typeface="微軟正黑體" pitchFamily="34" charset="-120"/>
                 <a:ea typeface="微軟正黑體" pitchFamily="34" charset="-120"/>
               </a:rPr>
-              <a:t>只</a:t>
-            </a:r>
-            <a:r>
-              <a:rPr lang="zh-TW" altLang="en-US" sz="5400" b="1" dirty="0">
-                <a:solidFill>
-                  <a:srgbClr val="660033"/>
-                </a:solidFill>
-                <a:latin typeface="微軟正黑體" pitchFamily="34" charset="-120"/>
-                <a:ea typeface="微軟正黑體" pitchFamily="34" charset="-120"/>
-              </a:rPr>
-              <a:t>要慇勤撒</a:t>
-            </a:r>
-            <a:r>
-              <a:rPr lang="zh-TW" altLang="en-US" sz="5400" b="1" dirty="0" smtClean="0">
-                <a:solidFill>
-                  <a:srgbClr val="660033"/>
-                </a:solidFill>
-                <a:latin typeface="微軟正黑體" pitchFamily="34" charset="-120"/>
-                <a:ea typeface="微軟正黑體" pitchFamily="34" charset="-120"/>
-              </a:rPr>
-              <a:t>種</a:t>
-            </a:r>
-            <a:r>
-              <a:rPr lang="en-US" altLang="zh-TW" sz="5400" b="1" dirty="0" smtClean="0">
-                <a:solidFill>
-                  <a:srgbClr val="660033"/>
-                </a:solidFill>
-                <a:latin typeface="微軟正黑體" pitchFamily="34" charset="-120"/>
-                <a:ea typeface="微軟正黑體" pitchFamily="34" charset="-120"/>
-              </a:rPr>
-              <a:t>  </a:t>
-            </a:r>
-            <a:r>
-              <a:rPr lang="zh-TW" altLang="en-US" sz="5400" b="1" dirty="0" smtClean="0">
-                <a:solidFill>
-                  <a:srgbClr val="660033"/>
-                </a:solidFill>
-                <a:latin typeface="微軟正黑體" pitchFamily="34" charset="-120"/>
-                <a:ea typeface="微軟正黑體" pitchFamily="34" charset="-120"/>
-              </a:rPr>
-              <a:t>必</a:t>
-            </a:r>
-            <a:r>
-              <a:rPr lang="zh-TW" altLang="en-US" sz="5400" b="1" dirty="0">
-                <a:solidFill>
-                  <a:srgbClr val="660033"/>
-                </a:solidFill>
-                <a:latin typeface="微軟正黑體" pitchFamily="34" charset="-120"/>
-                <a:ea typeface="微軟正黑體" pitchFamily="34" charset="-120"/>
-              </a:rPr>
-              <a:t>要茂盛成</a:t>
-            </a:r>
-            <a:r>
-              <a:rPr lang="zh-TW" altLang="en-US" sz="5400" b="1" dirty="0" smtClean="0">
-                <a:solidFill>
-                  <a:srgbClr val="660033"/>
-                </a:solidFill>
-                <a:latin typeface="微軟正黑體" pitchFamily="34" charset="-120"/>
-                <a:ea typeface="微軟正黑體" pitchFamily="34" charset="-120"/>
-              </a:rPr>
-              <a:t>熟</a:t>
-            </a:r>
-            <a:endParaRPr lang="en-US" altLang="zh-TW" sz="5400" b="1" dirty="0">
+              <a:t>當勤勞  當勤勞</a:t>
+            </a:r>
+            <a:endParaRPr lang="en-US" altLang="zh-TW" sz="6400" b="1" dirty="0">
               <a:solidFill>
                 <a:srgbClr val="660033"/>
               </a:solidFill>
@@ -3394,18 +3582,248 @@
               <a:ea typeface="微軟正黑體" pitchFamily="34" charset="-120"/>
             </a:endParaRPr>
           </a:p>
-        </p:txBody>
-      </p:sp>
-      <p:sp>
-        <p:nvSpPr>
-          <p:cNvPr id="2" name="TextBox 1"/>
+          <a:p>
+            <a:pPr algn="ctr">
+              <a:buNone/>
+            </a:pPr>
+            <a:r>
+              <a:rPr lang="zh-TW" altLang="en-US" sz="6400" b="1" dirty="0">
+                <a:solidFill>
+                  <a:srgbClr val="660033"/>
+                </a:solidFill>
+                <a:latin typeface="微軟正黑體" pitchFamily="34" charset="-120"/>
+                <a:ea typeface="微軟正黑體" pitchFamily="34" charset="-120"/>
+              </a:rPr>
+              <a:t>當勤勞  當勤勞</a:t>
+            </a:r>
+            <a:endParaRPr lang="en-US" altLang="zh-TW" sz="6400" b="1" dirty="0">
+              <a:solidFill>
+                <a:srgbClr val="660033"/>
+              </a:solidFill>
+              <a:latin typeface="微軟正黑體" pitchFamily="34" charset="-120"/>
+              <a:ea typeface="微軟正黑體" pitchFamily="34" charset="-120"/>
+            </a:endParaRPr>
+          </a:p>
+        </p:txBody>
+      </p:sp>
+    </p:spTree>
+    <p:extLst>
+      <p:ext uri="{BB962C8B-B14F-4D97-AF65-F5344CB8AC3E}">
+        <p14:creationId xmlns:p14="http://schemas.microsoft.com/office/powerpoint/2010/main" val="2294935142"/>
+      </p:ext>
+    </p:extLst>
+  </p:cSld>
+  <p:clrMapOvr>
+    <a:masterClrMapping/>
+  </p:clrMapOvr>
+  <p:timing>
+    <p:tnLst>
+      <p:par>
+        <p:cTn id="1" dur="indefinite" restart="never" nodeType="tmRoot"/>
+      </p:par>
+    </p:tnLst>
+  </p:timing>
+</p:sld>
+</file>
+
+<file path=ppt/slides/slide13.xml><?xml version="1.0" encoding="utf-8"?>
+<p:sld xmlns:a="http://schemas.openxmlformats.org/drawingml/2006/main" xmlns:r="http://schemas.openxmlformats.org/officeDocument/2006/relationships" xmlns:p="http://schemas.openxmlformats.org/presentationml/2006/main">
+  <p:cSld>
+    <p:spTree>
+      <p:nvGrpSpPr>
+        <p:cNvPr id="1" name=""/>
+        <p:cNvGrpSpPr/>
+        <p:nvPr/>
+      </p:nvGrpSpPr>
+      <p:grpSpPr>
+        <a:xfrm>
+          <a:off x="0" y="0"/>
+          <a:ext cx="0" cy="0"/>
+          <a:chOff x="0" y="0"/>
+          <a:chExt cx="0" cy="0"/>
+        </a:xfrm>
+      </p:grpSpPr>
+      <p:sp>
+        <p:nvSpPr>
+          <p:cNvPr id="5" name="內容版面配置區 4"/>
+          <p:cNvSpPr>
+            <a:spLocks noGrp="1"/>
+          </p:cNvSpPr>
+          <p:nvPr>
+            <p:ph idx="1"/>
+          </p:nvPr>
+        </p:nvSpPr>
+        <p:spPr>
+          <a:xfrm>
+            <a:off x="0" y="2084851"/>
+            <a:ext cx="12192000" cy="2404863"/>
+          </a:xfrm>
+        </p:spPr>
+        <p:txBody>
+          <a:bodyPr anchor="ctr">
+            <a:normAutofit/>
+          </a:bodyPr>
+          <a:lstStyle/>
+          <a:p>
+            <a:pPr algn="ctr">
+              <a:buNone/>
+            </a:pPr>
+            <a:r>
+              <a:rPr lang="zh-TW" altLang="en-US" sz="6400" b="1" dirty="0">
+                <a:solidFill>
+                  <a:srgbClr val="660033"/>
+                </a:solidFill>
+                <a:latin typeface="微軟正黑體" pitchFamily="34" charset="-120"/>
+                <a:ea typeface="微軟正黑體" pitchFamily="34" charset="-120"/>
+              </a:rPr>
+              <a:t>恆忍望  儆醒待</a:t>
+            </a:r>
+            <a:endParaRPr lang="en-US" altLang="zh-TW" sz="6400" b="1" dirty="0">
+              <a:solidFill>
+                <a:srgbClr val="660033"/>
+              </a:solidFill>
+              <a:latin typeface="微軟正黑體" pitchFamily="34" charset="-120"/>
+              <a:ea typeface="微軟正黑體" pitchFamily="34" charset="-120"/>
+            </a:endParaRPr>
+          </a:p>
+          <a:p>
+            <a:pPr algn="ctr">
+              <a:buNone/>
+            </a:pPr>
+            <a:r>
+              <a:rPr lang="zh-TW" altLang="en-US" sz="6400" b="1" dirty="0">
+                <a:solidFill>
+                  <a:srgbClr val="660033"/>
+                </a:solidFill>
+                <a:latin typeface="微軟正黑體" pitchFamily="34" charset="-120"/>
+                <a:ea typeface="微軟正黑體" pitchFamily="34" charset="-120"/>
+              </a:rPr>
+              <a:t>忠心勤工直到主來</a:t>
+            </a:r>
+            <a:endParaRPr lang="en-US" altLang="zh-TW" sz="6400" b="1" dirty="0">
+              <a:solidFill>
+                <a:srgbClr val="660033"/>
+              </a:solidFill>
+              <a:latin typeface="微軟正黑體" pitchFamily="34" charset="-120"/>
+              <a:ea typeface="微軟正黑體" pitchFamily="34" charset="-120"/>
+            </a:endParaRPr>
+          </a:p>
+        </p:txBody>
+      </p:sp>
+    </p:spTree>
+    <p:extLst>
+      <p:ext uri="{BB962C8B-B14F-4D97-AF65-F5344CB8AC3E}">
+        <p14:creationId xmlns:p14="http://schemas.microsoft.com/office/powerpoint/2010/main" val="2309553629"/>
+      </p:ext>
+    </p:extLst>
+  </p:cSld>
+  <p:clrMapOvr>
+    <a:masterClrMapping/>
+  </p:clrMapOvr>
+  <p:timing>
+    <p:tnLst>
+      <p:par>
+        <p:cTn id="1" dur="indefinite" restart="never" nodeType="tmRoot"/>
+      </p:par>
+    </p:tnLst>
+  </p:timing>
+</p:sld>
+</file>
+
+<file path=ppt/slides/slide14.xml><?xml version="1.0" encoding="utf-8"?>
+<p:sld xmlns:a="http://schemas.openxmlformats.org/drawingml/2006/main" xmlns:r="http://schemas.openxmlformats.org/officeDocument/2006/relationships" xmlns:p="http://schemas.openxmlformats.org/presentationml/2006/main">
+  <p:cSld>
+    <p:spTree>
+      <p:nvGrpSpPr>
+        <p:cNvPr id="1" name=""/>
+        <p:cNvGrpSpPr/>
+        <p:nvPr/>
+      </p:nvGrpSpPr>
+      <p:grpSpPr>
+        <a:xfrm>
+          <a:off x="0" y="0"/>
+          <a:ext cx="0" cy="0"/>
+          <a:chOff x="0" y="0"/>
+          <a:chExt cx="0" cy="0"/>
+        </a:xfrm>
+      </p:grpSpPr>
+      <p:sp>
+        <p:nvSpPr>
+          <p:cNvPr id="5" name="內容版面配置區 4"/>
+          <p:cNvSpPr>
+            <a:spLocks noGrp="1"/>
+          </p:cNvSpPr>
+          <p:nvPr>
+            <p:ph idx="1"/>
+          </p:nvPr>
+        </p:nvSpPr>
+        <p:spPr>
+          <a:xfrm>
+            <a:off x="0" y="2084851"/>
+            <a:ext cx="12192000" cy="2404863"/>
+          </a:xfrm>
+        </p:spPr>
+        <p:txBody>
+          <a:bodyPr anchor="ctr">
+            <a:normAutofit/>
+          </a:bodyPr>
+          <a:lstStyle/>
+          <a:p>
+            <a:pPr algn="ctr">
+              <a:buNone/>
+            </a:pPr>
+            <a:r>
+              <a:rPr lang="zh-TW" altLang="en-US" sz="6400" b="1" dirty="0">
+                <a:solidFill>
+                  <a:srgbClr val="660033"/>
+                </a:solidFill>
+                <a:latin typeface="微軟正黑體" pitchFamily="34" charset="-120"/>
+                <a:ea typeface="微軟正黑體" pitchFamily="34" charset="-120"/>
+              </a:rPr>
+              <a:t>來作工  來作工</a:t>
+            </a:r>
+            <a:endParaRPr lang="en-US" altLang="zh-TW" sz="6400" b="1" dirty="0">
+              <a:solidFill>
+                <a:srgbClr val="660033"/>
+              </a:solidFill>
+              <a:latin typeface="微軟正黑體" pitchFamily="34" charset="-120"/>
+              <a:ea typeface="微軟正黑體" pitchFamily="34" charset="-120"/>
+            </a:endParaRPr>
+          </a:p>
+          <a:p>
+            <a:pPr algn="ctr">
+              <a:buNone/>
+            </a:pPr>
+            <a:r>
+              <a:rPr lang="zh-TW" altLang="en-US" sz="6400" b="1" dirty="0">
+                <a:solidFill>
+                  <a:srgbClr val="660033"/>
+                </a:solidFill>
+                <a:latin typeface="微軟正黑體" pitchFamily="34" charset="-120"/>
+                <a:ea typeface="微軟正黑體" pitchFamily="34" charset="-120"/>
+              </a:rPr>
+              <a:t>主必賞賜你力</a:t>
+            </a:r>
+            <a:endParaRPr lang="en-US" altLang="zh-TW" sz="6400" b="1" dirty="0">
+              <a:solidFill>
+                <a:srgbClr val="660033"/>
+              </a:solidFill>
+              <a:latin typeface="微軟正黑體" pitchFamily="34" charset="-120"/>
+              <a:ea typeface="微軟正黑體" pitchFamily="34" charset="-120"/>
+            </a:endParaRPr>
+          </a:p>
+        </p:txBody>
+      </p:sp>
+      <p:sp>
+        <p:nvSpPr>
+          <p:cNvPr id="3" name="TextBox 2"/>
           <p:cNvSpPr txBox="1"/>
           <p:nvPr/>
         </p:nvSpPr>
         <p:spPr>
           <a:xfrm>
-            <a:off x="407368" y="1700808"/>
-            <a:ext cx="720080" cy="830997"/>
+            <a:off x="911424" y="2194526"/>
+            <a:ext cx="1248139" cy="1200329"/>
           </a:xfrm>
           <a:prstGeom prst="rect">
             <a:avLst/>
@@ -3419,14 +3837,14 @@
           <a:lstStyle/>
           <a:p>
             <a:r>
-              <a:rPr lang="en-US" sz="4800" b="1" dirty="0" smtClean="0">
+              <a:rPr lang="en-US" sz="7200" b="1" dirty="0">
                 <a:solidFill>
                   <a:srgbClr val="660033"/>
                 </a:solidFill>
               </a:rPr>
-              <a:t>1.</a:t>
-            </a:r>
-            <a:endParaRPr lang="vi-VN" sz="4800" b="1" dirty="0">
+              <a:t>3.</a:t>
+            </a:r>
+            <a:endParaRPr lang="vi-VN" sz="7200" b="1" dirty="0">
               <a:solidFill>
                 <a:srgbClr val="660033"/>
               </a:solidFill>
@@ -3435,10 +3853,656 @@
         </p:txBody>
       </p:sp>
     </p:spTree>
+    <p:extLst>
+      <p:ext uri="{BB962C8B-B14F-4D97-AF65-F5344CB8AC3E}">
+        <p14:creationId xmlns:p14="http://schemas.microsoft.com/office/powerpoint/2010/main" val="3856003217"/>
+      </p:ext>
+    </p:extLst>
   </p:cSld>
   <p:clrMapOvr>
     <a:masterClrMapping/>
   </p:clrMapOvr>
+  <p:timing>
+    <p:tnLst>
+      <p:par>
+        <p:cTn id="1" dur="indefinite" restart="never" nodeType="tmRoot"/>
+      </p:par>
+    </p:tnLst>
+  </p:timing>
+</p:sld>
+</file>
+
+<file path=ppt/slides/slide15.xml><?xml version="1.0" encoding="utf-8"?>
+<p:sld xmlns:a="http://schemas.openxmlformats.org/drawingml/2006/main" xmlns:r="http://schemas.openxmlformats.org/officeDocument/2006/relationships" xmlns:p="http://schemas.openxmlformats.org/presentationml/2006/main">
+  <p:cSld>
+    <p:spTree>
+      <p:nvGrpSpPr>
+        <p:cNvPr id="1" name=""/>
+        <p:cNvGrpSpPr/>
+        <p:nvPr/>
+      </p:nvGrpSpPr>
+      <p:grpSpPr>
+        <a:xfrm>
+          <a:off x="0" y="0"/>
+          <a:ext cx="0" cy="0"/>
+          <a:chOff x="0" y="0"/>
+          <a:chExt cx="0" cy="0"/>
+        </a:xfrm>
+      </p:grpSpPr>
+      <p:sp>
+        <p:nvSpPr>
+          <p:cNvPr id="5" name="內容版面配置區 4"/>
+          <p:cNvSpPr>
+            <a:spLocks noGrp="1"/>
+          </p:cNvSpPr>
+          <p:nvPr>
+            <p:ph idx="1"/>
+          </p:nvPr>
+        </p:nvSpPr>
+        <p:spPr>
+          <a:xfrm>
+            <a:off x="0" y="2084851"/>
+            <a:ext cx="12192000" cy="2404863"/>
+          </a:xfrm>
+        </p:spPr>
+        <p:txBody>
+          <a:bodyPr anchor="ctr">
+            <a:normAutofit/>
+          </a:bodyPr>
+          <a:lstStyle/>
+          <a:p>
+            <a:pPr algn="ctr">
+              <a:buNone/>
+            </a:pPr>
+            <a:r>
+              <a:rPr lang="zh-TW" altLang="en-US" sz="6400" b="1" dirty="0">
+                <a:solidFill>
+                  <a:srgbClr val="660033"/>
+                </a:solidFill>
+                <a:latin typeface="微軟正黑體" pitchFamily="34" charset="-120"/>
+                <a:ea typeface="微軟正黑體" pitchFamily="34" charset="-120"/>
+              </a:rPr>
+              <a:t>等到工夫完畢</a:t>
+            </a:r>
+            <a:endParaRPr lang="en-US" altLang="zh-TW" sz="6400" b="1" dirty="0">
+              <a:solidFill>
+                <a:srgbClr val="660033"/>
+              </a:solidFill>
+              <a:latin typeface="微軟正黑體" pitchFamily="34" charset="-120"/>
+              <a:ea typeface="微軟正黑體" pitchFamily="34" charset="-120"/>
+            </a:endParaRPr>
+          </a:p>
+          <a:p>
+            <a:pPr algn="ctr">
+              <a:buNone/>
+            </a:pPr>
+            <a:r>
+              <a:rPr lang="zh-TW" altLang="en-US" sz="6400" b="1" dirty="0">
+                <a:solidFill>
+                  <a:srgbClr val="660033"/>
+                </a:solidFill>
+                <a:latin typeface="微軟正黑體" pitchFamily="34" charset="-120"/>
+                <a:ea typeface="微軟正黑體" pitchFamily="34" charset="-120"/>
+              </a:rPr>
+              <a:t>便有冠冕給你</a:t>
+            </a:r>
+            <a:endParaRPr lang="en-US" altLang="zh-TW" sz="6400" b="1" dirty="0">
+              <a:solidFill>
+                <a:srgbClr val="660033"/>
+              </a:solidFill>
+              <a:latin typeface="微軟正黑體" pitchFamily="34" charset="-120"/>
+              <a:ea typeface="微軟正黑體" pitchFamily="34" charset="-120"/>
+            </a:endParaRPr>
+          </a:p>
+        </p:txBody>
+      </p:sp>
+      <p:sp>
+        <p:nvSpPr>
+          <p:cNvPr id="3" name="TextBox 2"/>
+          <p:cNvSpPr txBox="1"/>
+          <p:nvPr/>
+        </p:nvSpPr>
+        <p:spPr>
+          <a:xfrm>
+            <a:off x="911424" y="2194526"/>
+            <a:ext cx="1248139" cy="1200329"/>
+          </a:xfrm>
+          <a:prstGeom prst="rect">
+            <a:avLst/>
+          </a:prstGeom>
+          <a:noFill/>
+        </p:spPr>
+        <p:txBody>
+          <a:bodyPr wrap="square" rtlCol="0">
+            <a:spAutoFit/>
+          </a:bodyPr>
+          <a:lstStyle/>
+          <a:p>
+            <a:r>
+              <a:rPr lang="en-US" sz="7200" b="1" dirty="0">
+                <a:solidFill>
+                  <a:srgbClr val="660033"/>
+                </a:solidFill>
+              </a:rPr>
+              <a:t>3.</a:t>
+            </a:r>
+            <a:endParaRPr lang="vi-VN" sz="7200" b="1" dirty="0">
+              <a:solidFill>
+                <a:srgbClr val="660033"/>
+              </a:solidFill>
+            </a:endParaRPr>
+          </a:p>
+        </p:txBody>
+      </p:sp>
+    </p:spTree>
+    <p:extLst>
+      <p:ext uri="{BB962C8B-B14F-4D97-AF65-F5344CB8AC3E}">
+        <p14:creationId xmlns:p14="http://schemas.microsoft.com/office/powerpoint/2010/main" val="2623767369"/>
+      </p:ext>
+    </p:extLst>
+  </p:cSld>
+  <p:clrMapOvr>
+    <a:masterClrMapping/>
+  </p:clrMapOvr>
+  <p:timing>
+    <p:tnLst>
+      <p:par>
+        <p:cTn id="1" dur="indefinite" restart="never" nodeType="tmRoot"/>
+      </p:par>
+    </p:tnLst>
+  </p:timing>
+</p:sld>
+</file>
+
+<file path=ppt/slides/slide16.xml><?xml version="1.0" encoding="utf-8"?>
+<p:sld xmlns:a="http://schemas.openxmlformats.org/drawingml/2006/main" xmlns:r="http://schemas.openxmlformats.org/officeDocument/2006/relationships" xmlns:p="http://schemas.openxmlformats.org/presentationml/2006/main">
+  <p:cSld>
+    <p:spTree>
+      <p:nvGrpSpPr>
+        <p:cNvPr id="1" name=""/>
+        <p:cNvGrpSpPr/>
+        <p:nvPr/>
+      </p:nvGrpSpPr>
+      <p:grpSpPr>
+        <a:xfrm>
+          <a:off x="0" y="0"/>
+          <a:ext cx="0" cy="0"/>
+          <a:chOff x="0" y="0"/>
+          <a:chExt cx="0" cy="0"/>
+        </a:xfrm>
+      </p:grpSpPr>
+      <p:sp>
+        <p:nvSpPr>
+          <p:cNvPr id="5" name="內容版面配置區 4"/>
+          <p:cNvSpPr>
+            <a:spLocks noGrp="1"/>
+          </p:cNvSpPr>
+          <p:nvPr>
+            <p:ph idx="1"/>
+          </p:nvPr>
+        </p:nvSpPr>
+        <p:spPr>
+          <a:xfrm>
+            <a:off x="0" y="2084851"/>
+            <a:ext cx="12192000" cy="2404863"/>
+          </a:xfrm>
+        </p:spPr>
+        <p:txBody>
+          <a:bodyPr anchor="ctr">
+            <a:normAutofit/>
+          </a:bodyPr>
+          <a:lstStyle/>
+          <a:p>
+            <a:pPr algn="ctr">
+              <a:buNone/>
+            </a:pPr>
+            <a:r>
+              <a:rPr lang="zh-TW" altLang="en-US" sz="6400" b="1" dirty="0">
+                <a:solidFill>
+                  <a:srgbClr val="660033"/>
+                </a:solidFill>
+                <a:latin typeface="微軟正黑體" pitchFamily="34" charset="-120"/>
+                <a:ea typeface="微軟正黑體" pitchFamily="34" charset="-120"/>
+              </a:rPr>
+              <a:t>若能忍耐到底</a:t>
+            </a:r>
+            <a:endParaRPr lang="en-US" altLang="zh-TW" sz="6400" b="1" dirty="0">
+              <a:solidFill>
+                <a:srgbClr val="660033"/>
+              </a:solidFill>
+              <a:latin typeface="微軟正黑體" pitchFamily="34" charset="-120"/>
+              <a:ea typeface="微軟正黑體" pitchFamily="34" charset="-120"/>
+            </a:endParaRPr>
+          </a:p>
+          <a:p>
+            <a:pPr algn="ctr">
+              <a:buNone/>
+            </a:pPr>
+            <a:r>
+              <a:rPr lang="zh-TW" altLang="en-US" sz="6400" b="1" dirty="0">
+                <a:solidFill>
+                  <a:srgbClr val="660033"/>
+                </a:solidFill>
+                <a:latin typeface="微軟正黑體" pitchFamily="34" charset="-120"/>
+                <a:ea typeface="微軟正黑體" pitchFamily="34" charset="-120"/>
+              </a:rPr>
+              <a:t>必入天堂安息</a:t>
+            </a:r>
+            <a:endParaRPr lang="en-US" altLang="zh-TW" sz="6400" b="1" dirty="0">
+              <a:solidFill>
+                <a:srgbClr val="660033"/>
+              </a:solidFill>
+              <a:latin typeface="微軟正黑體" pitchFamily="34" charset="-120"/>
+              <a:ea typeface="微軟正黑體" pitchFamily="34" charset="-120"/>
+            </a:endParaRPr>
+          </a:p>
+        </p:txBody>
+      </p:sp>
+      <p:sp>
+        <p:nvSpPr>
+          <p:cNvPr id="3" name="TextBox 2"/>
+          <p:cNvSpPr txBox="1"/>
+          <p:nvPr/>
+        </p:nvSpPr>
+        <p:spPr>
+          <a:xfrm>
+            <a:off x="911424" y="2194526"/>
+            <a:ext cx="1248139" cy="1200329"/>
+          </a:xfrm>
+          <a:prstGeom prst="rect">
+            <a:avLst/>
+          </a:prstGeom>
+          <a:noFill/>
+        </p:spPr>
+        <p:txBody>
+          <a:bodyPr wrap="square" rtlCol="0">
+            <a:spAutoFit/>
+          </a:bodyPr>
+          <a:lstStyle/>
+          <a:p>
+            <a:r>
+              <a:rPr lang="en-US" sz="7200" b="1" dirty="0">
+                <a:solidFill>
+                  <a:srgbClr val="660033"/>
+                </a:solidFill>
+              </a:rPr>
+              <a:t>3.</a:t>
+            </a:r>
+            <a:endParaRPr lang="vi-VN" sz="7200" b="1" dirty="0">
+              <a:solidFill>
+                <a:srgbClr val="660033"/>
+              </a:solidFill>
+            </a:endParaRPr>
+          </a:p>
+        </p:txBody>
+      </p:sp>
+    </p:spTree>
+    <p:extLst>
+      <p:ext uri="{BB962C8B-B14F-4D97-AF65-F5344CB8AC3E}">
+        <p14:creationId xmlns:p14="http://schemas.microsoft.com/office/powerpoint/2010/main" val="2930560854"/>
+      </p:ext>
+    </p:extLst>
+  </p:cSld>
+  <p:clrMapOvr>
+    <a:masterClrMapping/>
+  </p:clrMapOvr>
+  <p:timing>
+    <p:tnLst>
+      <p:par>
+        <p:cTn id="1" dur="indefinite" restart="never" nodeType="tmRoot"/>
+      </p:par>
+    </p:tnLst>
+  </p:timing>
+</p:sld>
+</file>
+
+<file path=ppt/slides/slide17.xml><?xml version="1.0" encoding="utf-8"?>
+<p:sld xmlns:a="http://schemas.openxmlformats.org/drawingml/2006/main" xmlns:r="http://schemas.openxmlformats.org/officeDocument/2006/relationships" xmlns:p="http://schemas.openxmlformats.org/presentationml/2006/main">
+  <p:cSld>
+    <p:spTree>
+      <p:nvGrpSpPr>
+        <p:cNvPr id="1" name=""/>
+        <p:cNvGrpSpPr/>
+        <p:nvPr/>
+      </p:nvGrpSpPr>
+      <p:grpSpPr>
+        <a:xfrm>
+          <a:off x="0" y="0"/>
+          <a:ext cx="0" cy="0"/>
+          <a:chOff x="0" y="0"/>
+          <a:chExt cx="0" cy="0"/>
+        </a:xfrm>
+      </p:grpSpPr>
+      <p:sp>
+        <p:nvSpPr>
+          <p:cNvPr id="5" name="內容版面配置區 4"/>
+          <p:cNvSpPr>
+            <a:spLocks noGrp="1"/>
+          </p:cNvSpPr>
+          <p:nvPr>
+            <p:ph idx="1"/>
+          </p:nvPr>
+        </p:nvSpPr>
+        <p:spPr>
+          <a:xfrm>
+            <a:off x="0" y="2084851"/>
+            <a:ext cx="12192000" cy="2404863"/>
+          </a:xfrm>
+        </p:spPr>
+        <p:txBody>
+          <a:bodyPr anchor="ctr">
+            <a:normAutofit/>
+          </a:bodyPr>
+          <a:lstStyle/>
+          <a:p>
+            <a:pPr algn="ctr">
+              <a:buNone/>
+            </a:pPr>
+            <a:r>
+              <a:rPr lang="zh-TW" altLang="en-US" sz="6400" b="1" dirty="0">
+                <a:solidFill>
+                  <a:srgbClr val="660033"/>
+                </a:solidFill>
+                <a:latin typeface="微軟正黑體" pitchFamily="34" charset="-120"/>
+                <a:ea typeface="微軟正黑體" pitchFamily="34" charset="-120"/>
+              </a:rPr>
+              <a:t>同眾門徒歌唱</a:t>
+            </a:r>
+            <a:endParaRPr lang="en-US" altLang="zh-TW" sz="6400" b="1" dirty="0">
+              <a:solidFill>
+                <a:srgbClr val="660033"/>
+              </a:solidFill>
+              <a:latin typeface="微軟正黑體" pitchFamily="34" charset="-120"/>
+              <a:ea typeface="微軟正黑體" pitchFamily="34" charset="-120"/>
+            </a:endParaRPr>
+          </a:p>
+          <a:p>
+            <a:pPr algn="ctr">
+              <a:buNone/>
+            </a:pPr>
+            <a:r>
+              <a:rPr lang="zh-TW" altLang="en-US" sz="6400" b="1" dirty="0">
+                <a:solidFill>
+                  <a:srgbClr val="660033"/>
+                </a:solidFill>
+                <a:latin typeface="微軟正黑體" pitchFamily="34" charset="-120"/>
+                <a:ea typeface="微軟正黑體" pitchFamily="34" charset="-120"/>
+              </a:rPr>
+              <a:t>頌主恩惠不已</a:t>
+            </a:r>
+            <a:endParaRPr lang="en-US" altLang="zh-TW" sz="6400" b="1" dirty="0">
+              <a:solidFill>
+                <a:srgbClr val="660033"/>
+              </a:solidFill>
+              <a:latin typeface="微軟正黑體" pitchFamily="34" charset="-120"/>
+              <a:ea typeface="微軟正黑體" pitchFamily="34" charset="-120"/>
+            </a:endParaRPr>
+          </a:p>
+        </p:txBody>
+      </p:sp>
+      <p:sp>
+        <p:nvSpPr>
+          <p:cNvPr id="3" name="TextBox 2"/>
+          <p:cNvSpPr txBox="1"/>
+          <p:nvPr/>
+        </p:nvSpPr>
+        <p:spPr>
+          <a:xfrm>
+            <a:off x="911424" y="2194526"/>
+            <a:ext cx="1248139" cy="1200329"/>
+          </a:xfrm>
+          <a:prstGeom prst="rect">
+            <a:avLst/>
+          </a:prstGeom>
+          <a:noFill/>
+        </p:spPr>
+        <p:txBody>
+          <a:bodyPr wrap="square" rtlCol="0">
+            <a:spAutoFit/>
+          </a:bodyPr>
+          <a:lstStyle/>
+          <a:p>
+            <a:r>
+              <a:rPr lang="en-US" sz="7200" b="1" dirty="0">
+                <a:solidFill>
+                  <a:srgbClr val="660033"/>
+                </a:solidFill>
+              </a:rPr>
+              <a:t>3.</a:t>
+            </a:r>
+            <a:endParaRPr lang="vi-VN" sz="7200" b="1" dirty="0">
+              <a:solidFill>
+                <a:srgbClr val="660033"/>
+              </a:solidFill>
+            </a:endParaRPr>
+          </a:p>
+        </p:txBody>
+      </p:sp>
+    </p:spTree>
+    <p:extLst>
+      <p:ext uri="{BB962C8B-B14F-4D97-AF65-F5344CB8AC3E}">
+        <p14:creationId xmlns:p14="http://schemas.microsoft.com/office/powerpoint/2010/main" val="3056719703"/>
+      </p:ext>
+    </p:extLst>
+  </p:cSld>
+  <p:clrMapOvr>
+    <a:masterClrMapping/>
+  </p:clrMapOvr>
+  <p:timing>
+    <p:tnLst>
+      <p:par>
+        <p:cTn id="1" dur="indefinite" restart="never" nodeType="tmRoot"/>
+      </p:par>
+    </p:tnLst>
+  </p:timing>
+</p:sld>
+</file>
+
+<file path=ppt/slides/slide18.xml><?xml version="1.0" encoding="utf-8"?>
+<p:sld xmlns:a="http://schemas.openxmlformats.org/drawingml/2006/main" xmlns:r="http://schemas.openxmlformats.org/officeDocument/2006/relationships" xmlns:p="http://schemas.openxmlformats.org/presentationml/2006/main">
+  <p:cSld>
+    <p:spTree>
+      <p:nvGrpSpPr>
+        <p:cNvPr id="1" name=""/>
+        <p:cNvGrpSpPr/>
+        <p:nvPr/>
+      </p:nvGrpSpPr>
+      <p:grpSpPr>
+        <a:xfrm>
+          <a:off x="0" y="0"/>
+          <a:ext cx="0" cy="0"/>
+          <a:chOff x="0" y="0"/>
+          <a:chExt cx="0" cy="0"/>
+        </a:xfrm>
+      </p:grpSpPr>
+      <p:sp>
+        <p:nvSpPr>
+          <p:cNvPr id="5" name="內容版面配置區 4"/>
+          <p:cNvSpPr>
+            <a:spLocks noGrp="1"/>
+          </p:cNvSpPr>
+          <p:nvPr>
+            <p:ph idx="1"/>
+          </p:nvPr>
+        </p:nvSpPr>
+        <p:spPr>
+          <a:xfrm>
+            <a:off x="0" y="2084851"/>
+            <a:ext cx="12192000" cy="2404863"/>
+          </a:xfrm>
+        </p:spPr>
+        <p:txBody>
+          <a:bodyPr anchor="ctr">
+            <a:normAutofit/>
+          </a:bodyPr>
+          <a:lstStyle/>
+          <a:p>
+            <a:pPr algn="ctr">
+              <a:buNone/>
+            </a:pPr>
+            <a:r>
+              <a:rPr lang="zh-TW" altLang="en-US" sz="6400" b="1" dirty="0">
+                <a:solidFill>
+                  <a:srgbClr val="660033"/>
+                </a:solidFill>
+                <a:latin typeface="微軟正黑體" pitchFamily="34" charset="-120"/>
+                <a:ea typeface="微軟正黑體" pitchFamily="34" charset="-120"/>
+              </a:rPr>
+              <a:t>當勤勞  當勤勞</a:t>
+            </a:r>
+            <a:endParaRPr lang="en-US" altLang="zh-TW" sz="6400" b="1" dirty="0">
+              <a:solidFill>
+                <a:srgbClr val="660033"/>
+              </a:solidFill>
+              <a:latin typeface="微軟正黑體" pitchFamily="34" charset="-120"/>
+              <a:ea typeface="微軟正黑體" pitchFamily="34" charset="-120"/>
+            </a:endParaRPr>
+          </a:p>
+          <a:p>
+            <a:pPr algn="ctr">
+              <a:buNone/>
+            </a:pPr>
+            <a:r>
+              <a:rPr lang="zh-TW" altLang="en-US" sz="6400" b="1" dirty="0">
+                <a:solidFill>
+                  <a:srgbClr val="660033"/>
+                </a:solidFill>
+                <a:latin typeface="微軟正黑體" pitchFamily="34" charset="-120"/>
+                <a:ea typeface="微軟正黑體" pitchFamily="34" charset="-120"/>
+              </a:rPr>
+              <a:t>當勤勞  當勤勞</a:t>
+            </a:r>
+            <a:endParaRPr lang="en-US" altLang="zh-TW" sz="6400" b="1" dirty="0">
+              <a:solidFill>
+                <a:srgbClr val="660033"/>
+              </a:solidFill>
+              <a:latin typeface="微軟正黑體" pitchFamily="34" charset="-120"/>
+              <a:ea typeface="微軟正黑體" pitchFamily="34" charset="-120"/>
+            </a:endParaRPr>
+          </a:p>
+        </p:txBody>
+      </p:sp>
+    </p:spTree>
+    <p:extLst>
+      <p:ext uri="{BB962C8B-B14F-4D97-AF65-F5344CB8AC3E}">
+        <p14:creationId xmlns:p14="http://schemas.microsoft.com/office/powerpoint/2010/main" val="3051934836"/>
+      </p:ext>
+    </p:extLst>
+  </p:cSld>
+  <p:clrMapOvr>
+    <a:masterClrMapping/>
+  </p:clrMapOvr>
+  <p:timing>
+    <p:tnLst>
+      <p:par>
+        <p:cTn id="1" dur="indefinite" restart="never" nodeType="tmRoot"/>
+      </p:par>
+    </p:tnLst>
+  </p:timing>
+</p:sld>
+</file>
+
+<file path=ppt/slides/slide19.xml><?xml version="1.0" encoding="utf-8"?>
+<p:sld xmlns:a="http://schemas.openxmlformats.org/drawingml/2006/main" xmlns:r="http://schemas.openxmlformats.org/officeDocument/2006/relationships" xmlns:p="http://schemas.openxmlformats.org/presentationml/2006/main">
+  <p:cSld>
+    <p:spTree>
+      <p:nvGrpSpPr>
+        <p:cNvPr id="1" name=""/>
+        <p:cNvGrpSpPr/>
+        <p:nvPr/>
+      </p:nvGrpSpPr>
+      <p:grpSpPr>
+        <a:xfrm>
+          <a:off x="0" y="0"/>
+          <a:ext cx="0" cy="0"/>
+          <a:chOff x="0" y="0"/>
+          <a:chExt cx="0" cy="0"/>
+        </a:xfrm>
+      </p:grpSpPr>
+      <p:sp>
+        <p:nvSpPr>
+          <p:cNvPr id="5" name="內容版面配置區 4"/>
+          <p:cNvSpPr>
+            <a:spLocks noGrp="1"/>
+          </p:cNvSpPr>
+          <p:nvPr>
+            <p:ph idx="1"/>
+          </p:nvPr>
+        </p:nvSpPr>
+        <p:spPr>
+          <a:xfrm>
+            <a:off x="0" y="2084851"/>
+            <a:ext cx="12192000" cy="2404863"/>
+          </a:xfrm>
+        </p:spPr>
+        <p:txBody>
+          <a:bodyPr anchor="ctr">
+            <a:normAutofit/>
+          </a:bodyPr>
+          <a:lstStyle/>
+          <a:p>
+            <a:pPr algn="ctr">
+              <a:buNone/>
+            </a:pPr>
+            <a:r>
+              <a:rPr lang="zh-TW" altLang="en-US" sz="6400" b="1" dirty="0">
+                <a:solidFill>
+                  <a:srgbClr val="660033"/>
+                </a:solidFill>
+                <a:latin typeface="微軟正黑體" pitchFamily="34" charset="-120"/>
+                <a:ea typeface="微軟正黑體" pitchFamily="34" charset="-120"/>
+              </a:rPr>
+              <a:t>恆忍望  儆醒待</a:t>
+            </a:r>
+            <a:endParaRPr lang="en-US" altLang="zh-TW" sz="6400" b="1" dirty="0">
+              <a:solidFill>
+                <a:srgbClr val="660033"/>
+              </a:solidFill>
+              <a:latin typeface="微軟正黑體" pitchFamily="34" charset="-120"/>
+              <a:ea typeface="微軟正黑體" pitchFamily="34" charset="-120"/>
+            </a:endParaRPr>
+          </a:p>
+          <a:p>
+            <a:pPr algn="ctr">
+              <a:buNone/>
+            </a:pPr>
+            <a:r>
+              <a:rPr lang="zh-TW" altLang="en-US" sz="6400" b="1" dirty="0">
+                <a:solidFill>
+                  <a:srgbClr val="660033"/>
+                </a:solidFill>
+                <a:latin typeface="微軟正黑體" pitchFamily="34" charset="-120"/>
+                <a:ea typeface="微軟正黑體" pitchFamily="34" charset="-120"/>
+              </a:rPr>
+              <a:t>忠心勤工直到主來</a:t>
+            </a:r>
+            <a:endParaRPr lang="en-US" altLang="zh-TW" sz="6400" b="1" dirty="0">
+              <a:solidFill>
+                <a:srgbClr val="660033"/>
+              </a:solidFill>
+              <a:latin typeface="微軟正黑體" pitchFamily="34" charset="-120"/>
+              <a:ea typeface="微軟正黑體" pitchFamily="34" charset="-120"/>
+            </a:endParaRPr>
+          </a:p>
+        </p:txBody>
+      </p:sp>
+    </p:spTree>
+    <p:extLst>
+      <p:ext uri="{BB962C8B-B14F-4D97-AF65-F5344CB8AC3E}">
+        <p14:creationId xmlns:p14="http://schemas.microsoft.com/office/powerpoint/2010/main" val="2354580629"/>
+      </p:ext>
+    </p:extLst>
+  </p:cSld>
+  <p:clrMapOvr>
+    <a:masterClrMapping/>
+  </p:clrMapOvr>
+  <p:timing>
+    <p:tnLst>
+      <p:par>
+        <p:cTn id="1" dur="indefinite" restart="never" nodeType="tmRoot"/>
+      </p:par>
+    </p:tnLst>
+  </p:timing>
 </p:sld>
 </file>
 
@@ -3461,30 +4525,40 @@
       </p:grpSpPr>
       <p:sp>
         <p:nvSpPr>
-          <p:cNvPr id="4" name="標題 3"/>
-          <p:cNvSpPr>
-            <a:spLocks noGrp="1"/>
-          </p:cNvSpPr>
-          <p:nvPr>
-            <p:ph type="title"/>
-          </p:nvPr>
-        </p:nvSpPr>
-        <p:spPr/>
-        <p:txBody>
-          <a:bodyPr/>
-          <a:lstStyle/>
-          <a:p>
-            <a:r>
-              <a:rPr lang="zh-TW" altLang="en-US" b="1" dirty="0" smtClean="0">
+          <p:cNvPr id="5" name="內容版面配置區 4"/>
+          <p:cNvSpPr>
+            <a:spLocks noGrp="1"/>
+          </p:cNvSpPr>
+          <p:nvPr>
+            <p:ph idx="1"/>
+          </p:nvPr>
+        </p:nvSpPr>
+        <p:spPr>
+          <a:xfrm>
+            <a:off x="0" y="2084851"/>
+            <a:ext cx="12192000" cy="2404863"/>
+          </a:xfrm>
+        </p:spPr>
+        <p:txBody>
+          <a:bodyPr anchor="ctr">
+            <a:normAutofit/>
+          </a:bodyPr>
+          <a:lstStyle/>
+          <a:p>
+            <a:pPr algn="ctr">
+              <a:buNone/>
+            </a:pPr>
+            <a:r>
+              <a:rPr lang="zh-TW" altLang="en-US" sz="6400" b="1" dirty="0">
                 <a:solidFill>
                   <a:srgbClr val="660033"/>
                 </a:solidFill>
                 <a:latin typeface="微軟正黑體" pitchFamily="34" charset="-120"/>
                 <a:ea typeface="微軟正黑體" pitchFamily="34" charset="-120"/>
               </a:rPr>
-              <a:t>來作工</a:t>
-            </a:r>
-            <a:endParaRPr lang="zh-TW" altLang="en-US" b="1" dirty="0">
+              <a:t>來作工  來作工</a:t>
+            </a:r>
+            <a:endParaRPr lang="en-US" altLang="zh-TW" sz="6400" b="1" dirty="0">
               <a:solidFill>
                 <a:srgbClr val="660033"/>
               </a:solidFill>
@@ -3492,119 +4566,85 @@
               <a:ea typeface="微軟正黑體" pitchFamily="34" charset="-120"/>
             </a:endParaRPr>
           </a:p>
-        </p:txBody>
-      </p:sp>
-      <p:sp>
-        <p:nvSpPr>
-          <p:cNvPr id="5" name="內容版面配置區 4"/>
-          <p:cNvSpPr>
-            <a:spLocks noGrp="1"/>
-          </p:cNvSpPr>
-          <p:nvPr>
-            <p:ph idx="1"/>
-          </p:nvPr>
-        </p:nvSpPr>
-        <p:spPr/>
-        <p:txBody>
-          <a:bodyPr>
-            <a:normAutofit/>
-          </a:bodyPr>
-          <a:lstStyle/>
           <a:p>
             <a:pPr algn="ctr">
               <a:buNone/>
             </a:pPr>
             <a:r>
-              <a:rPr lang="zh-TW" altLang="en-US" sz="5400" b="1" dirty="0">
+              <a:rPr lang="zh-TW" altLang="en-US" sz="6400" b="1" dirty="0">
                 <a:solidFill>
                   <a:srgbClr val="660033"/>
                 </a:solidFill>
                 <a:latin typeface="微軟正黑體" pitchFamily="34" charset="-120"/>
                 <a:ea typeface="微軟正黑體" pitchFamily="34" charset="-120"/>
               </a:rPr>
-              <a:t>當勤勞  當勤勞</a:t>
-            </a:r>
-            <a:endParaRPr lang="en-US" altLang="zh-TW" sz="5400" b="1" dirty="0">
+              <a:t>來作主忠信僕</a:t>
+            </a:r>
+            <a:endParaRPr lang="en-US" altLang="zh-TW" sz="6400" b="1" dirty="0">
               <a:solidFill>
                 <a:srgbClr val="660033"/>
               </a:solidFill>
-              <a:latin typeface="微軟正黑體" pitchFamily="34" charset="-120"/>
-              <a:ea typeface="微軟正黑體" pitchFamily="34" charset="-120"/>
+              <a:latin typeface="Microsoft JhengHei" panose="020B0604030504040204" pitchFamily="34" charset="-120"/>
+              <a:ea typeface="Microsoft JhengHei" panose="020B0604030504040204" pitchFamily="34" charset="-120"/>
             </a:endParaRPr>
           </a:p>
-          <a:p>
-            <a:pPr algn="ctr">
-              <a:buNone/>
-            </a:pPr>
-            <a:r>
-              <a:rPr lang="zh-TW" altLang="en-US" sz="5400" b="1" dirty="0">
+        </p:txBody>
+      </p:sp>
+      <p:sp>
+        <p:nvSpPr>
+          <p:cNvPr id="3" name="TextBox 2"/>
+          <p:cNvSpPr txBox="1"/>
+          <p:nvPr/>
+        </p:nvSpPr>
+        <p:spPr>
+          <a:xfrm>
+            <a:off x="911424" y="2194526"/>
+            <a:ext cx="1248139" cy="1200329"/>
+          </a:xfrm>
+          <a:prstGeom prst="rect">
+            <a:avLst/>
+          </a:prstGeom>
+          <a:noFill/>
+        </p:spPr>
+        <p:txBody>
+          <a:bodyPr wrap="square" rtlCol="0">
+            <a:spAutoFit/>
+          </a:bodyPr>
+          <a:lstStyle/>
+          <a:p>
+            <a:r>
+              <a:rPr lang="en-US" sz="7200" b="1" dirty="0">
                 <a:solidFill>
                   <a:srgbClr val="660033"/>
                 </a:solidFill>
-                <a:latin typeface="微軟正黑體" pitchFamily="34" charset="-120"/>
-                <a:ea typeface="微軟正黑體" pitchFamily="34" charset="-120"/>
               </a:rPr>
-              <a:t>當勤勞  當勤勞</a:t>
-            </a:r>
-            <a:endParaRPr lang="en-US" altLang="zh-TW" sz="5400" b="1" dirty="0">
+              <a:t>1.</a:t>
+            </a:r>
+            <a:endParaRPr lang="vi-VN" sz="7200" b="1" dirty="0">
               <a:solidFill>
                 <a:srgbClr val="660033"/>
               </a:solidFill>
-              <a:latin typeface="微軟正黑體" pitchFamily="34" charset="-120"/>
-              <a:ea typeface="微軟正黑體" pitchFamily="34" charset="-120"/>
             </a:endParaRPr>
           </a:p>
-          <a:p>
-            <a:pPr algn="ctr">
-              <a:buNone/>
-            </a:pPr>
-            <a:r>
-              <a:rPr lang="zh-TW" altLang="en-US" sz="5400" b="1" dirty="0">
-                <a:solidFill>
-                  <a:srgbClr val="660033"/>
-                </a:solidFill>
-                <a:latin typeface="微軟正黑體" pitchFamily="34" charset="-120"/>
-                <a:ea typeface="微軟正黑體" pitchFamily="34" charset="-120"/>
-              </a:rPr>
-              <a:t>恆忍望  儆醒待</a:t>
-            </a:r>
-            <a:endParaRPr lang="en-US" altLang="zh-TW" sz="5400" b="1" dirty="0">
-              <a:solidFill>
-                <a:srgbClr val="660033"/>
-              </a:solidFill>
-              <a:latin typeface="微軟正黑體" pitchFamily="34" charset="-120"/>
-              <a:ea typeface="微軟正黑體" pitchFamily="34" charset="-120"/>
-            </a:endParaRPr>
-          </a:p>
-          <a:p>
-            <a:pPr algn="ctr">
-              <a:buNone/>
-            </a:pPr>
-            <a:r>
-              <a:rPr lang="zh-TW" altLang="en-US" sz="5400" b="1" dirty="0">
-                <a:solidFill>
-                  <a:srgbClr val="660033"/>
-                </a:solidFill>
-                <a:latin typeface="微軟正黑體" pitchFamily="34" charset="-120"/>
-                <a:ea typeface="微軟正黑體" pitchFamily="34" charset="-120"/>
-              </a:rPr>
-              <a:t>忠心勤工直到主來</a:t>
-            </a:r>
-            <a:endParaRPr lang="en-US" altLang="zh-TW" sz="5400" b="1" dirty="0">
-              <a:solidFill>
-                <a:srgbClr val="660033"/>
-              </a:solidFill>
-              <a:latin typeface="微軟正黑體" pitchFamily="34" charset="-120"/>
-              <a:ea typeface="微軟正黑體" pitchFamily="34" charset="-120"/>
-            </a:endParaRPr>
-          </a:p>
         </p:txBody>
       </p:sp>
     </p:spTree>
+    <p:extLst>
+      <p:ext uri="{BB962C8B-B14F-4D97-AF65-F5344CB8AC3E}">
+        <p14:creationId xmlns:p14="http://schemas.microsoft.com/office/powerpoint/2010/main" val="731109896"/>
+      </p:ext>
+    </p:extLst>
   </p:cSld>
   <p:clrMapOvr>
     <a:masterClrMapping/>
   </p:clrMapOvr>
+  <p:timing>
+    <p:tnLst>
+      <p:par>
+        <p:cTn id="1" dur="indefinite" restart="never" nodeType="tmRoot"/>
+      </p:par>
+    </p:tnLst>
+  </p:timing>
 </p:sld>
 </file>
 
@@ -3627,30 +4667,40 @@
       </p:grpSpPr>
       <p:sp>
         <p:nvSpPr>
-          <p:cNvPr id="4" name="標題 3"/>
-          <p:cNvSpPr>
-            <a:spLocks noGrp="1"/>
-          </p:cNvSpPr>
-          <p:nvPr>
-            <p:ph type="title"/>
-          </p:nvPr>
-        </p:nvSpPr>
-        <p:spPr/>
-        <p:txBody>
-          <a:bodyPr/>
-          <a:lstStyle/>
-          <a:p>
-            <a:r>
-              <a:rPr lang="zh-TW" altLang="en-US" b="1" dirty="0" smtClean="0">
+          <p:cNvPr id="5" name="內容版面配置區 4"/>
+          <p:cNvSpPr>
+            <a:spLocks noGrp="1"/>
+          </p:cNvSpPr>
+          <p:nvPr>
+            <p:ph idx="1"/>
+          </p:nvPr>
+        </p:nvSpPr>
+        <p:spPr>
+          <a:xfrm>
+            <a:off x="0" y="2084851"/>
+            <a:ext cx="12192000" cy="2404863"/>
+          </a:xfrm>
+        </p:spPr>
+        <p:txBody>
+          <a:bodyPr anchor="ctr">
+            <a:normAutofit/>
+          </a:bodyPr>
+          <a:lstStyle/>
+          <a:p>
+            <a:pPr algn="ctr">
+              <a:buNone/>
+            </a:pPr>
+            <a:r>
+              <a:rPr lang="zh-TW" altLang="en-US" sz="6400" b="1" dirty="0">
                 <a:solidFill>
                   <a:srgbClr val="660033"/>
                 </a:solidFill>
                 <a:latin typeface="微軟正黑體" pitchFamily="34" charset="-120"/>
                 <a:ea typeface="微軟正黑體" pitchFamily="34" charset="-120"/>
               </a:rPr>
-              <a:t>來作工</a:t>
-            </a:r>
-            <a:endParaRPr lang="zh-TW" altLang="en-US" b="1" dirty="0">
+              <a:t>總要大家發憤</a:t>
+            </a:r>
+            <a:endParaRPr lang="en-US" altLang="zh-TW" sz="6400" b="1" dirty="0">
               <a:solidFill>
                 <a:srgbClr val="660033"/>
               </a:solidFill>
@@ -3658,79 +4708,21 @@
               <a:ea typeface="微軟正黑體" pitchFamily="34" charset="-120"/>
             </a:endParaRPr>
           </a:p>
-        </p:txBody>
-      </p:sp>
-      <p:sp>
-        <p:nvSpPr>
-          <p:cNvPr id="5" name="內容版面配置區 4"/>
-          <p:cNvSpPr>
-            <a:spLocks noGrp="1"/>
-          </p:cNvSpPr>
-          <p:nvPr>
-            <p:ph idx="1"/>
-          </p:nvPr>
-        </p:nvSpPr>
-        <p:spPr/>
-        <p:txBody>
-          <a:bodyPr>
-            <a:normAutofit/>
-          </a:bodyPr>
-          <a:lstStyle/>
           <a:p>
             <a:pPr algn="ctr">
               <a:buNone/>
             </a:pPr>
             <a:r>
-              <a:rPr lang="zh-TW" altLang="en-US" sz="5400" b="1" dirty="0">
+              <a:rPr lang="zh-TW" altLang="en-US" sz="6400" b="1" dirty="0">
                 <a:solidFill>
                   <a:srgbClr val="660033"/>
                 </a:solidFill>
                 <a:latin typeface="微軟正黑體" pitchFamily="34" charset="-120"/>
                 <a:ea typeface="微軟正黑體" pitchFamily="34" charset="-120"/>
               </a:rPr>
-              <a:t>來作工  來作</a:t>
-            </a:r>
-            <a:r>
-              <a:rPr lang="zh-TW" altLang="en-US" sz="5400" b="1" dirty="0" smtClean="0">
-                <a:solidFill>
-                  <a:srgbClr val="660033"/>
-                </a:solidFill>
-                <a:latin typeface="微軟正黑體" pitchFamily="34" charset="-120"/>
-                <a:ea typeface="微軟正黑體" pitchFamily="34" charset="-120"/>
-              </a:rPr>
-              <a:t>工</a:t>
-            </a:r>
-            <a:r>
-              <a:rPr lang="en-US" altLang="zh-TW" sz="5400" b="1" dirty="0" smtClean="0">
-                <a:solidFill>
-                  <a:srgbClr val="660033"/>
-                </a:solidFill>
-                <a:latin typeface="微軟正黑體" pitchFamily="34" charset="-120"/>
-                <a:ea typeface="微軟正黑體" pitchFamily="34" charset="-120"/>
-              </a:rPr>
-              <a:t>  </a:t>
-            </a:r>
-            <a:r>
-              <a:rPr lang="zh-TW" altLang="en-US" sz="5400" b="1" dirty="0" smtClean="0">
-                <a:solidFill>
-                  <a:srgbClr val="660033"/>
-                </a:solidFill>
-                <a:latin typeface="微軟正黑體" pitchFamily="34" charset="-120"/>
-                <a:ea typeface="微軟正黑體" pitchFamily="34" charset="-120"/>
-              </a:rPr>
-              <a:t>望</a:t>
-            </a:r>
-            <a:r>
-              <a:rPr lang="zh-TW" altLang="en-US" sz="5400" b="1" dirty="0">
-                <a:solidFill>
-                  <a:srgbClr val="660033"/>
-                </a:solidFill>
-                <a:latin typeface="微軟正黑體" pitchFamily="34" charset="-120"/>
-                <a:ea typeface="微軟正黑體" pitchFamily="34" charset="-120"/>
-              </a:rPr>
-              <a:t>主國度大興</a:t>
-            </a:r>
-            <a:endParaRPr lang="en-US" altLang="zh-TW" sz="5400" b="1" dirty="0">
+              <a:t>同來從主腳步</a:t>
+            </a:r>
+            <a:endParaRPr lang="en-US" altLang="zh-TW" sz="6400" b="1" dirty="0">
               <a:solidFill>
                 <a:srgbClr val="660033"/>
               </a:solidFill>
@@ -3738,226 +4730,18 @@
               <a:ea typeface="微軟正黑體" pitchFamily="34" charset="-120"/>
             </a:endParaRPr>
           </a:p>
-          <a:p>
-            <a:pPr algn="ctr">
-              <a:buNone/>
-            </a:pPr>
-            <a:r>
-              <a:rPr lang="zh-TW" altLang="en-US" sz="5400" b="1" dirty="0">
-                <a:solidFill>
-                  <a:srgbClr val="660033"/>
-                </a:solidFill>
-                <a:latin typeface="微軟正黑體" pitchFamily="34" charset="-120"/>
-                <a:ea typeface="微軟正黑體" pitchFamily="34" charset="-120"/>
-              </a:rPr>
-              <a:t>撒但權柄衰</a:t>
-            </a:r>
-            <a:r>
-              <a:rPr lang="zh-TW" altLang="en-US" sz="5400" b="1" dirty="0" smtClean="0">
-                <a:solidFill>
-                  <a:srgbClr val="660033"/>
-                </a:solidFill>
-                <a:latin typeface="微軟正黑體" pitchFamily="34" charset="-120"/>
-                <a:ea typeface="微軟正黑體" pitchFamily="34" charset="-120"/>
-              </a:rPr>
-              <a:t>敗</a:t>
-            </a:r>
-            <a:r>
-              <a:rPr lang="en-US" altLang="zh-TW" sz="5400" b="1" dirty="0" smtClean="0">
-                <a:solidFill>
-                  <a:srgbClr val="660033"/>
-                </a:solidFill>
-                <a:latin typeface="微軟正黑體" pitchFamily="34" charset="-120"/>
-                <a:ea typeface="微軟正黑體" pitchFamily="34" charset="-120"/>
-              </a:rPr>
-              <a:t>  </a:t>
-            </a:r>
-            <a:r>
-              <a:rPr lang="zh-TW" altLang="en-US" sz="5400" b="1" dirty="0" smtClean="0">
-                <a:solidFill>
-                  <a:srgbClr val="660033"/>
-                </a:solidFill>
-                <a:latin typeface="微軟正黑體" pitchFamily="34" charset="-120"/>
-                <a:ea typeface="微軟正黑體" pitchFamily="34" charset="-120"/>
-              </a:rPr>
-              <a:t>去</a:t>
-            </a:r>
-            <a:r>
-              <a:rPr lang="zh-TW" altLang="en-US" sz="5400" b="1" dirty="0">
-                <a:solidFill>
-                  <a:srgbClr val="660033"/>
-                </a:solidFill>
-                <a:latin typeface="微軟正黑體" pitchFamily="34" charset="-120"/>
-                <a:ea typeface="微軟正黑體" pitchFamily="34" charset="-120"/>
-              </a:rPr>
-              <a:t>我膽戰心</a:t>
-            </a:r>
-            <a:r>
-              <a:rPr lang="zh-TW" altLang="en-US" sz="5400" b="1" dirty="0" smtClean="0">
-                <a:solidFill>
-                  <a:srgbClr val="660033"/>
-                </a:solidFill>
-                <a:latin typeface="微軟正黑體" pitchFamily="34" charset="-120"/>
-                <a:ea typeface="微軟正黑體" pitchFamily="34" charset="-120"/>
-              </a:rPr>
-              <a:t>驚</a:t>
-            </a:r>
-            <a:endParaRPr lang="en-US" altLang="zh-TW" sz="5400" b="1" dirty="0" smtClean="0">
-              <a:solidFill>
-                <a:srgbClr val="660033"/>
-              </a:solidFill>
-              <a:latin typeface="微軟正黑體" pitchFamily="34" charset="-120"/>
-              <a:ea typeface="微軟正黑體" pitchFamily="34" charset="-120"/>
-            </a:endParaRPr>
-          </a:p>
-          <a:p>
-            <a:pPr algn="ctr">
-              <a:buNone/>
-            </a:pPr>
-            <a:r>
-              <a:rPr lang="zh-TW" altLang="en-US" sz="5400" b="1" dirty="0">
-                <a:solidFill>
-                  <a:srgbClr val="660033"/>
-                </a:solidFill>
-                <a:latin typeface="微軟正黑體" pitchFamily="34" charset="-120"/>
-                <a:ea typeface="微軟正黑體" pitchFamily="34" charset="-120"/>
-              </a:rPr>
-              <a:t>並使天下萬</a:t>
-            </a:r>
-            <a:r>
-              <a:rPr lang="zh-TW" altLang="en-US" sz="5400" b="1" dirty="0" smtClean="0">
-                <a:solidFill>
-                  <a:srgbClr val="660033"/>
-                </a:solidFill>
-                <a:latin typeface="微軟正黑體" pitchFamily="34" charset="-120"/>
-                <a:ea typeface="微軟正黑體" pitchFamily="34" charset="-120"/>
-              </a:rPr>
-              <a:t>國</a:t>
-            </a:r>
-            <a:r>
-              <a:rPr lang="en-US" altLang="zh-TW" sz="5400" b="1" dirty="0" smtClean="0">
-                <a:solidFill>
-                  <a:srgbClr val="660033"/>
-                </a:solidFill>
-                <a:latin typeface="微軟正黑體" pitchFamily="34" charset="-120"/>
-                <a:ea typeface="微軟正黑體" pitchFamily="34" charset="-120"/>
-              </a:rPr>
-              <a:t>  </a:t>
-            </a:r>
-            <a:r>
-              <a:rPr lang="zh-TW" altLang="en-US" sz="5400" b="1" dirty="0" smtClean="0">
-                <a:solidFill>
-                  <a:srgbClr val="660033"/>
-                </a:solidFill>
-                <a:latin typeface="微軟正黑體" pitchFamily="34" charset="-120"/>
-                <a:ea typeface="微軟正黑體" pitchFamily="34" charset="-120"/>
-              </a:rPr>
-              <a:t>皆</a:t>
-            </a:r>
-            <a:r>
-              <a:rPr lang="zh-TW" altLang="en-US" sz="5400" b="1" dirty="0">
-                <a:solidFill>
-                  <a:srgbClr val="660033"/>
-                </a:solidFill>
-                <a:latin typeface="微軟正黑體" pitchFamily="34" charset="-120"/>
-                <a:ea typeface="微軟正黑體" pitchFamily="34" charset="-120"/>
-              </a:rPr>
-              <a:t>尊基督榮名</a:t>
-            </a:r>
-            <a:endParaRPr lang="en-US" altLang="zh-TW" sz="5400" b="1" dirty="0">
-              <a:solidFill>
-                <a:srgbClr val="660033"/>
-              </a:solidFill>
-              <a:latin typeface="微軟正黑體" pitchFamily="34" charset="-120"/>
-              <a:ea typeface="微軟正黑體" pitchFamily="34" charset="-120"/>
-            </a:endParaRPr>
-          </a:p>
-          <a:p>
-            <a:pPr algn="ctr">
-              <a:buNone/>
-            </a:pPr>
-            <a:r>
-              <a:rPr lang="zh-TW" altLang="en-US" sz="5400" b="1" dirty="0">
-                <a:solidFill>
-                  <a:srgbClr val="660033"/>
-                </a:solidFill>
-                <a:latin typeface="微軟正黑體" pitchFamily="34" charset="-120"/>
-                <a:ea typeface="微軟正黑體" pitchFamily="34" charset="-120"/>
-              </a:rPr>
-              <a:t>都來同聲讚</a:t>
-            </a:r>
-            <a:r>
-              <a:rPr lang="zh-TW" altLang="en-US" sz="5400" b="1" dirty="0" smtClean="0">
-                <a:solidFill>
-                  <a:srgbClr val="660033"/>
-                </a:solidFill>
-                <a:latin typeface="微軟正黑體" pitchFamily="34" charset="-120"/>
-                <a:ea typeface="微軟正黑體" pitchFamily="34" charset="-120"/>
-              </a:rPr>
-              <a:t>美</a:t>
-            </a:r>
-            <a:r>
-              <a:rPr lang="en-US" altLang="zh-TW" sz="5400" b="1" dirty="0" smtClean="0">
-                <a:solidFill>
-                  <a:srgbClr val="660033"/>
-                </a:solidFill>
-                <a:latin typeface="微軟正黑體" pitchFamily="34" charset="-120"/>
-                <a:ea typeface="微軟正黑體" pitchFamily="34" charset="-120"/>
-              </a:rPr>
-              <a:t>  </a:t>
-            </a:r>
-            <a:r>
-              <a:rPr lang="zh-TW" altLang="en-US" sz="5400" b="1" dirty="0" smtClean="0">
-                <a:solidFill>
-                  <a:srgbClr val="660033"/>
-                </a:solidFill>
-                <a:latin typeface="微軟正黑體" pitchFamily="34" charset="-120"/>
-                <a:ea typeface="微軟正黑體" pitchFamily="34" charset="-120"/>
-              </a:rPr>
-              <a:t>感</a:t>
-            </a:r>
-            <a:r>
-              <a:rPr lang="zh-TW" altLang="en-US" sz="5400" b="1" dirty="0">
-                <a:solidFill>
-                  <a:srgbClr val="660033"/>
-                </a:solidFill>
-                <a:latin typeface="微軟正黑體" pitchFamily="34" charset="-120"/>
-                <a:ea typeface="微軟正黑體" pitchFamily="34" charset="-120"/>
-              </a:rPr>
-              <a:t>謝救人鴻恩</a:t>
-            </a:r>
-            <a:endParaRPr lang="en-US" altLang="zh-TW" sz="5400" b="1" dirty="0">
-              <a:solidFill>
-                <a:srgbClr val="660033"/>
-              </a:solidFill>
-              <a:latin typeface="微軟正黑體" pitchFamily="34" charset="-120"/>
-              <a:ea typeface="微軟正黑體" pitchFamily="34" charset="-120"/>
-            </a:endParaRPr>
-          </a:p>
-          <a:p>
-            <a:pPr algn="ctr">
-              <a:buNone/>
-            </a:pPr>
-            <a:endParaRPr lang="en-US" altLang="zh-TW" sz="5400" b="1" dirty="0">
-              <a:solidFill>
-                <a:srgbClr val="660033"/>
-              </a:solidFill>
-              <a:latin typeface="微軟正黑體" pitchFamily="34" charset="-120"/>
-              <a:ea typeface="微軟正黑體" pitchFamily="34" charset="-120"/>
-            </a:endParaRPr>
-          </a:p>
-        </p:txBody>
-      </p:sp>
-      <p:sp>
-        <p:nvSpPr>
-          <p:cNvPr id="6" name="TextBox 5"/>
+        </p:txBody>
+      </p:sp>
+      <p:sp>
+        <p:nvSpPr>
+          <p:cNvPr id="3" name="TextBox 2"/>
           <p:cNvSpPr txBox="1"/>
           <p:nvPr/>
         </p:nvSpPr>
         <p:spPr>
           <a:xfrm>
-            <a:off x="407368" y="1700808"/>
-            <a:ext cx="720080" cy="830997"/>
+            <a:off x="911424" y="2194526"/>
+            <a:ext cx="1248139" cy="1200329"/>
           </a:xfrm>
           <a:prstGeom prst="rect">
             <a:avLst/>
@@ -3971,22 +4755,14 @@
           <a:lstStyle/>
           <a:p>
             <a:r>
-              <a:rPr lang="en-US" sz="4800" b="1" dirty="0">
+              <a:rPr lang="en-US" sz="7200" b="1" dirty="0">
                 <a:solidFill>
                   <a:srgbClr val="660033"/>
                 </a:solidFill>
               </a:rPr>
-              <a:t>2</a:t>
-            </a:r>
-            <a:r>
-              <a:rPr lang="en-US" sz="4800" b="1" dirty="0" smtClean="0">
-                <a:solidFill>
-                  <a:srgbClr val="660033"/>
-                </a:solidFill>
-              </a:rPr>
-              <a:t>.</a:t>
-            </a:r>
-            <a:endParaRPr lang="vi-VN" sz="4800" b="1" dirty="0">
+              <a:t>1.</a:t>
+            </a:r>
+            <a:endParaRPr lang="vi-VN" sz="7200" b="1" dirty="0">
               <a:solidFill>
                 <a:srgbClr val="660033"/>
               </a:solidFill>
@@ -3995,10 +4771,22 @@
         </p:txBody>
       </p:sp>
     </p:spTree>
+    <p:extLst>
+      <p:ext uri="{BB962C8B-B14F-4D97-AF65-F5344CB8AC3E}">
+        <p14:creationId xmlns:p14="http://schemas.microsoft.com/office/powerpoint/2010/main" val="2289032792"/>
+      </p:ext>
+    </p:extLst>
   </p:cSld>
   <p:clrMapOvr>
     <a:masterClrMapping/>
   </p:clrMapOvr>
+  <p:timing>
+    <p:tnLst>
+      <p:par>
+        <p:cTn id="1" dur="indefinite" restart="never" nodeType="tmRoot"/>
+      </p:par>
+    </p:tnLst>
+  </p:timing>
 </p:sld>
 </file>
 
@@ -4021,30 +4809,40 @@
       </p:grpSpPr>
       <p:sp>
         <p:nvSpPr>
-          <p:cNvPr id="4" name="標題 3"/>
-          <p:cNvSpPr>
-            <a:spLocks noGrp="1"/>
-          </p:cNvSpPr>
-          <p:nvPr>
-            <p:ph type="title"/>
-          </p:nvPr>
-        </p:nvSpPr>
-        <p:spPr/>
-        <p:txBody>
-          <a:bodyPr/>
-          <a:lstStyle/>
-          <a:p>
-            <a:r>
-              <a:rPr lang="zh-TW" altLang="en-US" b="1" dirty="0" smtClean="0">
+          <p:cNvPr id="5" name="內容版面配置區 4"/>
+          <p:cNvSpPr>
+            <a:spLocks noGrp="1"/>
+          </p:cNvSpPr>
+          <p:nvPr>
+            <p:ph idx="1"/>
+          </p:nvPr>
+        </p:nvSpPr>
+        <p:spPr>
+          <a:xfrm>
+            <a:off x="0" y="2084851"/>
+            <a:ext cx="12192000" cy="2404863"/>
+          </a:xfrm>
+        </p:spPr>
+        <p:txBody>
+          <a:bodyPr anchor="ctr">
+            <a:normAutofit/>
+          </a:bodyPr>
+          <a:lstStyle/>
+          <a:p>
+            <a:pPr algn="ctr">
+              <a:buNone/>
+            </a:pPr>
+            <a:r>
+              <a:rPr lang="zh-TW" altLang="en-US" sz="6400" b="1" dirty="0">
                 <a:solidFill>
                   <a:srgbClr val="660033"/>
                 </a:solidFill>
                 <a:latin typeface="微軟正黑體" pitchFamily="34" charset="-120"/>
                 <a:ea typeface="微軟正黑體" pitchFamily="34" charset="-120"/>
               </a:rPr>
-              <a:t>來作工</a:t>
-            </a:r>
-            <a:endParaRPr lang="zh-TW" altLang="en-US" b="1" dirty="0">
+              <a:t>既有救主指點</a:t>
+            </a:r>
+            <a:endParaRPr lang="en-US" altLang="zh-TW" sz="6400" b="1" dirty="0">
               <a:solidFill>
                 <a:srgbClr val="660033"/>
               </a:solidFill>
@@ -4052,39 +4850,21 @@
               <a:ea typeface="微軟正黑體" pitchFamily="34" charset="-120"/>
             </a:endParaRPr>
           </a:p>
-        </p:txBody>
-      </p:sp>
-      <p:sp>
-        <p:nvSpPr>
-          <p:cNvPr id="5" name="內容版面配置區 4"/>
-          <p:cNvSpPr>
-            <a:spLocks noGrp="1"/>
-          </p:cNvSpPr>
-          <p:nvPr>
-            <p:ph idx="1"/>
-          </p:nvPr>
-        </p:nvSpPr>
-        <p:spPr/>
-        <p:txBody>
-          <a:bodyPr>
-            <a:normAutofit/>
-          </a:bodyPr>
-          <a:lstStyle/>
           <a:p>
             <a:pPr algn="ctr">
               <a:buNone/>
             </a:pPr>
             <a:r>
-              <a:rPr lang="zh-TW" altLang="en-US" sz="5400" b="1" dirty="0">
+              <a:rPr lang="zh-TW" altLang="en-US" sz="6400" b="1" dirty="0">
                 <a:solidFill>
                   <a:srgbClr val="660033"/>
                 </a:solidFill>
                 <a:latin typeface="微軟正黑體" pitchFamily="34" charset="-120"/>
                 <a:ea typeface="微軟正黑體" pitchFamily="34" charset="-120"/>
               </a:rPr>
-              <a:t>當勤勞  當勤勞</a:t>
-            </a:r>
-            <a:endParaRPr lang="en-US" altLang="zh-TW" sz="5400" b="1" dirty="0">
+              <a:t>莫說力量不足</a:t>
+            </a:r>
+            <a:endParaRPr lang="en-US" altLang="zh-TW" sz="6400" b="1" dirty="0">
               <a:solidFill>
                 <a:srgbClr val="660033"/>
               </a:solidFill>
@@ -4092,79 +4872,63 @@
               <a:ea typeface="微軟正黑體" pitchFamily="34" charset="-120"/>
             </a:endParaRPr>
           </a:p>
-          <a:p>
-            <a:pPr algn="ctr">
-              <a:buNone/>
-            </a:pPr>
-            <a:r>
-              <a:rPr lang="zh-TW" altLang="en-US" sz="5400" b="1" dirty="0">
+        </p:txBody>
+      </p:sp>
+      <p:sp>
+        <p:nvSpPr>
+          <p:cNvPr id="3" name="TextBox 2"/>
+          <p:cNvSpPr txBox="1"/>
+          <p:nvPr/>
+        </p:nvSpPr>
+        <p:spPr>
+          <a:xfrm>
+            <a:off x="911424" y="2194526"/>
+            <a:ext cx="1248139" cy="1200329"/>
+          </a:xfrm>
+          <a:prstGeom prst="rect">
+            <a:avLst/>
+          </a:prstGeom>
+          <a:noFill/>
+        </p:spPr>
+        <p:txBody>
+          <a:bodyPr wrap="square" rtlCol="0">
+            <a:spAutoFit/>
+          </a:bodyPr>
+          <a:lstStyle/>
+          <a:p>
+            <a:r>
+              <a:rPr lang="en-US" sz="7200" b="1" dirty="0">
                 <a:solidFill>
                   <a:srgbClr val="660033"/>
                 </a:solidFill>
-                <a:latin typeface="微軟正黑體" pitchFamily="34" charset="-120"/>
-                <a:ea typeface="微軟正黑體" pitchFamily="34" charset="-120"/>
               </a:rPr>
-              <a:t>當勤勞  當勤勞</a:t>
-            </a:r>
-            <a:endParaRPr lang="en-US" altLang="zh-TW" sz="5400" b="1" dirty="0">
+              <a:t>1.</a:t>
+            </a:r>
+            <a:endParaRPr lang="vi-VN" sz="7200" b="1" dirty="0">
               <a:solidFill>
                 <a:srgbClr val="660033"/>
               </a:solidFill>
-              <a:latin typeface="微軟正黑體" pitchFamily="34" charset="-120"/>
-              <a:ea typeface="微軟正黑體" pitchFamily="34" charset="-120"/>
             </a:endParaRPr>
           </a:p>
-          <a:p>
-            <a:pPr algn="ctr">
-              <a:buNone/>
-            </a:pPr>
-            <a:r>
-              <a:rPr lang="zh-TW" altLang="en-US" sz="5400" b="1" dirty="0">
-                <a:solidFill>
-                  <a:srgbClr val="660033"/>
-                </a:solidFill>
-                <a:latin typeface="微軟正黑體" pitchFamily="34" charset="-120"/>
-                <a:ea typeface="微軟正黑體" pitchFamily="34" charset="-120"/>
-              </a:rPr>
-              <a:t>恆忍望  儆醒待</a:t>
-            </a:r>
-            <a:endParaRPr lang="en-US" altLang="zh-TW" sz="5400" b="1" dirty="0">
-              <a:solidFill>
-                <a:srgbClr val="660033"/>
-              </a:solidFill>
-              <a:latin typeface="微軟正黑體" pitchFamily="34" charset="-120"/>
-              <a:ea typeface="微軟正黑體" pitchFamily="34" charset="-120"/>
-            </a:endParaRPr>
-          </a:p>
-          <a:p>
-            <a:pPr algn="ctr">
-              <a:buNone/>
-            </a:pPr>
-            <a:r>
-              <a:rPr lang="zh-TW" altLang="en-US" sz="5400" b="1" dirty="0">
-                <a:solidFill>
-                  <a:srgbClr val="660033"/>
-                </a:solidFill>
-                <a:latin typeface="微軟正黑體" pitchFamily="34" charset="-120"/>
-                <a:ea typeface="微軟正黑體" pitchFamily="34" charset="-120"/>
-              </a:rPr>
-              <a:t>忠心勤工直到主來</a:t>
-            </a:r>
-            <a:endParaRPr lang="en-US" altLang="zh-TW" sz="5400" b="1" dirty="0">
-              <a:solidFill>
-                <a:srgbClr val="660033"/>
-              </a:solidFill>
-              <a:latin typeface="微軟正黑體" pitchFamily="34" charset="-120"/>
-              <a:ea typeface="微軟正黑體" pitchFamily="34" charset="-120"/>
-            </a:endParaRPr>
-          </a:p>
         </p:txBody>
       </p:sp>
     </p:spTree>
+    <p:extLst>
+      <p:ext uri="{BB962C8B-B14F-4D97-AF65-F5344CB8AC3E}">
+        <p14:creationId xmlns:p14="http://schemas.microsoft.com/office/powerpoint/2010/main" val="2692396887"/>
+      </p:ext>
+    </p:extLst>
   </p:cSld>
   <p:clrMapOvr>
     <a:masterClrMapping/>
   </p:clrMapOvr>
+  <p:timing>
+    <p:tnLst>
+      <p:par>
+        <p:cTn id="1" dur="indefinite" restart="never" nodeType="tmRoot"/>
+      </p:par>
+    </p:tnLst>
+  </p:timing>
 </p:sld>
 </file>
 
@@ -4187,30 +4951,40 @@
       </p:grpSpPr>
       <p:sp>
         <p:nvSpPr>
-          <p:cNvPr id="4" name="標題 3"/>
-          <p:cNvSpPr>
-            <a:spLocks noGrp="1"/>
-          </p:cNvSpPr>
-          <p:nvPr>
-            <p:ph type="title"/>
-          </p:nvPr>
-        </p:nvSpPr>
-        <p:spPr/>
-        <p:txBody>
-          <a:bodyPr/>
-          <a:lstStyle/>
-          <a:p>
-            <a:r>
-              <a:rPr lang="zh-TW" altLang="en-US" b="1" dirty="0" smtClean="0">
+          <p:cNvPr id="5" name="內容版面配置區 4"/>
+          <p:cNvSpPr>
+            <a:spLocks noGrp="1"/>
+          </p:cNvSpPr>
+          <p:nvPr>
+            <p:ph idx="1"/>
+          </p:nvPr>
+        </p:nvSpPr>
+        <p:spPr>
+          <a:xfrm>
+            <a:off x="0" y="2084851"/>
+            <a:ext cx="12192000" cy="2404863"/>
+          </a:xfrm>
+        </p:spPr>
+        <p:txBody>
+          <a:bodyPr anchor="ctr">
+            <a:normAutofit/>
+          </a:bodyPr>
+          <a:lstStyle/>
+          <a:p>
+            <a:pPr algn="ctr">
+              <a:buNone/>
+            </a:pPr>
+            <a:r>
+              <a:rPr lang="zh-TW" altLang="en-US" sz="6400" b="1" dirty="0">
                 <a:solidFill>
                   <a:srgbClr val="660033"/>
                 </a:solidFill>
                 <a:latin typeface="微軟正黑體" pitchFamily="34" charset="-120"/>
                 <a:ea typeface="微軟正黑體" pitchFamily="34" charset="-120"/>
               </a:rPr>
-              <a:t>來作工</a:t>
-            </a:r>
-            <a:endParaRPr lang="zh-TW" altLang="en-US" b="1" dirty="0">
+              <a:t>只要慇勤撒種</a:t>
+            </a:r>
+            <a:endParaRPr lang="en-US" altLang="zh-TW" sz="6400" b="1" dirty="0">
               <a:solidFill>
                 <a:srgbClr val="660033"/>
               </a:solidFill>
@@ -4218,79 +4992,21 @@
               <a:ea typeface="微軟正黑體" pitchFamily="34" charset="-120"/>
             </a:endParaRPr>
           </a:p>
-        </p:txBody>
-      </p:sp>
-      <p:sp>
-        <p:nvSpPr>
-          <p:cNvPr id="5" name="內容版面配置區 4"/>
-          <p:cNvSpPr>
-            <a:spLocks noGrp="1"/>
-          </p:cNvSpPr>
-          <p:nvPr>
-            <p:ph idx="1"/>
-          </p:nvPr>
-        </p:nvSpPr>
-        <p:spPr/>
-        <p:txBody>
-          <a:bodyPr>
-            <a:normAutofit/>
-          </a:bodyPr>
-          <a:lstStyle/>
           <a:p>
             <a:pPr algn="ctr">
               <a:buNone/>
             </a:pPr>
             <a:r>
-              <a:rPr lang="zh-TW" altLang="en-US" sz="5400" b="1" dirty="0">
+              <a:rPr lang="zh-TW" altLang="en-US" sz="6400" b="1" dirty="0">
                 <a:solidFill>
                   <a:srgbClr val="660033"/>
                 </a:solidFill>
                 <a:latin typeface="微軟正黑體" pitchFamily="34" charset="-120"/>
                 <a:ea typeface="微軟正黑體" pitchFamily="34" charset="-120"/>
               </a:rPr>
-              <a:t>來作工  來作</a:t>
-            </a:r>
-            <a:r>
-              <a:rPr lang="zh-TW" altLang="en-US" sz="5400" b="1" dirty="0" smtClean="0">
-                <a:solidFill>
-                  <a:srgbClr val="660033"/>
-                </a:solidFill>
-                <a:latin typeface="微軟正黑體" pitchFamily="34" charset="-120"/>
-                <a:ea typeface="微軟正黑體" pitchFamily="34" charset="-120"/>
-              </a:rPr>
-              <a:t>工</a:t>
-            </a:r>
-            <a:r>
-              <a:rPr lang="en-US" altLang="zh-TW" sz="5400" b="1" dirty="0" smtClean="0">
-                <a:solidFill>
-                  <a:srgbClr val="660033"/>
-                </a:solidFill>
-                <a:latin typeface="微軟正黑體" pitchFamily="34" charset="-120"/>
-                <a:ea typeface="微軟正黑體" pitchFamily="34" charset="-120"/>
-              </a:rPr>
-              <a:t>  </a:t>
-            </a:r>
-            <a:r>
-              <a:rPr lang="zh-TW" altLang="en-US" sz="5400" b="1" dirty="0" smtClean="0">
-                <a:solidFill>
-                  <a:srgbClr val="660033"/>
-                </a:solidFill>
-                <a:latin typeface="微軟正黑體" pitchFamily="34" charset="-120"/>
-                <a:ea typeface="微軟正黑體" pitchFamily="34" charset="-120"/>
-              </a:rPr>
-              <a:t>主</a:t>
-            </a:r>
-            <a:r>
-              <a:rPr lang="zh-TW" altLang="en-US" sz="5400" b="1" dirty="0">
-                <a:solidFill>
-                  <a:srgbClr val="660033"/>
-                </a:solidFill>
-                <a:latin typeface="微軟正黑體" pitchFamily="34" charset="-120"/>
-                <a:ea typeface="微軟正黑體" pitchFamily="34" charset="-120"/>
-              </a:rPr>
-              <a:t>必賞賜你力</a:t>
-            </a:r>
-            <a:endParaRPr lang="en-US" altLang="zh-TW" sz="5400" b="1" dirty="0">
+              <a:t>必要茂盛成熟</a:t>
+            </a:r>
+            <a:endParaRPr lang="en-US" altLang="zh-TW" sz="6400" b="1" dirty="0">
               <a:solidFill>
                 <a:srgbClr val="660033"/>
               </a:solidFill>
@@ -4298,226 +5014,18 @@
               <a:ea typeface="微軟正黑體" pitchFamily="34" charset="-120"/>
             </a:endParaRPr>
           </a:p>
-          <a:p>
-            <a:pPr algn="ctr">
-              <a:buNone/>
-            </a:pPr>
-            <a:r>
-              <a:rPr lang="zh-TW" altLang="en-US" sz="5400" b="1" dirty="0">
-                <a:solidFill>
-                  <a:srgbClr val="660033"/>
-                </a:solidFill>
-                <a:latin typeface="微軟正黑體" pitchFamily="34" charset="-120"/>
-                <a:ea typeface="微軟正黑體" pitchFamily="34" charset="-120"/>
-              </a:rPr>
-              <a:t>等到工夫完</a:t>
-            </a:r>
-            <a:r>
-              <a:rPr lang="zh-TW" altLang="en-US" sz="5400" b="1" dirty="0" smtClean="0">
-                <a:solidFill>
-                  <a:srgbClr val="660033"/>
-                </a:solidFill>
-                <a:latin typeface="微軟正黑體" pitchFamily="34" charset="-120"/>
-                <a:ea typeface="微軟正黑體" pitchFamily="34" charset="-120"/>
-              </a:rPr>
-              <a:t>畢</a:t>
-            </a:r>
-            <a:r>
-              <a:rPr lang="en-US" altLang="zh-TW" sz="5400" b="1" dirty="0" smtClean="0">
-                <a:solidFill>
-                  <a:srgbClr val="660033"/>
-                </a:solidFill>
-                <a:latin typeface="微軟正黑體" pitchFamily="34" charset="-120"/>
-                <a:ea typeface="微軟正黑體" pitchFamily="34" charset="-120"/>
-              </a:rPr>
-              <a:t>  </a:t>
-            </a:r>
-            <a:r>
-              <a:rPr lang="zh-TW" altLang="en-US" sz="5400" b="1" dirty="0" smtClean="0">
-                <a:solidFill>
-                  <a:srgbClr val="660033"/>
-                </a:solidFill>
-                <a:latin typeface="微軟正黑體" pitchFamily="34" charset="-120"/>
-                <a:ea typeface="微軟正黑體" pitchFamily="34" charset="-120"/>
-              </a:rPr>
-              <a:t>便</a:t>
-            </a:r>
-            <a:r>
-              <a:rPr lang="zh-TW" altLang="en-US" sz="5400" b="1" dirty="0">
-                <a:solidFill>
-                  <a:srgbClr val="660033"/>
-                </a:solidFill>
-                <a:latin typeface="微軟正黑體" pitchFamily="34" charset="-120"/>
-                <a:ea typeface="微軟正黑體" pitchFamily="34" charset="-120"/>
-              </a:rPr>
-              <a:t>有冠冕給</a:t>
-            </a:r>
-            <a:r>
-              <a:rPr lang="zh-TW" altLang="en-US" sz="5400" b="1" dirty="0" smtClean="0">
-                <a:solidFill>
-                  <a:srgbClr val="660033"/>
-                </a:solidFill>
-                <a:latin typeface="微軟正黑體" pitchFamily="34" charset="-120"/>
-                <a:ea typeface="微軟正黑體" pitchFamily="34" charset="-120"/>
-              </a:rPr>
-              <a:t>你</a:t>
-            </a:r>
-            <a:endParaRPr lang="en-US" altLang="zh-TW" sz="5400" b="1" dirty="0" smtClean="0">
-              <a:solidFill>
-                <a:srgbClr val="660033"/>
-              </a:solidFill>
-              <a:latin typeface="微軟正黑體" pitchFamily="34" charset="-120"/>
-              <a:ea typeface="微軟正黑體" pitchFamily="34" charset="-120"/>
-            </a:endParaRPr>
-          </a:p>
-          <a:p>
-            <a:pPr algn="ctr">
-              <a:buNone/>
-            </a:pPr>
-            <a:r>
-              <a:rPr lang="zh-TW" altLang="en-US" sz="5400" b="1" dirty="0">
-                <a:solidFill>
-                  <a:srgbClr val="660033"/>
-                </a:solidFill>
-                <a:latin typeface="微軟正黑體" pitchFamily="34" charset="-120"/>
-                <a:ea typeface="微軟正黑體" pitchFamily="34" charset="-120"/>
-              </a:rPr>
-              <a:t>若能忍耐到</a:t>
-            </a:r>
-            <a:r>
-              <a:rPr lang="zh-TW" altLang="en-US" sz="5400" b="1" dirty="0" smtClean="0">
-                <a:solidFill>
-                  <a:srgbClr val="660033"/>
-                </a:solidFill>
-                <a:latin typeface="微軟正黑體" pitchFamily="34" charset="-120"/>
-                <a:ea typeface="微軟正黑體" pitchFamily="34" charset="-120"/>
-              </a:rPr>
-              <a:t>底</a:t>
-            </a:r>
-            <a:r>
-              <a:rPr lang="en-US" altLang="zh-TW" sz="5400" b="1" dirty="0" smtClean="0">
-                <a:solidFill>
-                  <a:srgbClr val="660033"/>
-                </a:solidFill>
-                <a:latin typeface="微軟正黑體" pitchFamily="34" charset="-120"/>
-                <a:ea typeface="微軟正黑體" pitchFamily="34" charset="-120"/>
-              </a:rPr>
-              <a:t>  </a:t>
-            </a:r>
-            <a:r>
-              <a:rPr lang="zh-TW" altLang="en-US" sz="5400" b="1" dirty="0" smtClean="0">
-                <a:solidFill>
-                  <a:srgbClr val="660033"/>
-                </a:solidFill>
-                <a:latin typeface="微軟正黑體" pitchFamily="34" charset="-120"/>
-                <a:ea typeface="微軟正黑體" pitchFamily="34" charset="-120"/>
-              </a:rPr>
-              <a:t>必</a:t>
-            </a:r>
-            <a:r>
-              <a:rPr lang="zh-TW" altLang="en-US" sz="5400" b="1" dirty="0">
-                <a:solidFill>
-                  <a:srgbClr val="660033"/>
-                </a:solidFill>
-                <a:latin typeface="微軟正黑體" pitchFamily="34" charset="-120"/>
-                <a:ea typeface="微軟正黑體" pitchFamily="34" charset="-120"/>
-              </a:rPr>
-              <a:t>入天堂安息</a:t>
-            </a:r>
-            <a:endParaRPr lang="en-US" altLang="zh-TW" sz="5400" b="1" dirty="0">
-              <a:solidFill>
-                <a:srgbClr val="660033"/>
-              </a:solidFill>
-              <a:latin typeface="微軟正黑體" pitchFamily="34" charset="-120"/>
-              <a:ea typeface="微軟正黑體" pitchFamily="34" charset="-120"/>
-            </a:endParaRPr>
-          </a:p>
-          <a:p>
-            <a:pPr algn="ctr">
-              <a:buNone/>
-            </a:pPr>
-            <a:r>
-              <a:rPr lang="zh-TW" altLang="en-US" sz="5400" b="1" dirty="0">
-                <a:solidFill>
-                  <a:srgbClr val="660033"/>
-                </a:solidFill>
-                <a:latin typeface="微軟正黑體" pitchFamily="34" charset="-120"/>
-                <a:ea typeface="微軟正黑體" pitchFamily="34" charset="-120"/>
-              </a:rPr>
-              <a:t>同眾門徒歌</a:t>
-            </a:r>
-            <a:r>
-              <a:rPr lang="zh-TW" altLang="en-US" sz="5400" b="1" dirty="0" smtClean="0">
-                <a:solidFill>
-                  <a:srgbClr val="660033"/>
-                </a:solidFill>
-                <a:latin typeface="微軟正黑體" pitchFamily="34" charset="-120"/>
-                <a:ea typeface="微軟正黑體" pitchFamily="34" charset="-120"/>
-              </a:rPr>
-              <a:t>唱</a:t>
-            </a:r>
-            <a:r>
-              <a:rPr lang="en-US" altLang="zh-TW" sz="5400" b="1" dirty="0" smtClean="0">
-                <a:solidFill>
-                  <a:srgbClr val="660033"/>
-                </a:solidFill>
-                <a:latin typeface="微軟正黑體" pitchFamily="34" charset="-120"/>
-                <a:ea typeface="微軟正黑體" pitchFamily="34" charset="-120"/>
-              </a:rPr>
-              <a:t>  </a:t>
-            </a:r>
-            <a:r>
-              <a:rPr lang="zh-TW" altLang="en-US" sz="5400" b="1" dirty="0" smtClean="0">
-                <a:solidFill>
-                  <a:srgbClr val="660033"/>
-                </a:solidFill>
-                <a:latin typeface="微軟正黑體" pitchFamily="34" charset="-120"/>
-                <a:ea typeface="微軟正黑體" pitchFamily="34" charset="-120"/>
-              </a:rPr>
-              <a:t>頌</a:t>
-            </a:r>
-            <a:r>
-              <a:rPr lang="zh-TW" altLang="en-US" sz="5400" b="1" dirty="0">
-                <a:solidFill>
-                  <a:srgbClr val="660033"/>
-                </a:solidFill>
-                <a:latin typeface="微軟正黑體" pitchFamily="34" charset="-120"/>
-                <a:ea typeface="微軟正黑體" pitchFamily="34" charset="-120"/>
-              </a:rPr>
-              <a:t>主恩惠不已</a:t>
-            </a:r>
-            <a:endParaRPr lang="en-US" altLang="zh-TW" sz="5400" b="1" dirty="0">
-              <a:solidFill>
-                <a:srgbClr val="660033"/>
-              </a:solidFill>
-              <a:latin typeface="微軟正黑體" pitchFamily="34" charset="-120"/>
-              <a:ea typeface="微軟正黑體" pitchFamily="34" charset="-120"/>
-            </a:endParaRPr>
-          </a:p>
-          <a:p>
-            <a:pPr algn="ctr">
-              <a:buNone/>
-            </a:pPr>
-            <a:endParaRPr lang="en-US" altLang="zh-TW" sz="5400" b="1" dirty="0">
-              <a:solidFill>
-                <a:srgbClr val="660033"/>
-              </a:solidFill>
-              <a:latin typeface="微軟正黑體" pitchFamily="34" charset="-120"/>
-              <a:ea typeface="微軟正黑體" pitchFamily="34" charset="-120"/>
-            </a:endParaRPr>
-          </a:p>
-        </p:txBody>
-      </p:sp>
-      <p:sp>
-        <p:nvSpPr>
-          <p:cNvPr id="6" name="TextBox 5"/>
+        </p:txBody>
+      </p:sp>
+      <p:sp>
+        <p:nvSpPr>
+          <p:cNvPr id="3" name="TextBox 2"/>
           <p:cNvSpPr txBox="1"/>
           <p:nvPr/>
         </p:nvSpPr>
         <p:spPr>
           <a:xfrm>
-            <a:off x="407368" y="1700808"/>
-            <a:ext cx="720080" cy="830997"/>
+            <a:off x="911424" y="2194526"/>
+            <a:ext cx="1248139" cy="1200329"/>
           </a:xfrm>
           <a:prstGeom prst="rect">
             <a:avLst/>
@@ -4531,22 +5039,14 @@
           <a:lstStyle/>
           <a:p>
             <a:r>
-              <a:rPr lang="en-US" sz="4800" b="1" dirty="0">
+              <a:rPr lang="en-US" sz="7200" b="1" dirty="0">
                 <a:solidFill>
                   <a:srgbClr val="660033"/>
                 </a:solidFill>
               </a:rPr>
-              <a:t>3</a:t>
-            </a:r>
-            <a:r>
-              <a:rPr lang="en-US" sz="4800" b="1" dirty="0" smtClean="0">
-                <a:solidFill>
-                  <a:srgbClr val="660033"/>
-                </a:solidFill>
-              </a:rPr>
-              <a:t>.</a:t>
-            </a:r>
-            <a:endParaRPr lang="vi-VN" sz="4800" b="1" dirty="0">
+              <a:t>1.</a:t>
+            </a:r>
+            <a:endParaRPr lang="vi-VN" sz="7200" b="1" dirty="0">
               <a:solidFill>
                 <a:srgbClr val="660033"/>
               </a:solidFill>
@@ -4555,10 +5055,22 @@
         </p:txBody>
       </p:sp>
     </p:spTree>
+    <p:extLst>
+      <p:ext uri="{BB962C8B-B14F-4D97-AF65-F5344CB8AC3E}">
+        <p14:creationId xmlns:p14="http://schemas.microsoft.com/office/powerpoint/2010/main" val="3026707902"/>
+      </p:ext>
+    </p:extLst>
   </p:cSld>
   <p:clrMapOvr>
     <a:masterClrMapping/>
   </p:clrMapOvr>
+  <p:timing>
+    <p:tnLst>
+      <p:par>
+        <p:cTn id="1" dur="indefinite" restart="never" nodeType="tmRoot"/>
+      </p:par>
+    </p:tnLst>
+  </p:timing>
 </p:sld>
 </file>
 
@@ -4581,30 +5093,40 @@
       </p:grpSpPr>
       <p:sp>
         <p:nvSpPr>
-          <p:cNvPr id="4" name="標題 3"/>
-          <p:cNvSpPr>
-            <a:spLocks noGrp="1"/>
-          </p:cNvSpPr>
-          <p:nvPr>
-            <p:ph type="title"/>
-          </p:nvPr>
-        </p:nvSpPr>
-        <p:spPr/>
-        <p:txBody>
-          <a:bodyPr/>
-          <a:lstStyle/>
-          <a:p>
-            <a:r>
-              <a:rPr lang="zh-TW" altLang="en-US" b="1" dirty="0" smtClean="0">
+          <p:cNvPr id="5" name="內容版面配置區 4"/>
+          <p:cNvSpPr>
+            <a:spLocks noGrp="1"/>
+          </p:cNvSpPr>
+          <p:nvPr>
+            <p:ph idx="1"/>
+          </p:nvPr>
+        </p:nvSpPr>
+        <p:spPr>
+          <a:xfrm>
+            <a:off x="0" y="2084851"/>
+            <a:ext cx="12192000" cy="2404863"/>
+          </a:xfrm>
+        </p:spPr>
+        <p:txBody>
+          <a:bodyPr anchor="ctr">
+            <a:normAutofit/>
+          </a:bodyPr>
+          <a:lstStyle/>
+          <a:p>
+            <a:pPr algn="ctr">
+              <a:buNone/>
+            </a:pPr>
+            <a:r>
+              <a:rPr lang="zh-TW" altLang="en-US" sz="6400" b="1" dirty="0">
                 <a:solidFill>
                   <a:srgbClr val="660033"/>
                 </a:solidFill>
                 <a:latin typeface="微軟正黑體" pitchFamily="34" charset="-120"/>
                 <a:ea typeface="微軟正黑體" pitchFamily="34" charset="-120"/>
               </a:rPr>
-              <a:t>來作工</a:t>
-            </a:r>
-            <a:endParaRPr lang="zh-TW" altLang="en-US" b="1" dirty="0">
+              <a:t>當勤勞  當勤勞</a:t>
+            </a:r>
+            <a:endParaRPr lang="en-US" altLang="zh-TW" sz="6400" b="1" dirty="0">
               <a:solidFill>
                 <a:srgbClr val="660033"/>
               </a:solidFill>
@@ -4612,30 +5134,12 @@
               <a:ea typeface="微軟正黑體" pitchFamily="34" charset="-120"/>
             </a:endParaRPr>
           </a:p>
-        </p:txBody>
-      </p:sp>
-      <p:sp>
-        <p:nvSpPr>
-          <p:cNvPr id="5" name="內容版面配置區 4"/>
-          <p:cNvSpPr>
-            <a:spLocks noGrp="1"/>
-          </p:cNvSpPr>
-          <p:nvPr>
-            <p:ph idx="1"/>
-          </p:nvPr>
-        </p:nvSpPr>
-        <p:spPr/>
-        <p:txBody>
-          <a:bodyPr>
-            <a:normAutofit/>
-          </a:bodyPr>
-          <a:lstStyle/>
           <a:p>
             <a:pPr algn="ctr">
               <a:buNone/>
             </a:pPr>
             <a:r>
-              <a:rPr lang="zh-TW" altLang="en-US" sz="5400" b="1" dirty="0">
+              <a:rPr lang="zh-TW" altLang="en-US" sz="6400" b="1" dirty="0">
                 <a:solidFill>
                   <a:srgbClr val="660033"/>
                 </a:solidFill>
@@ -4644,7 +5148,7 @@
               </a:rPr>
               <a:t>當勤勞  當勤勞</a:t>
             </a:r>
-            <a:endParaRPr lang="en-US" altLang="zh-TW" sz="5400" b="1" dirty="0">
+            <a:endParaRPr lang="en-US" altLang="zh-TW" sz="6400" b="1" dirty="0">
               <a:solidFill>
                 <a:srgbClr val="660033"/>
               </a:solidFill>
@@ -4652,21 +5156,81 @@
               <a:ea typeface="微軟正黑體" pitchFamily="34" charset="-120"/>
             </a:endParaRPr>
           </a:p>
+        </p:txBody>
+      </p:sp>
+    </p:spTree>
+    <p:extLst>
+      <p:ext uri="{BB962C8B-B14F-4D97-AF65-F5344CB8AC3E}">
+        <p14:creationId xmlns:p14="http://schemas.microsoft.com/office/powerpoint/2010/main" val="3065914164"/>
+      </p:ext>
+    </p:extLst>
+  </p:cSld>
+  <p:clrMapOvr>
+    <a:masterClrMapping/>
+  </p:clrMapOvr>
+  <p:timing>
+    <p:tnLst>
+      <p:par>
+        <p:cTn id="1" dur="indefinite" restart="never" nodeType="tmRoot"/>
+      </p:par>
+    </p:tnLst>
+  </p:timing>
+</p:sld>
+</file>
+
+<file path=ppt/slides/slide7.xml><?xml version="1.0" encoding="utf-8"?>
+<p:sld xmlns:a="http://schemas.openxmlformats.org/drawingml/2006/main" xmlns:r="http://schemas.openxmlformats.org/officeDocument/2006/relationships" xmlns:p="http://schemas.openxmlformats.org/presentationml/2006/main">
+  <p:cSld>
+    <p:spTree>
+      <p:nvGrpSpPr>
+        <p:cNvPr id="1" name=""/>
+        <p:cNvGrpSpPr/>
+        <p:nvPr/>
+      </p:nvGrpSpPr>
+      <p:grpSpPr>
+        <a:xfrm>
+          <a:off x="0" y="0"/>
+          <a:ext cx="0" cy="0"/>
+          <a:chOff x="0" y="0"/>
+          <a:chExt cx="0" cy="0"/>
+        </a:xfrm>
+      </p:grpSpPr>
+      <p:sp>
+        <p:nvSpPr>
+          <p:cNvPr id="5" name="內容版面配置區 4"/>
+          <p:cNvSpPr>
+            <a:spLocks noGrp="1"/>
+          </p:cNvSpPr>
+          <p:nvPr>
+            <p:ph idx="1"/>
+          </p:nvPr>
+        </p:nvSpPr>
+        <p:spPr>
+          <a:xfrm>
+            <a:off x="0" y="2084851"/>
+            <a:ext cx="12192000" cy="2404863"/>
+          </a:xfrm>
+        </p:spPr>
+        <p:txBody>
+          <a:bodyPr anchor="ctr">
+            <a:normAutofit/>
+          </a:bodyPr>
+          <a:lstStyle/>
           <a:p>
             <a:pPr algn="ctr">
               <a:buNone/>
             </a:pPr>
             <a:r>
-              <a:rPr lang="zh-TW" altLang="en-US" sz="5400" b="1" dirty="0">
+              <a:rPr lang="zh-TW" altLang="en-US" sz="6400" b="1" dirty="0">
                 <a:solidFill>
                   <a:srgbClr val="660033"/>
                 </a:solidFill>
                 <a:latin typeface="微軟正黑體" pitchFamily="34" charset="-120"/>
                 <a:ea typeface="微軟正黑體" pitchFamily="34" charset="-120"/>
               </a:rPr>
-              <a:t>當勤勞  當勤勞</a:t>
-            </a:r>
-            <a:endParaRPr lang="en-US" altLang="zh-TW" sz="5400" b="1" dirty="0">
+              <a:t>恆忍望  儆醒待</a:t>
+            </a:r>
+            <a:endParaRPr lang="en-US" altLang="zh-TW" sz="6400" b="1" dirty="0">
               <a:solidFill>
                 <a:srgbClr val="660033"/>
               </a:solidFill>
@@ -4679,16 +5243,16 @@
               <a:buNone/>
             </a:pPr>
             <a:r>
-              <a:rPr lang="zh-TW" altLang="en-US" sz="5400" b="1" dirty="0">
+              <a:rPr lang="zh-TW" altLang="en-US" sz="6400" b="1" dirty="0">
                 <a:solidFill>
                   <a:srgbClr val="660033"/>
                 </a:solidFill>
                 <a:latin typeface="微軟正黑體" pitchFamily="34" charset="-120"/>
                 <a:ea typeface="微軟正黑體" pitchFamily="34" charset="-120"/>
               </a:rPr>
-              <a:t>恆忍望  儆醒待</a:t>
-            </a:r>
-            <a:endParaRPr lang="en-US" altLang="zh-TW" sz="5400" b="1" dirty="0">
+              <a:t>忠心勤工直到主來</a:t>
+            </a:r>
+            <a:endParaRPr lang="en-US" altLang="zh-TW" sz="6400" b="1" dirty="0">
               <a:solidFill>
                 <a:srgbClr val="660033"/>
               </a:solidFill>
@@ -4696,21 +5260,81 @@
               <a:ea typeface="微軟正黑體" pitchFamily="34" charset="-120"/>
             </a:endParaRPr>
           </a:p>
+        </p:txBody>
+      </p:sp>
+    </p:spTree>
+    <p:extLst>
+      <p:ext uri="{BB962C8B-B14F-4D97-AF65-F5344CB8AC3E}">
+        <p14:creationId xmlns:p14="http://schemas.microsoft.com/office/powerpoint/2010/main" val="4230535663"/>
+      </p:ext>
+    </p:extLst>
+  </p:cSld>
+  <p:clrMapOvr>
+    <a:masterClrMapping/>
+  </p:clrMapOvr>
+  <p:timing>
+    <p:tnLst>
+      <p:par>
+        <p:cTn id="1" dur="indefinite" restart="never" nodeType="tmRoot"/>
+      </p:par>
+    </p:tnLst>
+  </p:timing>
+</p:sld>
+</file>
+
+<file path=ppt/slides/slide8.xml><?xml version="1.0" encoding="utf-8"?>
+<p:sld xmlns:a="http://schemas.openxmlformats.org/drawingml/2006/main" xmlns:r="http://schemas.openxmlformats.org/officeDocument/2006/relationships" xmlns:p="http://schemas.openxmlformats.org/presentationml/2006/main">
+  <p:cSld>
+    <p:spTree>
+      <p:nvGrpSpPr>
+        <p:cNvPr id="1" name=""/>
+        <p:cNvGrpSpPr/>
+        <p:nvPr/>
+      </p:nvGrpSpPr>
+      <p:grpSpPr>
+        <a:xfrm>
+          <a:off x="0" y="0"/>
+          <a:ext cx="0" cy="0"/>
+          <a:chOff x="0" y="0"/>
+          <a:chExt cx="0" cy="0"/>
+        </a:xfrm>
+      </p:grpSpPr>
+      <p:sp>
+        <p:nvSpPr>
+          <p:cNvPr id="5" name="內容版面配置區 4"/>
+          <p:cNvSpPr>
+            <a:spLocks noGrp="1"/>
+          </p:cNvSpPr>
+          <p:nvPr>
+            <p:ph idx="1"/>
+          </p:nvPr>
+        </p:nvSpPr>
+        <p:spPr>
+          <a:xfrm>
+            <a:off x="0" y="2084851"/>
+            <a:ext cx="12192000" cy="2404863"/>
+          </a:xfrm>
+        </p:spPr>
+        <p:txBody>
+          <a:bodyPr anchor="ctr">
+            <a:normAutofit/>
+          </a:bodyPr>
+          <a:lstStyle/>
           <a:p>
             <a:pPr algn="ctr">
               <a:buNone/>
             </a:pPr>
             <a:r>
-              <a:rPr lang="zh-TW" altLang="en-US" sz="5400" b="1" dirty="0">
+              <a:rPr lang="zh-TW" altLang="en-US" sz="6400" b="1" dirty="0">
                 <a:solidFill>
                   <a:srgbClr val="660033"/>
                 </a:solidFill>
                 <a:latin typeface="微軟正黑體" pitchFamily="34" charset="-120"/>
                 <a:ea typeface="微軟正黑體" pitchFamily="34" charset="-120"/>
               </a:rPr>
-              <a:t>忠心勤工直到主來</a:t>
-            </a:r>
-            <a:endParaRPr lang="en-US" altLang="zh-TW" sz="5400" b="1" dirty="0">
+              <a:t>來作工  來作工</a:t>
+            </a:r>
+            <a:endParaRPr lang="en-US" altLang="zh-TW" sz="6400" b="1" dirty="0">
               <a:solidFill>
                 <a:srgbClr val="660033"/>
               </a:solidFill>
@@ -4718,13 +5342,227 @@
               <a:ea typeface="微軟正黑體" pitchFamily="34" charset="-120"/>
             </a:endParaRPr>
           </a:p>
+          <a:p>
+            <a:pPr algn="ctr">
+              <a:buNone/>
+            </a:pPr>
+            <a:r>
+              <a:rPr lang="zh-TW" altLang="en-US" sz="6400" b="1" dirty="0">
+                <a:solidFill>
+                  <a:srgbClr val="660033"/>
+                </a:solidFill>
+                <a:latin typeface="微軟正黑體" pitchFamily="34" charset="-120"/>
+                <a:ea typeface="微軟正黑體" pitchFamily="34" charset="-120"/>
+              </a:rPr>
+              <a:t>望主國度大興</a:t>
+            </a:r>
+            <a:endParaRPr lang="en-US" altLang="zh-TW" sz="6400" b="1" dirty="0">
+              <a:solidFill>
+                <a:srgbClr val="660033"/>
+              </a:solidFill>
+              <a:latin typeface="微軟正黑體" pitchFamily="34" charset="-120"/>
+              <a:ea typeface="微軟正黑體" pitchFamily="34" charset="-120"/>
+            </a:endParaRPr>
+          </a:p>
+        </p:txBody>
+      </p:sp>
+      <p:sp>
+        <p:nvSpPr>
+          <p:cNvPr id="3" name="TextBox 2"/>
+          <p:cNvSpPr txBox="1"/>
+          <p:nvPr/>
+        </p:nvSpPr>
+        <p:spPr>
+          <a:xfrm>
+            <a:off x="911424" y="2194526"/>
+            <a:ext cx="1248139" cy="1200329"/>
+          </a:xfrm>
+          <a:prstGeom prst="rect">
+            <a:avLst/>
+          </a:prstGeom>
+          <a:noFill/>
+        </p:spPr>
+        <p:txBody>
+          <a:bodyPr wrap="square" rtlCol="0">
+            <a:spAutoFit/>
+          </a:bodyPr>
+          <a:lstStyle/>
+          <a:p>
+            <a:r>
+              <a:rPr lang="en-US" sz="7200" b="1" dirty="0">
+                <a:solidFill>
+                  <a:srgbClr val="660033"/>
+                </a:solidFill>
+              </a:rPr>
+              <a:t>2.</a:t>
+            </a:r>
+            <a:endParaRPr lang="vi-VN" sz="7200" b="1" dirty="0">
+              <a:solidFill>
+                <a:srgbClr val="660033"/>
+              </a:solidFill>
+            </a:endParaRPr>
+          </a:p>
         </p:txBody>
       </p:sp>
     </p:spTree>
+    <p:extLst>
+      <p:ext uri="{BB962C8B-B14F-4D97-AF65-F5344CB8AC3E}">
+        <p14:creationId xmlns:p14="http://schemas.microsoft.com/office/powerpoint/2010/main" val="857007563"/>
+      </p:ext>
+    </p:extLst>
   </p:cSld>
   <p:clrMapOvr>
     <a:masterClrMapping/>
   </p:clrMapOvr>
+  <p:timing>
+    <p:tnLst>
+      <p:par>
+        <p:cTn id="1" dur="indefinite" restart="never" nodeType="tmRoot"/>
+      </p:par>
+    </p:tnLst>
+  </p:timing>
+</p:sld>
+</file>
+
+<file path=ppt/slides/slide9.xml><?xml version="1.0" encoding="utf-8"?>
+<p:sld xmlns:a="http://schemas.openxmlformats.org/drawingml/2006/main" xmlns:r="http://schemas.openxmlformats.org/officeDocument/2006/relationships" xmlns:p="http://schemas.openxmlformats.org/presentationml/2006/main">
+  <p:cSld>
+    <p:spTree>
+      <p:nvGrpSpPr>
+        <p:cNvPr id="1" name=""/>
+        <p:cNvGrpSpPr/>
+        <p:nvPr/>
+      </p:nvGrpSpPr>
+      <p:grpSpPr>
+        <a:xfrm>
+          <a:off x="0" y="0"/>
+          <a:ext cx="0" cy="0"/>
+          <a:chOff x="0" y="0"/>
+          <a:chExt cx="0" cy="0"/>
+        </a:xfrm>
+      </p:grpSpPr>
+      <p:sp>
+        <p:nvSpPr>
+          <p:cNvPr id="5" name="內容版面配置區 4"/>
+          <p:cNvSpPr>
+            <a:spLocks noGrp="1"/>
+          </p:cNvSpPr>
+          <p:nvPr>
+            <p:ph idx="1"/>
+          </p:nvPr>
+        </p:nvSpPr>
+        <p:spPr>
+          <a:xfrm>
+            <a:off x="0" y="2084851"/>
+            <a:ext cx="12192000" cy="2404863"/>
+          </a:xfrm>
+        </p:spPr>
+        <p:txBody>
+          <a:bodyPr anchor="ctr">
+            <a:normAutofit/>
+          </a:bodyPr>
+          <a:lstStyle/>
+          <a:p>
+            <a:pPr algn="ctr">
+              <a:buNone/>
+            </a:pPr>
+            <a:r>
+              <a:rPr lang="zh-TW" altLang="en-US" sz="6400" b="1" dirty="0">
+                <a:solidFill>
+                  <a:srgbClr val="660033"/>
+                </a:solidFill>
+                <a:latin typeface="微軟正黑體" pitchFamily="34" charset="-120"/>
+                <a:ea typeface="微軟正黑體" pitchFamily="34" charset="-120"/>
+              </a:rPr>
+              <a:t>撒但權柄衰敗</a:t>
+            </a:r>
+            <a:endParaRPr lang="en-US" altLang="zh-TW" sz="6400" b="1" dirty="0">
+              <a:solidFill>
+                <a:srgbClr val="660033"/>
+              </a:solidFill>
+              <a:latin typeface="微軟正黑體" pitchFamily="34" charset="-120"/>
+              <a:ea typeface="微軟正黑體" pitchFamily="34" charset="-120"/>
+            </a:endParaRPr>
+          </a:p>
+          <a:p>
+            <a:pPr algn="ctr">
+              <a:buNone/>
+            </a:pPr>
+            <a:r>
+              <a:rPr lang="zh-TW" altLang="en-US" sz="6400" b="1" dirty="0">
+                <a:solidFill>
+                  <a:srgbClr val="660033"/>
+                </a:solidFill>
+                <a:latin typeface="微軟正黑體" pitchFamily="34" charset="-120"/>
+                <a:ea typeface="微軟正黑體" pitchFamily="34" charset="-120"/>
+              </a:rPr>
+              <a:t>去我膽戰心驚</a:t>
+            </a:r>
+            <a:endParaRPr lang="en-US" altLang="zh-TW" sz="6400" b="1" dirty="0">
+              <a:solidFill>
+                <a:srgbClr val="660033"/>
+              </a:solidFill>
+              <a:latin typeface="微軟正黑體" pitchFamily="34" charset="-120"/>
+              <a:ea typeface="微軟正黑體" pitchFamily="34" charset="-120"/>
+            </a:endParaRPr>
+          </a:p>
+        </p:txBody>
+      </p:sp>
+      <p:sp>
+        <p:nvSpPr>
+          <p:cNvPr id="3" name="TextBox 2"/>
+          <p:cNvSpPr txBox="1"/>
+          <p:nvPr/>
+        </p:nvSpPr>
+        <p:spPr>
+          <a:xfrm>
+            <a:off x="911424" y="2194526"/>
+            <a:ext cx="1248139" cy="1200329"/>
+          </a:xfrm>
+          <a:prstGeom prst="rect">
+            <a:avLst/>
+          </a:prstGeom>
+          <a:noFill/>
+        </p:spPr>
+        <p:txBody>
+          <a:bodyPr wrap="square" rtlCol="0">
+            <a:spAutoFit/>
+          </a:bodyPr>
+          <a:lstStyle/>
+          <a:p>
+            <a:r>
+              <a:rPr lang="en-US" sz="7200" b="1" dirty="0">
+                <a:solidFill>
+                  <a:srgbClr val="660033"/>
+                </a:solidFill>
+              </a:rPr>
+              <a:t>2.</a:t>
+            </a:r>
+            <a:endParaRPr lang="vi-VN" sz="7200" b="1" dirty="0">
+              <a:solidFill>
+                <a:srgbClr val="660033"/>
+              </a:solidFill>
+            </a:endParaRPr>
+          </a:p>
+        </p:txBody>
+      </p:sp>
+    </p:spTree>
+    <p:extLst>
+      <p:ext uri="{BB962C8B-B14F-4D97-AF65-F5344CB8AC3E}">
+        <p14:creationId xmlns:p14="http://schemas.microsoft.com/office/powerpoint/2010/main" val="1483857193"/>
+      </p:ext>
+    </p:extLst>
+  </p:cSld>
+  <p:clrMapOvr>
+    <a:masterClrMapping/>
+  </p:clrMapOvr>
+  <p:timing>
+    <p:tnLst>
+      <p:par>
+        <p:cTn id="1" dur="indefinite" restart="never" nodeType="tmRoot"/>
+      </p:par>
+    </p:tnLst>
+  </p:timing>
 </p:sld>
 </file>
 

--- a/宣道詩/(宣道詩161)來作工.pptx
+++ b/宣道詩/(宣道詩161)來作工.pptx
@@ -322,7 +322,7 @@
           <a:p>
             <a:fld id="{14467127-E8DE-42E1-8DAB-0022B04B92FD}" type="datetimeFigureOut">
               <a:rPr lang="zh-TW" altLang="en-US" smtClean="0"/>
-              <a:t>2020/10/24</a:t>
+              <a:t>2021/3/27</a:t>
             </a:fld>
             <a:endParaRPr lang="zh-TW" altLang="en-US"/>
           </a:p>
@@ -487,7 +487,7 @@
           <a:p>
             <a:fld id="{14467127-E8DE-42E1-8DAB-0022B04B92FD}" type="datetimeFigureOut">
               <a:rPr lang="zh-TW" altLang="en-US" smtClean="0"/>
-              <a:t>2020/10/24</a:t>
+              <a:t>2021/3/27</a:t>
             </a:fld>
             <a:endParaRPr lang="zh-TW" altLang="en-US"/>
           </a:p>
@@ -662,7 +662,7 @@
           <a:p>
             <a:fld id="{14467127-E8DE-42E1-8DAB-0022B04B92FD}" type="datetimeFigureOut">
               <a:rPr lang="zh-TW" altLang="en-US" smtClean="0"/>
-              <a:t>2020/10/24</a:t>
+              <a:t>2021/3/27</a:t>
             </a:fld>
             <a:endParaRPr lang="zh-TW" altLang="en-US"/>
           </a:p>
@@ -827,7 +827,7 @@
           <a:p>
             <a:fld id="{14467127-E8DE-42E1-8DAB-0022B04B92FD}" type="datetimeFigureOut">
               <a:rPr lang="zh-TW" altLang="en-US" smtClean="0"/>
-              <a:t>2020/10/24</a:t>
+              <a:t>2021/3/27</a:t>
             </a:fld>
             <a:endParaRPr lang="zh-TW" altLang="en-US"/>
           </a:p>
@@ -1068,7 +1068,7 @@
           <a:p>
             <a:fld id="{14467127-E8DE-42E1-8DAB-0022B04B92FD}" type="datetimeFigureOut">
               <a:rPr lang="zh-TW" altLang="en-US" smtClean="0"/>
-              <a:t>2020/10/24</a:t>
+              <a:t>2021/3/27</a:t>
             </a:fld>
             <a:endParaRPr lang="zh-TW" altLang="en-US"/>
           </a:p>
@@ -1351,7 +1351,7 @@
           <a:p>
             <a:fld id="{14467127-E8DE-42E1-8DAB-0022B04B92FD}" type="datetimeFigureOut">
               <a:rPr lang="zh-TW" altLang="en-US" smtClean="0"/>
-              <a:t>2020/10/24</a:t>
+              <a:t>2021/3/27</a:t>
             </a:fld>
             <a:endParaRPr lang="zh-TW" altLang="en-US"/>
           </a:p>
@@ -1768,7 +1768,7 @@
           <a:p>
             <a:fld id="{14467127-E8DE-42E1-8DAB-0022B04B92FD}" type="datetimeFigureOut">
               <a:rPr lang="zh-TW" altLang="en-US" smtClean="0"/>
-              <a:t>2020/10/24</a:t>
+              <a:t>2021/3/27</a:t>
             </a:fld>
             <a:endParaRPr lang="zh-TW" altLang="en-US"/>
           </a:p>
@@ -1881,7 +1881,7 @@
           <a:p>
             <a:fld id="{14467127-E8DE-42E1-8DAB-0022B04B92FD}" type="datetimeFigureOut">
               <a:rPr lang="zh-TW" altLang="en-US" smtClean="0"/>
-              <a:t>2020/10/24</a:t>
+              <a:t>2021/3/27</a:t>
             </a:fld>
             <a:endParaRPr lang="zh-TW" altLang="en-US"/>
           </a:p>
@@ -1971,7 +1971,7 @@
           <a:p>
             <a:fld id="{14467127-E8DE-42E1-8DAB-0022B04B92FD}" type="datetimeFigureOut">
               <a:rPr lang="zh-TW" altLang="en-US" smtClean="0"/>
-              <a:t>2020/10/24</a:t>
+              <a:t>2021/3/27</a:t>
             </a:fld>
             <a:endParaRPr lang="zh-TW" altLang="en-US"/>
           </a:p>
@@ -2243,7 +2243,7 @@
           <a:p>
             <a:fld id="{14467127-E8DE-42E1-8DAB-0022B04B92FD}" type="datetimeFigureOut">
               <a:rPr lang="zh-TW" altLang="en-US" smtClean="0"/>
-              <a:t>2020/10/24</a:t>
+              <a:t>2021/3/27</a:t>
             </a:fld>
             <a:endParaRPr lang="zh-TW" altLang="en-US"/>
           </a:p>
@@ -2495,7 +2495,7 @@
           <a:p>
             <a:fld id="{14467127-E8DE-42E1-8DAB-0022B04B92FD}" type="datetimeFigureOut">
               <a:rPr lang="zh-TW" altLang="en-US" smtClean="0"/>
-              <a:t>2020/10/24</a:t>
+              <a:t>2021/3/27</a:t>
             </a:fld>
             <a:endParaRPr lang="zh-TW" altLang="en-US"/>
           </a:p>
@@ -2708,7 +2708,7 @@
           <a:p>
             <a:fld id="{14467127-E8DE-42E1-8DAB-0022B04B92FD}" type="datetimeFigureOut">
               <a:rPr lang="zh-TW" altLang="en-US" smtClean="0"/>
-              <a:t>2020/10/24</a:t>
+              <a:t>2021/3/27</a:t>
             </a:fld>
             <a:endParaRPr lang="zh-TW" altLang="en-US"/>
           </a:p>
@@ -3182,39 +3182,8 @@
                 <a:latin typeface="微軟正黑體" pitchFamily="34" charset="-120"/>
                 <a:ea typeface="微軟正黑體" pitchFamily="34" charset="-120"/>
               </a:rPr>
-              <a:t>來作</a:t>
-            </a:r>
-            <a:r>
-              <a:rPr lang="zh-TW" altLang="en-US" sz="8000" b="1" dirty="0">
-                <a:solidFill>
-                  <a:srgbClr val="660033"/>
-                </a:solidFill>
-                <a:effectLst>
-                  <a:outerShdw blurRad="38100" dist="38100" dir="2700000" algn="tl">
-                    <a:srgbClr val="000000">
-                      <a:alpha val="43137"/>
-                    </a:srgbClr>
-                  </a:outerShdw>
-                </a:effectLst>
-                <a:latin typeface="微軟正黑體" pitchFamily="34" charset="-120"/>
-                <a:ea typeface="微軟正黑體" pitchFamily="34" charset="-120"/>
-              </a:rPr>
-              <a:t>工</a:t>
-            </a:r>
-            <a:endParaRPr lang="zh-TW" altLang="en-US" sz="8000" b="1" dirty="0">
-              <a:solidFill>
-                <a:srgbClr val="660033"/>
-              </a:solidFill>
-              <a:effectLst>
-                <a:outerShdw blurRad="38100" dist="38100" dir="2700000" algn="tl">
-                  <a:srgbClr val="000000">
-                    <a:alpha val="43137"/>
-                  </a:srgbClr>
-                </a:outerShdw>
-              </a:effectLst>
-              <a:latin typeface="微軟正黑體" pitchFamily="34" charset="-120"/>
-              <a:ea typeface="微軟正黑體" pitchFamily="34" charset="-120"/>
-            </a:endParaRPr>
+              <a:t>來作工</a:t>
+            </a:r>
           </a:p>
         </p:txBody>
       </p:sp>

--- a/宣道詩/(宣道詩161)來作工.pptx
+++ b/宣道詩/(宣道詩161)來作工.pptx
@@ -7,23 +7,17 @@
   <p:sldIdLst>
     <p:sldId id="256" r:id="rId2"/>
     <p:sldId id="257" r:id="rId3"/>
-    <p:sldId id="258" r:id="rId4"/>
-    <p:sldId id="259" r:id="rId5"/>
-    <p:sldId id="260" r:id="rId6"/>
-    <p:sldId id="261" r:id="rId7"/>
-    <p:sldId id="262" r:id="rId8"/>
-    <p:sldId id="263" r:id="rId9"/>
-    <p:sldId id="264" r:id="rId10"/>
-    <p:sldId id="265" r:id="rId11"/>
-    <p:sldId id="266" r:id="rId12"/>
-    <p:sldId id="267" r:id="rId13"/>
-    <p:sldId id="268" r:id="rId14"/>
-    <p:sldId id="269" r:id="rId15"/>
-    <p:sldId id="270" r:id="rId16"/>
-    <p:sldId id="271" r:id="rId17"/>
-    <p:sldId id="272" r:id="rId18"/>
-    <p:sldId id="273" r:id="rId19"/>
-    <p:sldId id="274" r:id="rId20"/>
+    <p:sldId id="259" r:id="rId4"/>
+    <p:sldId id="261" r:id="rId5"/>
+    <p:sldId id="262" r:id="rId6"/>
+    <p:sldId id="263" r:id="rId7"/>
+    <p:sldId id="275" r:id="rId8"/>
+    <p:sldId id="267" r:id="rId9"/>
+    <p:sldId id="268" r:id="rId10"/>
+    <p:sldId id="269" r:id="rId11"/>
+    <p:sldId id="276" r:id="rId12"/>
+    <p:sldId id="273" r:id="rId13"/>
+    <p:sldId id="274" r:id="rId14"/>
   </p:sldIdLst>
   <p:sldSz cx="12192000" cy="6858000"/>
   <p:notesSz cx="6858000" cy="9144000"/>
@@ -322,7 +316,7 @@
           <a:p>
             <a:fld id="{14467127-E8DE-42E1-8DAB-0022B04B92FD}" type="datetimeFigureOut">
               <a:rPr lang="zh-TW" altLang="en-US" smtClean="0"/>
-              <a:t>2021/3/27</a:t>
+              <a:t>2022/2/26</a:t>
             </a:fld>
             <a:endParaRPr lang="zh-TW" altLang="en-US"/>
           </a:p>
@@ -487,7 +481,7 @@
           <a:p>
             <a:fld id="{14467127-E8DE-42E1-8DAB-0022B04B92FD}" type="datetimeFigureOut">
               <a:rPr lang="zh-TW" altLang="en-US" smtClean="0"/>
-              <a:t>2021/3/27</a:t>
+              <a:t>2022/2/26</a:t>
             </a:fld>
             <a:endParaRPr lang="zh-TW" altLang="en-US"/>
           </a:p>
@@ -662,7 +656,7 @@
           <a:p>
             <a:fld id="{14467127-E8DE-42E1-8DAB-0022B04B92FD}" type="datetimeFigureOut">
               <a:rPr lang="zh-TW" altLang="en-US" smtClean="0"/>
-              <a:t>2021/3/27</a:t>
+              <a:t>2022/2/26</a:t>
             </a:fld>
             <a:endParaRPr lang="zh-TW" altLang="en-US"/>
           </a:p>
@@ -827,7 +821,7 @@
           <a:p>
             <a:fld id="{14467127-E8DE-42E1-8DAB-0022B04B92FD}" type="datetimeFigureOut">
               <a:rPr lang="zh-TW" altLang="en-US" smtClean="0"/>
-              <a:t>2021/3/27</a:t>
+              <a:t>2022/2/26</a:t>
             </a:fld>
             <a:endParaRPr lang="zh-TW" altLang="en-US"/>
           </a:p>
@@ -1068,7 +1062,7 @@
           <a:p>
             <a:fld id="{14467127-E8DE-42E1-8DAB-0022B04B92FD}" type="datetimeFigureOut">
               <a:rPr lang="zh-TW" altLang="en-US" smtClean="0"/>
-              <a:t>2021/3/27</a:t>
+              <a:t>2022/2/26</a:t>
             </a:fld>
             <a:endParaRPr lang="zh-TW" altLang="en-US"/>
           </a:p>
@@ -1351,7 +1345,7 @@
           <a:p>
             <a:fld id="{14467127-E8DE-42E1-8DAB-0022B04B92FD}" type="datetimeFigureOut">
               <a:rPr lang="zh-TW" altLang="en-US" smtClean="0"/>
-              <a:t>2021/3/27</a:t>
+              <a:t>2022/2/26</a:t>
             </a:fld>
             <a:endParaRPr lang="zh-TW" altLang="en-US"/>
           </a:p>
@@ -1768,7 +1762,7 @@
           <a:p>
             <a:fld id="{14467127-E8DE-42E1-8DAB-0022B04B92FD}" type="datetimeFigureOut">
               <a:rPr lang="zh-TW" altLang="en-US" smtClean="0"/>
-              <a:t>2021/3/27</a:t>
+              <a:t>2022/2/26</a:t>
             </a:fld>
             <a:endParaRPr lang="zh-TW" altLang="en-US"/>
           </a:p>
@@ -1881,7 +1875,7 @@
           <a:p>
             <a:fld id="{14467127-E8DE-42E1-8DAB-0022B04B92FD}" type="datetimeFigureOut">
               <a:rPr lang="zh-TW" altLang="en-US" smtClean="0"/>
-              <a:t>2021/3/27</a:t>
+              <a:t>2022/2/26</a:t>
             </a:fld>
             <a:endParaRPr lang="zh-TW" altLang="en-US"/>
           </a:p>
@@ -1971,7 +1965,7 @@
           <a:p>
             <a:fld id="{14467127-E8DE-42E1-8DAB-0022B04B92FD}" type="datetimeFigureOut">
               <a:rPr lang="zh-TW" altLang="en-US" smtClean="0"/>
-              <a:t>2021/3/27</a:t>
+              <a:t>2022/2/26</a:t>
             </a:fld>
             <a:endParaRPr lang="zh-TW" altLang="en-US"/>
           </a:p>
@@ -2243,7 +2237,7 @@
           <a:p>
             <a:fld id="{14467127-E8DE-42E1-8DAB-0022B04B92FD}" type="datetimeFigureOut">
               <a:rPr lang="zh-TW" altLang="en-US" smtClean="0"/>
-              <a:t>2021/3/27</a:t>
+              <a:t>2022/2/26</a:t>
             </a:fld>
             <a:endParaRPr lang="zh-TW" altLang="en-US"/>
           </a:p>
@@ -2495,7 +2489,7 @@
           <a:p>
             <a:fld id="{14467127-E8DE-42E1-8DAB-0022B04B92FD}" type="datetimeFigureOut">
               <a:rPr lang="zh-TW" altLang="en-US" smtClean="0"/>
-              <a:t>2021/3/27</a:t>
+              <a:t>2022/2/26</a:t>
             </a:fld>
             <a:endParaRPr lang="zh-TW" altLang="en-US"/>
           </a:p>
@@ -2708,7 +2702,7 @@
           <a:p>
             <a:fld id="{14467127-E8DE-42E1-8DAB-0022B04B92FD}" type="datetimeFigureOut">
               <a:rPr lang="zh-TW" altLang="en-US" smtClean="0"/>
-              <a:t>2021/3/27</a:t>
+              <a:t>2022/2/26</a:t>
             </a:fld>
             <a:endParaRPr lang="zh-TW" altLang="en-US"/>
           </a:p>
@@ -3090,7 +3084,7 @@
         </p:nvSpPr>
         <p:spPr>
           <a:xfrm>
-            <a:off x="0" y="2857513"/>
+            <a:off x="0" y="2708920"/>
             <a:ext cx="12192000" cy="1143000"/>
           </a:xfrm>
         </p:spPr>
@@ -3257,7 +3251,159 @@
                 <a:latin typeface="微軟正黑體" pitchFamily="34" charset="-120"/>
                 <a:ea typeface="微軟正黑體" pitchFamily="34" charset="-120"/>
               </a:rPr>
-              <a:t>並使天下萬國</a:t>
+              <a:t>來作工  </a:t>
+            </a:r>
+            <a:r>
+              <a:rPr lang="zh-TW" altLang="en-US" sz="6400" b="1" dirty="0" smtClean="0">
+                <a:solidFill>
+                  <a:srgbClr val="660033"/>
+                </a:solidFill>
+                <a:latin typeface="微軟正黑體" pitchFamily="34" charset="-120"/>
+                <a:ea typeface="微軟正黑體" pitchFamily="34" charset="-120"/>
+              </a:rPr>
+              <a:t> 來</a:t>
+            </a:r>
+            <a:r>
+              <a:rPr lang="zh-TW" altLang="en-US" sz="6400" b="1" dirty="0">
+                <a:solidFill>
+                  <a:srgbClr val="660033"/>
+                </a:solidFill>
+                <a:latin typeface="微軟正黑體" pitchFamily="34" charset="-120"/>
+                <a:ea typeface="微軟正黑體" pitchFamily="34" charset="-120"/>
+              </a:rPr>
+              <a:t>作</a:t>
+            </a:r>
+            <a:r>
+              <a:rPr lang="zh-TW" altLang="en-US" sz="6400" b="1" dirty="0" smtClean="0">
+                <a:solidFill>
+                  <a:srgbClr val="660033"/>
+                </a:solidFill>
+                <a:latin typeface="微軟正黑體" pitchFamily="34" charset="-120"/>
+                <a:ea typeface="微軟正黑體" pitchFamily="34" charset="-120"/>
+              </a:rPr>
+              <a:t>工</a:t>
+            </a:r>
+            <a:r>
+              <a:rPr lang="en-US" altLang="zh-TW" sz="6400" b="1" dirty="0">
+                <a:solidFill>
+                  <a:srgbClr val="660033"/>
+                </a:solidFill>
+                <a:latin typeface="微軟正黑體" pitchFamily="34" charset="-120"/>
+                <a:ea typeface="微軟正黑體" pitchFamily="34" charset="-120"/>
+              </a:rPr>
+              <a:t> </a:t>
+            </a:r>
+            <a:r>
+              <a:rPr lang="en-US" altLang="zh-TW" sz="6400" b="1" dirty="0" smtClean="0">
+                <a:solidFill>
+                  <a:srgbClr val="660033"/>
+                </a:solidFill>
+                <a:latin typeface="微軟正黑體" pitchFamily="34" charset="-120"/>
+                <a:ea typeface="微軟正黑體" pitchFamily="34" charset="-120"/>
+              </a:rPr>
+              <a:t>  </a:t>
+            </a:r>
+            <a:r>
+              <a:rPr lang="zh-TW" altLang="en-US" sz="6400" b="1" dirty="0" smtClean="0">
+                <a:solidFill>
+                  <a:srgbClr val="660033"/>
+                </a:solidFill>
+                <a:latin typeface="微軟正黑體" pitchFamily="34" charset="-120"/>
+                <a:ea typeface="微軟正黑體" pitchFamily="34" charset="-120"/>
+              </a:rPr>
+              <a:t>主</a:t>
+            </a:r>
+            <a:r>
+              <a:rPr lang="zh-TW" altLang="en-US" sz="6400" b="1" dirty="0">
+                <a:solidFill>
+                  <a:srgbClr val="660033"/>
+                </a:solidFill>
+                <a:latin typeface="微軟正黑體" pitchFamily="34" charset="-120"/>
+                <a:ea typeface="微軟正黑體" pitchFamily="34" charset="-120"/>
+              </a:rPr>
+              <a:t>必賞賜你</a:t>
+            </a:r>
+            <a:r>
+              <a:rPr lang="zh-TW" altLang="en-US" sz="6400" b="1" dirty="0" smtClean="0">
+                <a:solidFill>
+                  <a:srgbClr val="660033"/>
+                </a:solidFill>
+                <a:latin typeface="微軟正黑體" pitchFamily="34" charset="-120"/>
+                <a:ea typeface="微軟正黑體" pitchFamily="34" charset="-120"/>
+              </a:rPr>
+              <a:t>力</a:t>
+            </a:r>
+            <a:endParaRPr lang="en-US" altLang="zh-TW" sz="6400" b="1" dirty="0" smtClean="0">
+              <a:solidFill>
+                <a:srgbClr val="660033"/>
+              </a:solidFill>
+              <a:latin typeface="微軟正黑體" pitchFamily="34" charset="-120"/>
+              <a:ea typeface="微軟正黑體" pitchFamily="34" charset="-120"/>
+            </a:endParaRPr>
+          </a:p>
+          <a:p>
+            <a:pPr algn="ctr">
+              <a:buNone/>
+            </a:pPr>
+            <a:r>
+              <a:rPr lang="zh-TW" altLang="en-US" sz="6400" b="1" dirty="0">
+                <a:solidFill>
+                  <a:srgbClr val="660033"/>
+                </a:solidFill>
+                <a:latin typeface="微軟正黑體" pitchFamily="34" charset="-120"/>
+                <a:ea typeface="微軟正黑體" pitchFamily="34" charset="-120"/>
+              </a:rPr>
+              <a:t>等到工夫完</a:t>
+            </a:r>
+            <a:r>
+              <a:rPr lang="zh-TW" altLang="en-US" sz="6400" b="1" dirty="0" smtClean="0">
+                <a:solidFill>
+                  <a:srgbClr val="660033"/>
+                </a:solidFill>
+                <a:latin typeface="微軟正黑體" pitchFamily="34" charset="-120"/>
+                <a:ea typeface="微軟正黑體" pitchFamily="34" charset="-120"/>
+              </a:rPr>
+              <a:t>畢</a:t>
+            </a:r>
+            <a:r>
+              <a:rPr lang="en-US" altLang="zh-TW" sz="6400" b="1" dirty="0" smtClean="0">
+                <a:solidFill>
+                  <a:srgbClr val="660033"/>
+                </a:solidFill>
+                <a:latin typeface="微軟正黑體" pitchFamily="34" charset="-120"/>
+                <a:ea typeface="微軟正黑體" pitchFamily="34" charset="-120"/>
+              </a:rPr>
+              <a:t>   </a:t>
+            </a:r>
+            <a:r>
+              <a:rPr lang="zh-TW" altLang="en-US" sz="6400" b="1" dirty="0" smtClean="0">
+                <a:solidFill>
+                  <a:srgbClr val="660033"/>
+                </a:solidFill>
+                <a:latin typeface="微軟正黑體" pitchFamily="34" charset="-120"/>
+                <a:ea typeface="微軟正黑體" pitchFamily="34" charset="-120"/>
+              </a:rPr>
+              <a:t>便</a:t>
+            </a:r>
+            <a:r>
+              <a:rPr lang="zh-TW" altLang="en-US" sz="6400" b="1" dirty="0">
+                <a:solidFill>
+                  <a:srgbClr val="660033"/>
+                </a:solidFill>
+                <a:latin typeface="微軟正黑體" pitchFamily="34" charset="-120"/>
+                <a:ea typeface="微軟正黑體" pitchFamily="34" charset="-120"/>
+              </a:rPr>
+              <a:t>有冠冕給</a:t>
+            </a:r>
+            <a:r>
+              <a:rPr lang="zh-TW" altLang="en-US" sz="6400" b="1" dirty="0" smtClean="0">
+                <a:solidFill>
+                  <a:srgbClr val="660033"/>
+                </a:solidFill>
+                <a:latin typeface="微軟正黑體" pitchFamily="34" charset="-120"/>
+                <a:ea typeface="微軟正黑體" pitchFamily="34" charset="-120"/>
+              </a:rPr>
+              <a:t>你</a:t>
             </a:r>
             <a:endParaRPr lang="en-US" altLang="zh-TW" sz="6400" b="1" dirty="0">
               <a:solidFill>
@@ -3267,40 +3413,18 @@
               <a:ea typeface="微軟正黑體" pitchFamily="34" charset="-120"/>
             </a:endParaRPr>
           </a:p>
-          <a:p>
-            <a:pPr algn="ctr">
-              <a:buNone/>
-            </a:pPr>
-            <a:r>
-              <a:rPr lang="zh-TW" altLang="en-US" sz="6400" b="1" dirty="0">
-                <a:solidFill>
-                  <a:srgbClr val="660033"/>
-                </a:solidFill>
-                <a:latin typeface="微軟正黑體" pitchFamily="34" charset="-120"/>
-                <a:ea typeface="微軟正黑體" pitchFamily="34" charset="-120"/>
-              </a:rPr>
-              <a:t>皆尊基督榮名</a:t>
-            </a:r>
-            <a:endParaRPr lang="en-US" altLang="zh-TW" sz="6400" b="1" dirty="0">
-              <a:solidFill>
-                <a:srgbClr val="660033"/>
-              </a:solidFill>
-              <a:latin typeface="微軟正黑體" pitchFamily="34" charset="-120"/>
-              <a:ea typeface="微軟正黑體" pitchFamily="34" charset="-120"/>
-            </a:endParaRPr>
-          </a:p>
-        </p:txBody>
-      </p:sp>
-      <p:sp>
-        <p:nvSpPr>
-          <p:cNvPr id="3" name="TextBox 2"/>
+        </p:txBody>
+      </p:sp>
+      <p:sp>
+        <p:nvSpPr>
+          <p:cNvPr id="4" name="TextBox 3"/>
           <p:cNvSpPr txBox="1"/>
           <p:nvPr/>
         </p:nvSpPr>
         <p:spPr>
           <a:xfrm>
-            <a:off x="911424" y="2194526"/>
-            <a:ext cx="1248139" cy="1200329"/>
+            <a:off x="-11404" y="5229200"/>
+            <a:ext cx="12202941" cy="830997"/>
           </a:xfrm>
           <a:prstGeom prst="rect">
             <a:avLst/>
@@ -3308,23 +3432,44 @@
           <a:noFill/>
         </p:spPr>
         <p:txBody>
-          <a:bodyPr wrap="square" rtlCol="0">
+          <a:bodyPr wrap="square" rtlCol="0" anchor="ctr">
             <a:spAutoFit/>
           </a:bodyPr>
           <a:lstStyle/>
           <a:p>
-            <a:r>
-              <a:rPr lang="en-US" sz="7200" b="1" dirty="0">
-                <a:solidFill>
-                  <a:srgbClr val="660033"/>
-                </a:solidFill>
-              </a:rPr>
-              <a:t>2.</a:t>
-            </a:r>
-            <a:endParaRPr lang="vi-VN" sz="7200" b="1" dirty="0">
+            <a:pPr algn="ctr"/>
+            <a:r>
+              <a:rPr lang="en-US" sz="4800" b="1" dirty="0" smtClean="0">
+                <a:solidFill>
+                  <a:srgbClr val="660033"/>
+                </a:solidFill>
+                <a:effectLst/>
+              </a:rPr>
+              <a:t>( </a:t>
+            </a:r>
+            <a:r>
+              <a:rPr lang="en-US" sz="4800" b="1" dirty="0" smtClean="0">
+                <a:solidFill>
+                  <a:srgbClr val="660033"/>
+                </a:solidFill>
+                <a:effectLst/>
+              </a:rPr>
+              <a:t>3 </a:t>
+            </a:r>
+            <a:r>
+              <a:rPr lang="en-US" sz="4800" b="1" dirty="0" smtClean="0">
+                <a:solidFill>
+                  <a:srgbClr val="660033"/>
+                </a:solidFill>
+                <a:effectLst/>
+              </a:rPr>
+              <a:t>)</a:t>
+            </a:r>
+            <a:endParaRPr lang="vi-VN" sz="4800" b="1" dirty="0">
               <a:solidFill>
                 <a:srgbClr val="660033"/>
               </a:solidFill>
+              <a:effectLst/>
             </a:endParaRPr>
           </a:p>
         </p:txBody>
@@ -3332,7 +3477,7 @@
     </p:spTree>
     <p:extLst>
       <p:ext uri="{BB962C8B-B14F-4D97-AF65-F5344CB8AC3E}">
-        <p14:creationId xmlns:p14="http://schemas.microsoft.com/office/powerpoint/2010/main" val="262764495"/>
+        <p14:creationId xmlns:p14="http://schemas.microsoft.com/office/powerpoint/2010/main" val="3856003217"/>
       </p:ext>
     </p:extLst>
   </p:cSld>
@@ -3399,7 +3544,129 @@
                 <a:latin typeface="微軟正黑體" pitchFamily="34" charset="-120"/>
                 <a:ea typeface="微軟正黑體" pitchFamily="34" charset="-120"/>
               </a:rPr>
-              <a:t>都來同聲讚美</a:t>
+              <a:t>若能忍耐到</a:t>
+            </a:r>
+            <a:r>
+              <a:rPr lang="zh-TW" altLang="en-US" sz="6400" b="1" dirty="0" smtClean="0">
+                <a:solidFill>
+                  <a:srgbClr val="660033"/>
+                </a:solidFill>
+                <a:latin typeface="微軟正黑體" pitchFamily="34" charset="-120"/>
+                <a:ea typeface="微軟正黑體" pitchFamily="34" charset="-120"/>
+              </a:rPr>
+              <a:t>底</a:t>
+            </a:r>
+            <a:r>
+              <a:rPr lang="en-US" altLang="zh-TW" sz="6400" b="1" dirty="0" smtClean="0">
+                <a:solidFill>
+                  <a:srgbClr val="660033"/>
+                </a:solidFill>
+                <a:latin typeface="微軟正黑體" pitchFamily="34" charset="-120"/>
+                <a:ea typeface="微軟正黑體" pitchFamily="34" charset="-120"/>
+              </a:rPr>
+              <a:t>   </a:t>
+            </a:r>
+            <a:r>
+              <a:rPr lang="zh-TW" altLang="en-US" sz="6400" b="1" dirty="0" smtClean="0">
+                <a:solidFill>
+                  <a:srgbClr val="660033"/>
+                </a:solidFill>
+                <a:latin typeface="微軟正黑體" pitchFamily="34" charset="-120"/>
+                <a:ea typeface="微軟正黑體" pitchFamily="34" charset="-120"/>
+              </a:rPr>
+              <a:t>必</a:t>
+            </a:r>
+            <a:r>
+              <a:rPr lang="zh-TW" altLang="en-US" sz="6400" b="1" dirty="0">
+                <a:solidFill>
+                  <a:srgbClr val="660033"/>
+                </a:solidFill>
+                <a:latin typeface="微軟正黑體" pitchFamily="34" charset="-120"/>
+                <a:ea typeface="微軟正黑體" pitchFamily="34" charset="-120"/>
+              </a:rPr>
+              <a:t>入天堂安</a:t>
+            </a:r>
+            <a:r>
+              <a:rPr lang="zh-TW" altLang="en-US" sz="6400" b="1" dirty="0" smtClean="0">
+                <a:solidFill>
+                  <a:srgbClr val="660033"/>
+                </a:solidFill>
+                <a:latin typeface="微軟正黑體" pitchFamily="34" charset="-120"/>
+                <a:ea typeface="微軟正黑體" pitchFamily="34" charset="-120"/>
+              </a:rPr>
+              <a:t>息</a:t>
+            </a:r>
+            <a:endParaRPr lang="en-US" altLang="zh-TW" sz="6400" b="1" dirty="0" smtClean="0">
+              <a:solidFill>
+                <a:srgbClr val="660033"/>
+              </a:solidFill>
+              <a:latin typeface="微軟正黑體" pitchFamily="34" charset="-120"/>
+              <a:ea typeface="微軟正黑體" pitchFamily="34" charset="-120"/>
+            </a:endParaRPr>
+          </a:p>
+          <a:p>
+            <a:pPr algn="ctr">
+              <a:buNone/>
+            </a:pPr>
+            <a:r>
+              <a:rPr lang="zh-TW" altLang="en-US" sz="6400" b="1" dirty="0">
+                <a:solidFill>
+                  <a:srgbClr val="660033"/>
+                </a:solidFill>
+                <a:latin typeface="微軟正黑體" pitchFamily="34" charset="-120"/>
+                <a:ea typeface="微軟正黑體" pitchFamily="34" charset="-120"/>
+              </a:rPr>
+              <a:t>同眾門徒歌</a:t>
+            </a:r>
+            <a:r>
+              <a:rPr lang="zh-TW" altLang="en-US" sz="6400" b="1" dirty="0" smtClean="0">
+                <a:solidFill>
+                  <a:srgbClr val="660033"/>
+                </a:solidFill>
+                <a:latin typeface="微軟正黑體" pitchFamily="34" charset="-120"/>
+                <a:ea typeface="微軟正黑體" pitchFamily="34" charset="-120"/>
+              </a:rPr>
+              <a:t>唱</a:t>
+            </a:r>
+            <a:r>
+              <a:rPr lang="en-US" altLang="zh-TW" sz="6400" b="1" dirty="0" smtClean="0">
+                <a:solidFill>
+                  <a:srgbClr val="660033"/>
+                </a:solidFill>
+                <a:latin typeface="微軟正黑體" pitchFamily="34" charset="-120"/>
+                <a:ea typeface="微軟正黑體" pitchFamily="34" charset="-120"/>
+              </a:rPr>
+              <a:t>   </a:t>
+            </a:r>
+            <a:r>
+              <a:rPr lang="zh-TW" altLang="en-US" sz="6400" b="1" dirty="0" smtClean="0">
+                <a:solidFill>
+                  <a:srgbClr val="660033"/>
+                </a:solidFill>
+                <a:latin typeface="微軟正黑體" pitchFamily="34" charset="-120"/>
+                <a:ea typeface="微軟正黑體" pitchFamily="34" charset="-120"/>
+              </a:rPr>
+              <a:t>頌</a:t>
+            </a:r>
+            <a:r>
+              <a:rPr lang="zh-TW" altLang="en-US" sz="6400" b="1" dirty="0">
+                <a:solidFill>
+                  <a:srgbClr val="660033"/>
+                </a:solidFill>
+                <a:latin typeface="微軟正黑體" pitchFamily="34" charset="-120"/>
+                <a:ea typeface="微軟正黑體" pitchFamily="34" charset="-120"/>
+              </a:rPr>
+              <a:t>主恩惠不</a:t>
+            </a:r>
+            <a:r>
+              <a:rPr lang="zh-TW" altLang="en-US" sz="6400" b="1" dirty="0" smtClean="0">
+                <a:solidFill>
+                  <a:srgbClr val="660033"/>
+                </a:solidFill>
+                <a:latin typeface="微軟正黑體" pitchFamily="34" charset="-120"/>
+                <a:ea typeface="微軟正黑體" pitchFamily="34" charset="-120"/>
+              </a:rPr>
+              <a:t>已</a:t>
             </a:r>
             <a:endParaRPr lang="en-US" altLang="zh-TW" sz="6400" b="1" dirty="0">
               <a:solidFill>
@@ -3409,40 +3676,18 @@
               <a:ea typeface="微軟正黑體" pitchFamily="34" charset="-120"/>
             </a:endParaRPr>
           </a:p>
-          <a:p>
-            <a:pPr algn="ctr">
-              <a:buNone/>
-            </a:pPr>
-            <a:r>
-              <a:rPr lang="zh-TW" altLang="en-US" sz="6400" b="1" dirty="0">
-                <a:solidFill>
-                  <a:srgbClr val="660033"/>
-                </a:solidFill>
-                <a:latin typeface="微軟正黑體" pitchFamily="34" charset="-120"/>
-                <a:ea typeface="微軟正黑體" pitchFamily="34" charset="-120"/>
-              </a:rPr>
-              <a:t>感謝救人鴻恩</a:t>
-            </a:r>
-            <a:endParaRPr lang="en-US" altLang="zh-TW" sz="6400" b="1" dirty="0">
-              <a:solidFill>
-                <a:srgbClr val="660033"/>
-              </a:solidFill>
-              <a:latin typeface="微軟正黑體" pitchFamily="34" charset="-120"/>
-              <a:ea typeface="微軟正黑體" pitchFamily="34" charset="-120"/>
-            </a:endParaRPr>
-          </a:p>
-        </p:txBody>
-      </p:sp>
-      <p:sp>
-        <p:nvSpPr>
-          <p:cNvPr id="3" name="TextBox 2"/>
+        </p:txBody>
+      </p:sp>
+      <p:sp>
+        <p:nvSpPr>
+          <p:cNvPr id="4" name="TextBox 3"/>
           <p:cNvSpPr txBox="1"/>
           <p:nvPr/>
         </p:nvSpPr>
         <p:spPr>
           <a:xfrm>
-            <a:off x="911424" y="2194526"/>
-            <a:ext cx="1248139" cy="1200329"/>
+            <a:off x="-11404" y="5229200"/>
+            <a:ext cx="12202941" cy="830997"/>
           </a:xfrm>
           <a:prstGeom prst="rect">
             <a:avLst/>
@@ -3450,23 +3695,44 @@
           <a:noFill/>
         </p:spPr>
         <p:txBody>
-          <a:bodyPr wrap="square" rtlCol="0">
+          <a:bodyPr wrap="square" rtlCol="0" anchor="ctr">
             <a:spAutoFit/>
           </a:bodyPr>
           <a:lstStyle/>
           <a:p>
-            <a:r>
-              <a:rPr lang="en-US" sz="7200" b="1" dirty="0">
-                <a:solidFill>
-                  <a:srgbClr val="660033"/>
-                </a:solidFill>
-              </a:rPr>
-              <a:t>2.</a:t>
-            </a:r>
-            <a:endParaRPr lang="vi-VN" sz="7200" b="1" dirty="0">
+            <a:pPr algn="ctr"/>
+            <a:r>
+              <a:rPr lang="en-US" sz="4800" b="1" dirty="0" smtClean="0">
+                <a:solidFill>
+                  <a:srgbClr val="660033"/>
+                </a:solidFill>
+                <a:effectLst/>
+              </a:rPr>
+              <a:t>( </a:t>
+            </a:r>
+            <a:r>
+              <a:rPr lang="en-US" sz="4800" b="1" dirty="0" smtClean="0">
+                <a:solidFill>
+                  <a:srgbClr val="660033"/>
+                </a:solidFill>
+                <a:effectLst/>
+              </a:rPr>
+              <a:t>3 </a:t>
+            </a:r>
+            <a:r>
+              <a:rPr lang="en-US" sz="4800" b="1" dirty="0" smtClean="0">
+                <a:solidFill>
+                  <a:srgbClr val="660033"/>
+                </a:solidFill>
+                <a:effectLst/>
+              </a:rPr>
+              <a:t>)</a:t>
+            </a:r>
+            <a:endParaRPr lang="vi-VN" sz="4800" b="1" dirty="0">
               <a:solidFill>
                 <a:srgbClr val="660033"/>
               </a:solidFill>
+              <a:effectLst/>
             </a:endParaRPr>
           </a:p>
         </p:txBody>
@@ -3474,7 +3740,7 @@
     </p:spTree>
     <p:extLst>
       <p:ext uri="{BB962C8B-B14F-4D97-AF65-F5344CB8AC3E}">
-        <p14:creationId xmlns:p14="http://schemas.microsoft.com/office/powerpoint/2010/main" val="869247552"/>
+        <p14:creationId xmlns:p14="http://schemas.microsoft.com/office/powerpoint/2010/main" val="3652170657"/>
       </p:ext>
     </p:extLst>
   </p:cSld>
@@ -3578,7 +3844,7 @@
     </p:spTree>
     <p:extLst>
       <p:ext uri="{BB962C8B-B14F-4D97-AF65-F5344CB8AC3E}">
-        <p14:creationId xmlns:p14="http://schemas.microsoft.com/office/powerpoint/2010/main" val="2294935142"/>
+        <p14:creationId xmlns:p14="http://schemas.microsoft.com/office/powerpoint/2010/main" val="3051934836"/>
       </p:ext>
     </p:extLst>
   </p:cSld>
@@ -3596,782 +3862,6 @@
 </file>
 
 <file path=ppt/slides/slide13.xml><?xml version="1.0" encoding="utf-8"?>
-<p:sld xmlns:a="http://schemas.openxmlformats.org/drawingml/2006/main" xmlns:r="http://schemas.openxmlformats.org/officeDocument/2006/relationships" xmlns:p="http://schemas.openxmlformats.org/presentationml/2006/main">
-  <p:cSld>
-    <p:spTree>
-      <p:nvGrpSpPr>
-        <p:cNvPr id="1" name=""/>
-        <p:cNvGrpSpPr/>
-        <p:nvPr/>
-      </p:nvGrpSpPr>
-      <p:grpSpPr>
-        <a:xfrm>
-          <a:off x="0" y="0"/>
-          <a:ext cx="0" cy="0"/>
-          <a:chOff x="0" y="0"/>
-          <a:chExt cx="0" cy="0"/>
-        </a:xfrm>
-      </p:grpSpPr>
-      <p:sp>
-        <p:nvSpPr>
-          <p:cNvPr id="5" name="內容版面配置區 4"/>
-          <p:cNvSpPr>
-            <a:spLocks noGrp="1"/>
-          </p:cNvSpPr>
-          <p:nvPr>
-            <p:ph idx="1"/>
-          </p:nvPr>
-        </p:nvSpPr>
-        <p:spPr>
-          <a:xfrm>
-            <a:off x="0" y="2084851"/>
-            <a:ext cx="12192000" cy="2404863"/>
-          </a:xfrm>
-        </p:spPr>
-        <p:txBody>
-          <a:bodyPr anchor="ctr">
-            <a:normAutofit/>
-          </a:bodyPr>
-          <a:lstStyle/>
-          <a:p>
-            <a:pPr algn="ctr">
-              <a:buNone/>
-            </a:pPr>
-            <a:r>
-              <a:rPr lang="zh-TW" altLang="en-US" sz="6400" b="1" dirty="0">
-                <a:solidFill>
-                  <a:srgbClr val="660033"/>
-                </a:solidFill>
-                <a:latin typeface="微軟正黑體" pitchFamily="34" charset="-120"/>
-                <a:ea typeface="微軟正黑體" pitchFamily="34" charset="-120"/>
-              </a:rPr>
-              <a:t>恆忍望  儆醒待</a:t>
-            </a:r>
-            <a:endParaRPr lang="en-US" altLang="zh-TW" sz="6400" b="1" dirty="0">
-              <a:solidFill>
-                <a:srgbClr val="660033"/>
-              </a:solidFill>
-              <a:latin typeface="微軟正黑體" pitchFamily="34" charset="-120"/>
-              <a:ea typeface="微軟正黑體" pitchFamily="34" charset="-120"/>
-            </a:endParaRPr>
-          </a:p>
-          <a:p>
-            <a:pPr algn="ctr">
-              <a:buNone/>
-            </a:pPr>
-            <a:r>
-              <a:rPr lang="zh-TW" altLang="en-US" sz="6400" b="1" dirty="0">
-                <a:solidFill>
-                  <a:srgbClr val="660033"/>
-                </a:solidFill>
-                <a:latin typeface="微軟正黑體" pitchFamily="34" charset="-120"/>
-                <a:ea typeface="微軟正黑體" pitchFamily="34" charset="-120"/>
-              </a:rPr>
-              <a:t>忠心勤工直到主來</a:t>
-            </a:r>
-            <a:endParaRPr lang="en-US" altLang="zh-TW" sz="6400" b="1" dirty="0">
-              <a:solidFill>
-                <a:srgbClr val="660033"/>
-              </a:solidFill>
-              <a:latin typeface="微軟正黑體" pitchFamily="34" charset="-120"/>
-              <a:ea typeface="微軟正黑體" pitchFamily="34" charset="-120"/>
-            </a:endParaRPr>
-          </a:p>
-        </p:txBody>
-      </p:sp>
-    </p:spTree>
-    <p:extLst>
-      <p:ext uri="{BB962C8B-B14F-4D97-AF65-F5344CB8AC3E}">
-        <p14:creationId xmlns:p14="http://schemas.microsoft.com/office/powerpoint/2010/main" val="2309553629"/>
-      </p:ext>
-    </p:extLst>
-  </p:cSld>
-  <p:clrMapOvr>
-    <a:masterClrMapping/>
-  </p:clrMapOvr>
-  <p:timing>
-    <p:tnLst>
-      <p:par>
-        <p:cTn id="1" dur="indefinite" restart="never" nodeType="tmRoot"/>
-      </p:par>
-    </p:tnLst>
-  </p:timing>
-</p:sld>
-</file>
-
-<file path=ppt/slides/slide14.xml><?xml version="1.0" encoding="utf-8"?>
-<p:sld xmlns:a="http://schemas.openxmlformats.org/drawingml/2006/main" xmlns:r="http://schemas.openxmlformats.org/officeDocument/2006/relationships" xmlns:p="http://schemas.openxmlformats.org/presentationml/2006/main">
-  <p:cSld>
-    <p:spTree>
-      <p:nvGrpSpPr>
-        <p:cNvPr id="1" name=""/>
-        <p:cNvGrpSpPr/>
-        <p:nvPr/>
-      </p:nvGrpSpPr>
-      <p:grpSpPr>
-        <a:xfrm>
-          <a:off x="0" y="0"/>
-          <a:ext cx="0" cy="0"/>
-          <a:chOff x="0" y="0"/>
-          <a:chExt cx="0" cy="0"/>
-        </a:xfrm>
-      </p:grpSpPr>
-      <p:sp>
-        <p:nvSpPr>
-          <p:cNvPr id="5" name="內容版面配置區 4"/>
-          <p:cNvSpPr>
-            <a:spLocks noGrp="1"/>
-          </p:cNvSpPr>
-          <p:nvPr>
-            <p:ph idx="1"/>
-          </p:nvPr>
-        </p:nvSpPr>
-        <p:spPr>
-          <a:xfrm>
-            <a:off x="0" y="2084851"/>
-            <a:ext cx="12192000" cy="2404863"/>
-          </a:xfrm>
-        </p:spPr>
-        <p:txBody>
-          <a:bodyPr anchor="ctr">
-            <a:normAutofit/>
-          </a:bodyPr>
-          <a:lstStyle/>
-          <a:p>
-            <a:pPr algn="ctr">
-              <a:buNone/>
-            </a:pPr>
-            <a:r>
-              <a:rPr lang="zh-TW" altLang="en-US" sz="6400" b="1" dirty="0">
-                <a:solidFill>
-                  <a:srgbClr val="660033"/>
-                </a:solidFill>
-                <a:latin typeface="微軟正黑體" pitchFamily="34" charset="-120"/>
-                <a:ea typeface="微軟正黑體" pitchFamily="34" charset="-120"/>
-              </a:rPr>
-              <a:t>來作工  來作工</a:t>
-            </a:r>
-            <a:endParaRPr lang="en-US" altLang="zh-TW" sz="6400" b="1" dirty="0">
-              <a:solidFill>
-                <a:srgbClr val="660033"/>
-              </a:solidFill>
-              <a:latin typeface="微軟正黑體" pitchFamily="34" charset="-120"/>
-              <a:ea typeface="微軟正黑體" pitchFamily="34" charset="-120"/>
-            </a:endParaRPr>
-          </a:p>
-          <a:p>
-            <a:pPr algn="ctr">
-              <a:buNone/>
-            </a:pPr>
-            <a:r>
-              <a:rPr lang="zh-TW" altLang="en-US" sz="6400" b="1" dirty="0">
-                <a:solidFill>
-                  <a:srgbClr val="660033"/>
-                </a:solidFill>
-                <a:latin typeface="微軟正黑體" pitchFamily="34" charset="-120"/>
-                <a:ea typeface="微軟正黑體" pitchFamily="34" charset="-120"/>
-              </a:rPr>
-              <a:t>主必賞賜你力</a:t>
-            </a:r>
-            <a:endParaRPr lang="en-US" altLang="zh-TW" sz="6400" b="1" dirty="0">
-              <a:solidFill>
-                <a:srgbClr val="660033"/>
-              </a:solidFill>
-              <a:latin typeface="微軟正黑體" pitchFamily="34" charset="-120"/>
-              <a:ea typeface="微軟正黑體" pitchFamily="34" charset="-120"/>
-            </a:endParaRPr>
-          </a:p>
-        </p:txBody>
-      </p:sp>
-      <p:sp>
-        <p:nvSpPr>
-          <p:cNvPr id="3" name="TextBox 2"/>
-          <p:cNvSpPr txBox="1"/>
-          <p:nvPr/>
-        </p:nvSpPr>
-        <p:spPr>
-          <a:xfrm>
-            <a:off x="911424" y="2194526"/>
-            <a:ext cx="1248139" cy="1200329"/>
-          </a:xfrm>
-          <a:prstGeom prst="rect">
-            <a:avLst/>
-          </a:prstGeom>
-          <a:noFill/>
-        </p:spPr>
-        <p:txBody>
-          <a:bodyPr wrap="square" rtlCol="0">
-            <a:spAutoFit/>
-          </a:bodyPr>
-          <a:lstStyle/>
-          <a:p>
-            <a:r>
-              <a:rPr lang="en-US" sz="7200" b="1" dirty="0">
-                <a:solidFill>
-                  <a:srgbClr val="660033"/>
-                </a:solidFill>
-              </a:rPr>
-              <a:t>3.</a:t>
-            </a:r>
-            <a:endParaRPr lang="vi-VN" sz="7200" b="1" dirty="0">
-              <a:solidFill>
-                <a:srgbClr val="660033"/>
-              </a:solidFill>
-            </a:endParaRPr>
-          </a:p>
-        </p:txBody>
-      </p:sp>
-    </p:spTree>
-    <p:extLst>
-      <p:ext uri="{BB962C8B-B14F-4D97-AF65-F5344CB8AC3E}">
-        <p14:creationId xmlns:p14="http://schemas.microsoft.com/office/powerpoint/2010/main" val="3856003217"/>
-      </p:ext>
-    </p:extLst>
-  </p:cSld>
-  <p:clrMapOvr>
-    <a:masterClrMapping/>
-  </p:clrMapOvr>
-  <p:timing>
-    <p:tnLst>
-      <p:par>
-        <p:cTn id="1" dur="indefinite" restart="never" nodeType="tmRoot"/>
-      </p:par>
-    </p:tnLst>
-  </p:timing>
-</p:sld>
-</file>
-
-<file path=ppt/slides/slide15.xml><?xml version="1.0" encoding="utf-8"?>
-<p:sld xmlns:a="http://schemas.openxmlformats.org/drawingml/2006/main" xmlns:r="http://schemas.openxmlformats.org/officeDocument/2006/relationships" xmlns:p="http://schemas.openxmlformats.org/presentationml/2006/main">
-  <p:cSld>
-    <p:spTree>
-      <p:nvGrpSpPr>
-        <p:cNvPr id="1" name=""/>
-        <p:cNvGrpSpPr/>
-        <p:nvPr/>
-      </p:nvGrpSpPr>
-      <p:grpSpPr>
-        <a:xfrm>
-          <a:off x="0" y="0"/>
-          <a:ext cx="0" cy="0"/>
-          <a:chOff x="0" y="0"/>
-          <a:chExt cx="0" cy="0"/>
-        </a:xfrm>
-      </p:grpSpPr>
-      <p:sp>
-        <p:nvSpPr>
-          <p:cNvPr id="5" name="內容版面配置區 4"/>
-          <p:cNvSpPr>
-            <a:spLocks noGrp="1"/>
-          </p:cNvSpPr>
-          <p:nvPr>
-            <p:ph idx="1"/>
-          </p:nvPr>
-        </p:nvSpPr>
-        <p:spPr>
-          <a:xfrm>
-            <a:off x="0" y="2084851"/>
-            <a:ext cx="12192000" cy="2404863"/>
-          </a:xfrm>
-        </p:spPr>
-        <p:txBody>
-          <a:bodyPr anchor="ctr">
-            <a:normAutofit/>
-          </a:bodyPr>
-          <a:lstStyle/>
-          <a:p>
-            <a:pPr algn="ctr">
-              <a:buNone/>
-            </a:pPr>
-            <a:r>
-              <a:rPr lang="zh-TW" altLang="en-US" sz="6400" b="1" dirty="0">
-                <a:solidFill>
-                  <a:srgbClr val="660033"/>
-                </a:solidFill>
-                <a:latin typeface="微軟正黑體" pitchFamily="34" charset="-120"/>
-                <a:ea typeface="微軟正黑體" pitchFamily="34" charset="-120"/>
-              </a:rPr>
-              <a:t>等到工夫完畢</a:t>
-            </a:r>
-            <a:endParaRPr lang="en-US" altLang="zh-TW" sz="6400" b="1" dirty="0">
-              <a:solidFill>
-                <a:srgbClr val="660033"/>
-              </a:solidFill>
-              <a:latin typeface="微軟正黑體" pitchFamily="34" charset="-120"/>
-              <a:ea typeface="微軟正黑體" pitchFamily="34" charset="-120"/>
-            </a:endParaRPr>
-          </a:p>
-          <a:p>
-            <a:pPr algn="ctr">
-              <a:buNone/>
-            </a:pPr>
-            <a:r>
-              <a:rPr lang="zh-TW" altLang="en-US" sz="6400" b="1" dirty="0">
-                <a:solidFill>
-                  <a:srgbClr val="660033"/>
-                </a:solidFill>
-                <a:latin typeface="微軟正黑體" pitchFamily="34" charset="-120"/>
-                <a:ea typeface="微軟正黑體" pitchFamily="34" charset="-120"/>
-              </a:rPr>
-              <a:t>便有冠冕給你</a:t>
-            </a:r>
-            <a:endParaRPr lang="en-US" altLang="zh-TW" sz="6400" b="1" dirty="0">
-              <a:solidFill>
-                <a:srgbClr val="660033"/>
-              </a:solidFill>
-              <a:latin typeface="微軟正黑體" pitchFamily="34" charset="-120"/>
-              <a:ea typeface="微軟正黑體" pitchFamily="34" charset="-120"/>
-            </a:endParaRPr>
-          </a:p>
-        </p:txBody>
-      </p:sp>
-      <p:sp>
-        <p:nvSpPr>
-          <p:cNvPr id="3" name="TextBox 2"/>
-          <p:cNvSpPr txBox="1"/>
-          <p:nvPr/>
-        </p:nvSpPr>
-        <p:spPr>
-          <a:xfrm>
-            <a:off x="911424" y="2194526"/>
-            <a:ext cx="1248139" cy="1200329"/>
-          </a:xfrm>
-          <a:prstGeom prst="rect">
-            <a:avLst/>
-          </a:prstGeom>
-          <a:noFill/>
-        </p:spPr>
-        <p:txBody>
-          <a:bodyPr wrap="square" rtlCol="0">
-            <a:spAutoFit/>
-          </a:bodyPr>
-          <a:lstStyle/>
-          <a:p>
-            <a:r>
-              <a:rPr lang="en-US" sz="7200" b="1" dirty="0">
-                <a:solidFill>
-                  <a:srgbClr val="660033"/>
-                </a:solidFill>
-              </a:rPr>
-              <a:t>3.</a:t>
-            </a:r>
-            <a:endParaRPr lang="vi-VN" sz="7200" b="1" dirty="0">
-              <a:solidFill>
-                <a:srgbClr val="660033"/>
-              </a:solidFill>
-            </a:endParaRPr>
-          </a:p>
-        </p:txBody>
-      </p:sp>
-    </p:spTree>
-    <p:extLst>
-      <p:ext uri="{BB962C8B-B14F-4D97-AF65-F5344CB8AC3E}">
-        <p14:creationId xmlns:p14="http://schemas.microsoft.com/office/powerpoint/2010/main" val="2623767369"/>
-      </p:ext>
-    </p:extLst>
-  </p:cSld>
-  <p:clrMapOvr>
-    <a:masterClrMapping/>
-  </p:clrMapOvr>
-  <p:timing>
-    <p:tnLst>
-      <p:par>
-        <p:cTn id="1" dur="indefinite" restart="never" nodeType="tmRoot"/>
-      </p:par>
-    </p:tnLst>
-  </p:timing>
-</p:sld>
-</file>
-
-<file path=ppt/slides/slide16.xml><?xml version="1.0" encoding="utf-8"?>
-<p:sld xmlns:a="http://schemas.openxmlformats.org/drawingml/2006/main" xmlns:r="http://schemas.openxmlformats.org/officeDocument/2006/relationships" xmlns:p="http://schemas.openxmlformats.org/presentationml/2006/main">
-  <p:cSld>
-    <p:spTree>
-      <p:nvGrpSpPr>
-        <p:cNvPr id="1" name=""/>
-        <p:cNvGrpSpPr/>
-        <p:nvPr/>
-      </p:nvGrpSpPr>
-      <p:grpSpPr>
-        <a:xfrm>
-          <a:off x="0" y="0"/>
-          <a:ext cx="0" cy="0"/>
-          <a:chOff x="0" y="0"/>
-          <a:chExt cx="0" cy="0"/>
-        </a:xfrm>
-      </p:grpSpPr>
-      <p:sp>
-        <p:nvSpPr>
-          <p:cNvPr id="5" name="內容版面配置區 4"/>
-          <p:cNvSpPr>
-            <a:spLocks noGrp="1"/>
-          </p:cNvSpPr>
-          <p:nvPr>
-            <p:ph idx="1"/>
-          </p:nvPr>
-        </p:nvSpPr>
-        <p:spPr>
-          <a:xfrm>
-            <a:off x="0" y="2084851"/>
-            <a:ext cx="12192000" cy="2404863"/>
-          </a:xfrm>
-        </p:spPr>
-        <p:txBody>
-          <a:bodyPr anchor="ctr">
-            <a:normAutofit/>
-          </a:bodyPr>
-          <a:lstStyle/>
-          <a:p>
-            <a:pPr algn="ctr">
-              <a:buNone/>
-            </a:pPr>
-            <a:r>
-              <a:rPr lang="zh-TW" altLang="en-US" sz="6400" b="1" dirty="0">
-                <a:solidFill>
-                  <a:srgbClr val="660033"/>
-                </a:solidFill>
-                <a:latin typeface="微軟正黑體" pitchFamily="34" charset="-120"/>
-                <a:ea typeface="微軟正黑體" pitchFamily="34" charset="-120"/>
-              </a:rPr>
-              <a:t>若能忍耐到底</a:t>
-            </a:r>
-            <a:endParaRPr lang="en-US" altLang="zh-TW" sz="6400" b="1" dirty="0">
-              <a:solidFill>
-                <a:srgbClr val="660033"/>
-              </a:solidFill>
-              <a:latin typeface="微軟正黑體" pitchFamily="34" charset="-120"/>
-              <a:ea typeface="微軟正黑體" pitchFamily="34" charset="-120"/>
-            </a:endParaRPr>
-          </a:p>
-          <a:p>
-            <a:pPr algn="ctr">
-              <a:buNone/>
-            </a:pPr>
-            <a:r>
-              <a:rPr lang="zh-TW" altLang="en-US" sz="6400" b="1" dirty="0">
-                <a:solidFill>
-                  <a:srgbClr val="660033"/>
-                </a:solidFill>
-                <a:latin typeface="微軟正黑體" pitchFamily="34" charset="-120"/>
-                <a:ea typeface="微軟正黑體" pitchFamily="34" charset="-120"/>
-              </a:rPr>
-              <a:t>必入天堂安息</a:t>
-            </a:r>
-            <a:endParaRPr lang="en-US" altLang="zh-TW" sz="6400" b="1" dirty="0">
-              <a:solidFill>
-                <a:srgbClr val="660033"/>
-              </a:solidFill>
-              <a:latin typeface="微軟正黑體" pitchFamily="34" charset="-120"/>
-              <a:ea typeface="微軟正黑體" pitchFamily="34" charset="-120"/>
-            </a:endParaRPr>
-          </a:p>
-        </p:txBody>
-      </p:sp>
-      <p:sp>
-        <p:nvSpPr>
-          <p:cNvPr id="3" name="TextBox 2"/>
-          <p:cNvSpPr txBox="1"/>
-          <p:nvPr/>
-        </p:nvSpPr>
-        <p:spPr>
-          <a:xfrm>
-            <a:off x="911424" y="2194526"/>
-            <a:ext cx="1248139" cy="1200329"/>
-          </a:xfrm>
-          <a:prstGeom prst="rect">
-            <a:avLst/>
-          </a:prstGeom>
-          <a:noFill/>
-        </p:spPr>
-        <p:txBody>
-          <a:bodyPr wrap="square" rtlCol="0">
-            <a:spAutoFit/>
-          </a:bodyPr>
-          <a:lstStyle/>
-          <a:p>
-            <a:r>
-              <a:rPr lang="en-US" sz="7200" b="1" dirty="0">
-                <a:solidFill>
-                  <a:srgbClr val="660033"/>
-                </a:solidFill>
-              </a:rPr>
-              <a:t>3.</a:t>
-            </a:r>
-            <a:endParaRPr lang="vi-VN" sz="7200" b="1" dirty="0">
-              <a:solidFill>
-                <a:srgbClr val="660033"/>
-              </a:solidFill>
-            </a:endParaRPr>
-          </a:p>
-        </p:txBody>
-      </p:sp>
-    </p:spTree>
-    <p:extLst>
-      <p:ext uri="{BB962C8B-B14F-4D97-AF65-F5344CB8AC3E}">
-        <p14:creationId xmlns:p14="http://schemas.microsoft.com/office/powerpoint/2010/main" val="2930560854"/>
-      </p:ext>
-    </p:extLst>
-  </p:cSld>
-  <p:clrMapOvr>
-    <a:masterClrMapping/>
-  </p:clrMapOvr>
-  <p:timing>
-    <p:tnLst>
-      <p:par>
-        <p:cTn id="1" dur="indefinite" restart="never" nodeType="tmRoot"/>
-      </p:par>
-    </p:tnLst>
-  </p:timing>
-</p:sld>
-</file>
-
-<file path=ppt/slides/slide17.xml><?xml version="1.0" encoding="utf-8"?>
-<p:sld xmlns:a="http://schemas.openxmlformats.org/drawingml/2006/main" xmlns:r="http://schemas.openxmlformats.org/officeDocument/2006/relationships" xmlns:p="http://schemas.openxmlformats.org/presentationml/2006/main">
-  <p:cSld>
-    <p:spTree>
-      <p:nvGrpSpPr>
-        <p:cNvPr id="1" name=""/>
-        <p:cNvGrpSpPr/>
-        <p:nvPr/>
-      </p:nvGrpSpPr>
-      <p:grpSpPr>
-        <a:xfrm>
-          <a:off x="0" y="0"/>
-          <a:ext cx="0" cy="0"/>
-          <a:chOff x="0" y="0"/>
-          <a:chExt cx="0" cy="0"/>
-        </a:xfrm>
-      </p:grpSpPr>
-      <p:sp>
-        <p:nvSpPr>
-          <p:cNvPr id="5" name="內容版面配置區 4"/>
-          <p:cNvSpPr>
-            <a:spLocks noGrp="1"/>
-          </p:cNvSpPr>
-          <p:nvPr>
-            <p:ph idx="1"/>
-          </p:nvPr>
-        </p:nvSpPr>
-        <p:spPr>
-          <a:xfrm>
-            <a:off x="0" y="2084851"/>
-            <a:ext cx="12192000" cy="2404863"/>
-          </a:xfrm>
-        </p:spPr>
-        <p:txBody>
-          <a:bodyPr anchor="ctr">
-            <a:normAutofit/>
-          </a:bodyPr>
-          <a:lstStyle/>
-          <a:p>
-            <a:pPr algn="ctr">
-              <a:buNone/>
-            </a:pPr>
-            <a:r>
-              <a:rPr lang="zh-TW" altLang="en-US" sz="6400" b="1" dirty="0">
-                <a:solidFill>
-                  <a:srgbClr val="660033"/>
-                </a:solidFill>
-                <a:latin typeface="微軟正黑體" pitchFamily="34" charset="-120"/>
-                <a:ea typeface="微軟正黑體" pitchFamily="34" charset="-120"/>
-              </a:rPr>
-              <a:t>同眾門徒歌唱</a:t>
-            </a:r>
-            <a:endParaRPr lang="en-US" altLang="zh-TW" sz="6400" b="1" dirty="0">
-              <a:solidFill>
-                <a:srgbClr val="660033"/>
-              </a:solidFill>
-              <a:latin typeface="微軟正黑體" pitchFamily="34" charset="-120"/>
-              <a:ea typeface="微軟正黑體" pitchFamily="34" charset="-120"/>
-            </a:endParaRPr>
-          </a:p>
-          <a:p>
-            <a:pPr algn="ctr">
-              <a:buNone/>
-            </a:pPr>
-            <a:r>
-              <a:rPr lang="zh-TW" altLang="en-US" sz="6400" b="1" dirty="0">
-                <a:solidFill>
-                  <a:srgbClr val="660033"/>
-                </a:solidFill>
-                <a:latin typeface="微軟正黑體" pitchFamily="34" charset="-120"/>
-                <a:ea typeface="微軟正黑體" pitchFamily="34" charset="-120"/>
-              </a:rPr>
-              <a:t>頌主恩惠不已</a:t>
-            </a:r>
-            <a:endParaRPr lang="en-US" altLang="zh-TW" sz="6400" b="1" dirty="0">
-              <a:solidFill>
-                <a:srgbClr val="660033"/>
-              </a:solidFill>
-              <a:latin typeface="微軟正黑體" pitchFamily="34" charset="-120"/>
-              <a:ea typeface="微軟正黑體" pitchFamily="34" charset="-120"/>
-            </a:endParaRPr>
-          </a:p>
-        </p:txBody>
-      </p:sp>
-      <p:sp>
-        <p:nvSpPr>
-          <p:cNvPr id="3" name="TextBox 2"/>
-          <p:cNvSpPr txBox="1"/>
-          <p:nvPr/>
-        </p:nvSpPr>
-        <p:spPr>
-          <a:xfrm>
-            <a:off x="911424" y="2194526"/>
-            <a:ext cx="1248139" cy="1200329"/>
-          </a:xfrm>
-          <a:prstGeom prst="rect">
-            <a:avLst/>
-          </a:prstGeom>
-          <a:noFill/>
-        </p:spPr>
-        <p:txBody>
-          <a:bodyPr wrap="square" rtlCol="0">
-            <a:spAutoFit/>
-          </a:bodyPr>
-          <a:lstStyle/>
-          <a:p>
-            <a:r>
-              <a:rPr lang="en-US" sz="7200" b="1" dirty="0">
-                <a:solidFill>
-                  <a:srgbClr val="660033"/>
-                </a:solidFill>
-              </a:rPr>
-              <a:t>3.</a:t>
-            </a:r>
-            <a:endParaRPr lang="vi-VN" sz="7200" b="1" dirty="0">
-              <a:solidFill>
-                <a:srgbClr val="660033"/>
-              </a:solidFill>
-            </a:endParaRPr>
-          </a:p>
-        </p:txBody>
-      </p:sp>
-    </p:spTree>
-    <p:extLst>
-      <p:ext uri="{BB962C8B-B14F-4D97-AF65-F5344CB8AC3E}">
-        <p14:creationId xmlns:p14="http://schemas.microsoft.com/office/powerpoint/2010/main" val="3056719703"/>
-      </p:ext>
-    </p:extLst>
-  </p:cSld>
-  <p:clrMapOvr>
-    <a:masterClrMapping/>
-  </p:clrMapOvr>
-  <p:timing>
-    <p:tnLst>
-      <p:par>
-        <p:cTn id="1" dur="indefinite" restart="never" nodeType="tmRoot"/>
-      </p:par>
-    </p:tnLst>
-  </p:timing>
-</p:sld>
-</file>
-
-<file path=ppt/slides/slide18.xml><?xml version="1.0" encoding="utf-8"?>
-<p:sld xmlns:a="http://schemas.openxmlformats.org/drawingml/2006/main" xmlns:r="http://schemas.openxmlformats.org/officeDocument/2006/relationships" xmlns:p="http://schemas.openxmlformats.org/presentationml/2006/main">
-  <p:cSld>
-    <p:spTree>
-      <p:nvGrpSpPr>
-        <p:cNvPr id="1" name=""/>
-        <p:cNvGrpSpPr/>
-        <p:nvPr/>
-      </p:nvGrpSpPr>
-      <p:grpSpPr>
-        <a:xfrm>
-          <a:off x="0" y="0"/>
-          <a:ext cx="0" cy="0"/>
-          <a:chOff x="0" y="0"/>
-          <a:chExt cx="0" cy="0"/>
-        </a:xfrm>
-      </p:grpSpPr>
-      <p:sp>
-        <p:nvSpPr>
-          <p:cNvPr id="5" name="內容版面配置區 4"/>
-          <p:cNvSpPr>
-            <a:spLocks noGrp="1"/>
-          </p:cNvSpPr>
-          <p:nvPr>
-            <p:ph idx="1"/>
-          </p:nvPr>
-        </p:nvSpPr>
-        <p:spPr>
-          <a:xfrm>
-            <a:off x="0" y="2084851"/>
-            <a:ext cx="12192000" cy="2404863"/>
-          </a:xfrm>
-        </p:spPr>
-        <p:txBody>
-          <a:bodyPr anchor="ctr">
-            <a:normAutofit/>
-          </a:bodyPr>
-          <a:lstStyle/>
-          <a:p>
-            <a:pPr algn="ctr">
-              <a:buNone/>
-            </a:pPr>
-            <a:r>
-              <a:rPr lang="zh-TW" altLang="en-US" sz="6400" b="1" dirty="0">
-                <a:solidFill>
-                  <a:srgbClr val="660033"/>
-                </a:solidFill>
-                <a:latin typeface="微軟正黑體" pitchFamily="34" charset="-120"/>
-                <a:ea typeface="微軟正黑體" pitchFamily="34" charset="-120"/>
-              </a:rPr>
-              <a:t>當勤勞  當勤勞</a:t>
-            </a:r>
-            <a:endParaRPr lang="en-US" altLang="zh-TW" sz="6400" b="1" dirty="0">
-              <a:solidFill>
-                <a:srgbClr val="660033"/>
-              </a:solidFill>
-              <a:latin typeface="微軟正黑體" pitchFamily="34" charset="-120"/>
-              <a:ea typeface="微軟正黑體" pitchFamily="34" charset="-120"/>
-            </a:endParaRPr>
-          </a:p>
-          <a:p>
-            <a:pPr algn="ctr">
-              <a:buNone/>
-            </a:pPr>
-            <a:r>
-              <a:rPr lang="zh-TW" altLang="en-US" sz="6400" b="1" dirty="0">
-                <a:solidFill>
-                  <a:srgbClr val="660033"/>
-                </a:solidFill>
-                <a:latin typeface="微軟正黑體" pitchFamily="34" charset="-120"/>
-                <a:ea typeface="微軟正黑體" pitchFamily="34" charset="-120"/>
-              </a:rPr>
-              <a:t>當勤勞  當勤勞</a:t>
-            </a:r>
-            <a:endParaRPr lang="en-US" altLang="zh-TW" sz="6400" b="1" dirty="0">
-              <a:solidFill>
-                <a:srgbClr val="660033"/>
-              </a:solidFill>
-              <a:latin typeface="微軟正黑體" pitchFamily="34" charset="-120"/>
-              <a:ea typeface="微軟正黑體" pitchFamily="34" charset="-120"/>
-            </a:endParaRPr>
-          </a:p>
-        </p:txBody>
-      </p:sp>
-    </p:spTree>
-    <p:extLst>
-      <p:ext uri="{BB962C8B-B14F-4D97-AF65-F5344CB8AC3E}">
-        <p14:creationId xmlns:p14="http://schemas.microsoft.com/office/powerpoint/2010/main" val="3051934836"/>
-      </p:ext>
-    </p:extLst>
-  </p:cSld>
-  <p:clrMapOvr>
-    <a:masterClrMapping/>
-  </p:clrMapOvr>
-  <p:timing>
-    <p:tnLst>
-      <p:par>
-        <p:cTn id="1" dur="indefinite" restart="never" nodeType="tmRoot"/>
-      </p:par>
-    </p:tnLst>
-  </p:timing>
-</p:sld>
-</file>
-
-<file path=ppt/slides/slide19.xml><?xml version="1.0" encoding="utf-8"?>
 <p:sld xmlns:a="http://schemas.openxmlformats.org/drawingml/2006/main" xmlns:r="http://schemas.openxmlformats.org/officeDocument/2006/relationships" xmlns:p="http://schemas.openxmlformats.org/presentationml/2006/main">
   <p:cSld>
     <p:spTree>
@@ -4525,7 +4015,159 @@
                 <a:latin typeface="微軟正黑體" pitchFamily="34" charset="-120"/>
                 <a:ea typeface="微軟正黑體" pitchFamily="34" charset="-120"/>
               </a:rPr>
-              <a:t>來作工  來作工</a:t>
+              <a:t>來作工  </a:t>
+            </a:r>
+            <a:r>
+              <a:rPr lang="zh-TW" altLang="en-US" sz="6400" b="1" dirty="0" smtClean="0">
+                <a:solidFill>
+                  <a:srgbClr val="660033"/>
+                </a:solidFill>
+                <a:latin typeface="微軟正黑體" pitchFamily="34" charset="-120"/>
+                <a:ea typeface="微軟正黑體" pitchFamily="34" charset="-120"/>
+              </a:rPr>
+              <a:t> 來</a:t>
+            </a:r>
+            <a:r>
+              <a:rPr lang="zh-TW" altLang="en-US" sz="6400" b="1" dirty="0">
+                <a:solidFill>
+                  <a:srgbClr val="660033"/>
+                </a:solidFill>
+                <a:latin typeface="微軟正黑體" pitchFamily="34" charset="-120"/>
+                <a:ea typeface="微軟正黑體" pitchFamily="34" charset="-120"/>
+              </a:rPr>
+              <a:t>作</a:t>
+            </a:r>
+            <a:r>
+              <a:rPr lang="zh-TW" altLang="en-US" sz="6400" b="1" dirty="0" smtClean="0">
+                <a:solidFill>
+                  <a:srgbClr val="660033"/>
+                </a:solidFill>
+                <a:latin typeface="微軟正黑體" pitchFamily="34" charset="-120"/>
+                <a:ea typeface="微軟正黑體" pitchFamily="34" charset="-120"/>
+              </a:rPr>
+              <a:t>工</a:t>
+            </a:r>
+            <a:r>
+              <a:rPr lang="en-US" altLang="zh-TW" sz="6400" b="1" dirty="0">
+                <a:solidFill>
+                  <a:srgbClr val="660033"/>
+                </a:solidFill>
+                <a:latin typeface="微軟正黑體" pitchFamily="34" charset="-120"/>
+                <a:ea typeface="微軟正黑體" pitchFamily="34" charset="-120"/>
+              </a:rPr>
+              <a:t> </a:t>
+            </a:r>
+            <a:r>
+              <a:rPr lang="en-US" altLang="zh-TW" sz="6400" b="1" dirty="0" smtClean="0">
+                <a:solidFill>
+                  <a:srgbClr val="660033"/>
+                </a:solidFill>
+                <a:latin typeface="微軟正黑體" pitchFamily="34" charset="-120"/>
+                <a:ea typeface="微軟正黑體" pitchFamily="34" charset="-120"/>
+              </a:rPr>
+              <a:t>  </a:t>
+            </a:r>
+            <a:r>
+              <a:rPr lang="zh-TW" altLang="en-US" sz="6400" b="1" dirty="0" smtClean="0">
+                <a:solidFill>
+                  <a:srgbClr val="660033"/>
+                </a:solidFill>
+                <a:latin typeface="微軟正黑體" pitchFamily="34" charset="-120"/>
+                <a:ea typeface="微軟正黑體" pitchFamily="34" charset="-120"/>
+              </a:rPr>
+              <a:t>來</a:t>
+            </a:r>
+            <a:r>
+              <a:rPr lang="zh-TW" altLang="en-US" sz="6400" b="1" dirty="0">
+                <a:solidFill>
+                  <a:srgbClr val="660033"/>
+                </a:solidFill>
+                <a:latin typeface="微軟正黑體" pitchFamily="34" charset="-120"/>
+                <a:ea typeface="微軟正黑體" pitchFamily="34" charset="-120"/>
+              </a:rPr>
+              <a:t>作主忠信</a:t>
+            </a:r>
+            <a:r>
+              <a:rPr lang="zh-TW" altLang="en-US" sz="6400" b="1" dirty="0" smtClean="0">
+                <a:solidFill>
+                  <a:srgbClr val="660033"/>
+                </a:solidFill>
+                <a:latin typeface="微軟正黑體" pitchFamily="34" charset="-120"/>
+                <a:ea typeface="微軟正黑體" pitchFamily="34" charset="-120"/>
+              </a:rPr>
+              <a:t>僕</a:t>
+            </a:r>
+            <a:endParaRPr lang="en-US" altLang="zh-TW" sz="6400" b="1" dirty="0" smtClean="0">
+              <a:solidFill>
+                <a:srgbClr val="660033"/>
+              </a:solidFill>
+              <a:latin typeface="微軟正黑體" pitchFamily="34" charset="-120"/>
+              <a:ea typeface="微軟正黑體" pitchFamily="34" charset="-120"/>
+            </a:endParaRPr>
+          </a:p>
+          <a:p>
+            <a:pPr algn="ctr">
+              <a:buNone/>
+            </a:pPr>
+            <a:r>
+              <a:rPr lang="zh-TW" altLang="en-US" sz="6400" b="1" dirty="0">
+                <a:solidFill>
+                  <a:srgbClr val="660033"/>
+                </a:solidFill>
+                <a:latin typeface="微軟正黑體" pitchFamily="34" charset="-120"/>
+                <a:ea typeface="微軟正黑體" pitchFamily="34" charset="-120"/>
+              </a:rPr>
+              <a:t>總要大家發</a:t>
+            </a:r>
+            <a:r>
+              <a:rPr lang="zh-TW" altLang="en-US" sz="6400" b="1" dirty="0" smtClean="0">
+                <a:solidFill>
+                  <a:srgbClr val="660033"/>
+                </a:solidFill>
+                <a:latin typeface="微軟正黑體" pitchFamily="34" charset="-120"/>
+                <a:ea typeface="微軟正黑體" pitchFamily="34" charset="-120"/>
+              </a:rPr>
+              <a:t>憤</a:t>
+            </a:r>
+            <a:r>
+              <a:rPr lang="en-US" altLang="zh-TW" sz="6400" b="1" dirty="0" smtClean="0">
+                <a:solidFill>
+                  <a:srgbClr val="660033"/>
+                </a:solidFill>
+                <a:latin typeface="微軟正黑體" pitchFamily="34" charset="-120"/>
+                <a:ea typeface="微軟正黑體" pitchFamily="34" charset="-120"/>
+              </a:rPr>
+              <a:t>   </a:t>
+            </a:r>
+            <a:r>
+              <a:rPr lang="zh-TW" altLang="en-US" sz="6400" b="1" dirty="0" smtClean="0">
+                <a:solidFill>
+                  <a:srgbClr val="660033"/>
+                </a:solidFill>
+                <a:latin typeface="微軟正黑體" pitchFamily="34" charset="-120"/>
+                <a:ea typeface="微軟正黑體" pitchFamily="34" charset="-120"/>
+              </a:rPr>
+              <a:t>同</a:t>
+            </a:r>
+            <a:r>
+              <a:rPr lang="zh-TW" altLang="en-US" sz="6400" b="1" dirty="0">
+                <a:solidFill>
+                  <a:srgbClr val="660033"/>
+                </a:solidFill>
+                <a:latin typeface="微軟正黑體" pitchFamily="34" charset="-120"/>
+                <a:ea typeface="微軟正黑體" pitchFamily="34" charset="-120"/>
+              </a:rPr>
+              <a:t>來從主腳</a:t>
+            </a:r>
+            <a:r>
+              <a:rPr lang="zh-TW" altLang="en-US" sz="6400" b="1" dirty="0" smtClean="0">
+                <a:solidFill>
+                  <a:srgbClr val="660033"/>
+                </a:solidFill>
+                <a:latin typeface="微軟正黑體" pitchFamily="34" charset="-120"/>
+                <a:ea typeface="微軟正黑體" pitchFamily="34" charset="-120"/>
+              </a:rPr>
+              <a:t>步</a:t>
             </a:r>
             <a:endParaRPr lang="en-US" altLang="zh-TW" sz="6400" b="1" dirty="0">
               <a:solidFill>
@@ -4535,40 +4177,18 @@
               <a:ea typeface="微軟正黑體" pitchFamily="34" charset="-120"/>
             </a:endParaRPr>
           </a:p>
-          <a:p>
-            <a:pPr algn="ctr">
-              <a:buNone/>
-            </a:pPr>
-            <a:r>
-              <a:rPr lang="zh-TW" altLang="en-US" sz="6400" b="1" dirty="0">
-                <a:solidFill>
-                  <a:srgbClr val="660033"/>
-                </a:solidFill>
-                <a:latin typeface="微軟正黑體" pitchFamily="34" charset="-120"/>
-                <a:ea typeface="微軟正黑體" pitchFamily="34" charset="-120"/>
-              </a:rPr>
-              <a:t>來作主忠信僕</a:t>
-            </a:r>
-            <a:endParaRPr lang="en-US" altLang="zh-TW" sz="6400" b="1" dirty="0">
-              <a:solidFill>
-                <a:srgbClr val="660033"/>
-              </a:solidFill>
-              <a:latin typeface="Microsoft JhengHei" panose="020B0604030504040204" pitchFamily="34" charset="-120"/>
-              <a:ea typeface="Microsoft JhengHei" panose="020B0604030504040204" pitchFamily="34" charset="-120"/>
-            </a:endParaRPr>
-          </a:p>
-        </p:txBody>
-      </p:sp>
-      <p:sp>
-        <p:nvSpPr>
-          <p:cNvPr id="3" name="TextBox 2"/>
+        </p:txBody>
+      </p:sp>
+      <p:sp>
+        <p:nvSpPr>
+          <p:cNvPr id="4" name="TextBox 3"/>
           <p:cNvSpPr txBox="1"/>
           <p:nvPr/>
         </p:nvSpPr>
         <p:spPr>
           <a:xfrm>
-            <a:off x="911424" y="2194526"/>
-            <a:ext cx="1248139" cy="1200329"/>
+            <a:off x="-11404" y="5229200"/>
+            <a:ext cx="12202941" cy="830997"/>
           </a:xfrm>
           <a:prstGeom prst="rect">
             <a:avLst/>
@@ -4576,23 +4196,26 @@
           <a:noFill/>
         </p:spPr>
         <p:txBody>
-          <a:bodyPr wrap="square" rtlCol="0">
+          <a:bodyPr wrap="square" rtlCol="0" anchor="ctr">
             <a:spAutoFit/>
           </a:bodyPr>
           <a:lstStyle/>
           <a:p>
-            <a:r>
-              <a:rPr lang="en-US" sz="7200" b="1" dirty="0">
-                <a:solidFill>
-                  <a:srgbClr val="660033"/>
-                </a:solidFill>
-              </a:rPr>
-              <a:t>1.</a:t>
-            </a:r>
-            <a:endParaRPr lang="vi-VN" sz="7200" b="1" dirty="0">
+            <a:pPr algn="ctr"/>
+            <a:r>
+              <a:rPr lang="en-US" sz="4800" b="1" dirty="0" smtClean="0">
+                <a:solidFill>
+                  <a:srgbClr val="660033"/>
+                </a:solidFill>
+                <a:effectLst/>
+              </a:rPr>
+              <a:t>( 1 )</a:t>
+            </a:r>
+            <a:endParaRPr lang="vi-VN" sz="4800" b="1" dirty="0">
               <a:solidFill>
                 <a:srgbClr val="660033"/>
               </a:solidFill>
+              <a:effectLst/>
             </a:endParaRPr>
           </a:p>
         </p:txBody>
@@ -4667,7 +4290,139 @@
                 <a:latin typeface="微軟正黑體" pitchFamily="34" charset="-120"/>
                 <a:ea typeface="微軟正黑體" pitchFamily="34" charset="-120"/>
               </a:rPr>
-              <a:t>總要大家發憤</a:t>
+              <a:t>既有救主指</a:t>
+            </a:r>
+            <a:r>
+              <a:rPr lang="zh-TW" altLang="en-US" sz="6400" b="1" dirty="0" smtClean="0">
+                <a:solidFill>
+                  <a:srgbClr val="660033"/>
+                </a:solidFill>
+                <a:latin typeface="微軟正黑體" pitchFamily="34" charset="-120"/>
+                <a:ea typeface="微軟正黑體" pitchFamily="34" charset="-120"/>
+              </a:rPr>
+              <a:t>點</a:t>
+            </a:r>
+            <a:r>
+              <a:rPr lang="en-US" altLang="zh-TW" sz="6400" b="1" dirty="0">
+                <a:solidFill>
+                  <a:srgbClr val="660033"/>
+                </a:solidFill>
+                <a:latin typeface="微軟正黑體" pitchFamily="34" charset="-120"/>
+                <a:ea typeface="微軟正黑體" pitchFamily="34" charset="-120"/>
+              </a:rPr>
+              <a:t> </a:t>
+            </a:r>
+            <a:r>
+              <a:rPr lang="en-US" altLang="zh-TW" sz="6400" b="1" dirty="0" smtClean="0">
+                <a:solidFill>
+                  <a:srgbClr val="660033"/>
+                </a:solidFill>
+                <a:latin typeface="微軟正黑體" pitchFamily="34" charset="-120"/>
+                <a:ea typeface="微軟正黑體" pitchFamily="34" charset="-120"/>
+              </a:rPr>
+              <a:t>  </a:t>
+            </a:r>
+            <a:r>
+              <a:rPr lang="zh-TW" altLang="en-US" sz="6400" b="1" dirty="0" smtClean="0">
+                <a:solidFill>
+                  <a:srgbClr val="660033"/>
+                </a:solidFill>
+                <a:latin typeface="微軟正黑體" pitchFamily="34" charset="-120"/>
+                <a:ea typeface="微軟正黑體" pitchFamily="34" charset="-120"/>
+              </a:rPr>
+              <a:t>莫</a:t>
+            </a:r>
+            <a:r>
+              <a:rPr lang="zh-TW" altLang="en-US" sz="6400" b="1" dirty="0">
+                <a:solidFill>
+                  <a:srgbClr val="660033"/>
+                </a:solidFill>
+                <a:latin typeface="微軟正黑體" pitchFamily="34" charset="-120"/>
+                <a:ea typeface="微軟正黑體" pitchFamily="34" charset="-120"/>
+              </a:rPr>
+              <a:t>說力量不</a:t>
+            </a:r>
+            <a:r>
+              <a:rPr lang="zh-TW" altLang="en-US" sz="6400" b="1" dirty="0" smtClean="0">
+                <a:solidFill>
+                  <a:srgbClr val="660033"/>
+                </a:solidFill>
+                <a:latin typeface="微軟正黑體" pitchFamily="34" charset="-120"/>
+                <a:ea typeface="微軟正黑體" pitchFamily="34" charset="-120"/>
+              </a:rPr>
+              <a:t>足</a:t>
+            </a:r>
+            <a:endParaRPr lang="en-US" altLang="zh-TW" sz="6400" b="1" dirty="0" smtClean="0">
+              <a:solidFill>
+                <a:srgbClr val="660033"/>
+              </a:solidFill>
+              <a:latin typeface="微軟正黑體" pitchFamily="34" charset="-120"/>
+              <a:ea typeface="微軟正黑體" pitchFamily="34" charset="-120"/>
+            </a:endParaRPr>
+          </a:p>
+          <a:p>
+            <a:pPr algn="ctr">
+              <a:buNone/>
+            </a:pPr>
+            <a:r>
+              <a:rPr lang="zh-TW" altLang="en-US" sz="6400" b="1" dirty="0">
+                <a:solidFill>
+                  <a:srgbClr val="660033"/>
+                </a:solidFill>
+                <a:latin typeface="微軟正黑體" pitchFamily="34" charset="-120"/>
+                <a:ea typeface="微軟正黑體" pitchFamily="34" charset="-120"/>
+              </a:rPr>
+              <a:t>只要慇勤撒</a:t>
+            </a:r>
+            <a:r>
+              <a:rPr lang="zh-TW" altLang="en-US" sz="6400" b="1" dirty="0" smtClean="0">
+                <a:solidFill>
+                  <a:srgbClr val="660033"/>
+                </a:solidFill>
+                <a:latin typeface="微軟正黑體" pitchFamily="34" charset="-120"/>
+                <a:ea typeface="微軟正黑體" pitchFamily="34" charset="-120"/>
+              </a:rPr>
+              <a:t>種</a:t>
+            </a:r>
+            <a:r>
+              <a:rPr lang="en-US" altLang="zh-TW" sz="6400" b="1" dirty="0" smtClean="0">
+                <a:solidFill>
+                  <a:srgbClr val="660033"/>
+                </a:solidFill>
+                <a:latin typeface="微軟正黑體" pitchFamily="34" charset="-120"/>
+                <a:ea typeface="微軟正黑體" pitchFamily="34" charset="-120"/>
+              </a:rPr>
+              <a:t>   </a:t>
+            </a:r>
+            <a:r>
+              <a:rPr lang="zh-TW" altLang="en-US" sz="6400" b="1" dirty="0" smtClean="0">
+                <a:solidFill>
+                  <a:srgbClr val="660033"/>
+                </a:solidFill>
+                <a:latin typeface="微軟正黑體" pitchFamily="34" charset="-120"/>
+                <a:ea typeface="微軟正黑體" pitchFamily="34" charset="-120"/>
+              </a:rPr>
+              <a:t>必</a:t>
+            </a:r>
+            <a:r>
+              <a:rPr lang="zh-TW" altLang="en-US" sz="6400" b="1" dirty="0">
+                <a:solidFill>
+                  <a:srgbClr val="660033"/>
+                </a:solidFill>
+                <a:latin typeface="微軟正黑體" pitchFamily="34" charset="-120"/>
+                <a:ea typeface="微軟正黑體" pitchFamily="34" charset="-120"/>
+              </a:rPr>
+              <a:t>要茂盛成</a:t>
+            </a:r>
+            <a:r>
+              <a:rPr lang="zh-TW" altLang="en-US" sz="6400" b="1" dirty="0" smtClean="0">
+                <a:solidFill>
+                  <a:srgbClr val="660033"/>
+                </a:solidFill>
+                <a:latin typeface="微軟正黑體" pitchFamily="34" charset="-120"/>
+                <a:ea typeface="微軟正黑體" pitchFamily="34" charset="-120"/>
+              </a:rPr>
+              <a:t>熟</a:t>
             </a:r>
             <a:endParaRPr lang="en-US" altLang="zh-TW" sz="6400" b="1" dirty="0">
               <a:solidFill>
@@ -4677,40 +4432,18 @@
               <a:ea typeface="微軟正黑體" pitchFamily="34" charset="-120"/>
             </a:endParaRPr>
           </a:p>
-          <a:p>
-            <a:pPr algn="ctr">
-              <a:buNone/>
-            </a:pPr>
-            <a:r>
-              <a:rPr lang="zh-TW" altLang="en-US" sz="6400" b="1" dirty="0">
-                <a:solidFill>
-                  <a:srgbClr val="660033"/>
-                </a:solidFill>
-                <a:latin typeface="微軟正黑體" pitchFamily="34" charset="-120"/>
-                <a:ea typeface="微軟正黑體" pitchFamily="34" charset="-120"/>
-              </a:rPr>
-              <a:t>同來從主腳步</a:t>
-            </a:r>
-            <a:endParaRPr lang="en-US" altLang="zh-TW" sz="6400" b="1" dirty="0">
-              <a:solidFill>
-                <a:srgbClr val="660033"/>
-              </a:solidFill>
-              <a:latin typeface="微軟正黑體" pitchFamily="34" charset="-120"/>
-              <a:ea typeface="微軟正黑體" pitchFamily="34" charset="-120"/>
-            </a:endParaRPr>
-          </a:p>
-        </p:txBody>
-      </p:sp>
-      <p:sp>
-        <p:nvSpPr>
-          <p:cNvPr id="3" name="TextBox 2"/>
+        </p:txBody>
+      </p:sp>
+      <p:sp>
+        <p:nvSpPr>
+          <p:cNvPr id="4" name="TextBox 3"/>
           <p:cNvSpPr txBox="1"/>
           <p:nvPr/>
         </p:nvSpPr>
         <p:spPr>
           <a:xfrm>
-            <a:off x="911424" y="2194526"/>
-            <a:ext cx="1248139" cy="1200329"/>
+            <a:off x="-11404" y="5229200"/>
+            <a:ext cx="12202941" cy="830997"/>
           </a:xfrm>
           <a:prstGeom prst="rect">
             <a:avLst/>
@@ -4718,23 +4451,26 @@
           <a:noFill/>
         </p:spPr>
         <p:txBody>
-          <a:bodyPr wrap="square" rtlCol="0">
+          <a:bodyPr wrap="square" rtlCol="0" anchor="ctr">
             <a:spAutoFit/>
           </a:bodyPr>
           <a:lstStyle/>
           <a:p>
-            <a:r>
-              <a:rPr lang="en-US" sz="7200" b="1" dirty="0">
-                <a:solidFill>
-                  <a:srgbClr val="660033"/>
-                </a:solidFill>
-              </a:rPr>
-              <a:t>1.</a:t>
-            </a:r>
-            <a:endParaRPr lang="vi-VN" sz="7200" b="1" dirty="0">
+            <a:pPr algn="ctr"/>
+            <a:r>
+              <a:rPr lang="en-US" sz="4800" b="1" dirty="0" smtClean="0">
+                <a:solidFill>
+                  <a:srgbClr val="660033"/>
+                </a:solidFill>
+                <a:effectLst/>
+              </a:rPr>
+              <a:t>( 1 )</a:t>
+            </a:r>
+            <a:endParaRPr lang="vi-VN" sz="4800" b="1" dirty="0">
               <a:solidFill>
                 <a:srgbClr val="660033"/>
               </a:solidFill>
+              <a:effectLst/>
             </a:endParaRPr>
           </a:p>
         </p:txBody>
@@ -4742,7 +4478,7 @@
     </p:spTree>
     <p:extLst>
       <p:ext uri="{BB962C8B-B14F-4D97-AF65-F5344CB8AC3E}">
-        <p14:creationId xmlns:p14="http://schemas.microsoft.com/office/powerpoint/2010/main" val="2289032792"/>
+        <p14:creationId xmlns:p14="http://schemas.microsoft.com/office/powerpoint/2010/main" val="2692396887"/>
       </p:ext>
     </p:extLst>
   </p:cSld>
@@ -4809,7 +4545,7 @@
                 <a:latin typeface="微軟正黑體" pitchFamily="34" charset="-120"/>
                 <a:ea typeface="微軟正黑體" pitchFamily="34" charset="-120"/>
               </a:rPr>
-              <a:t>既有救主指點</a:t>
+              <a:t>當勤勞  當勤勞</a:t>
             </a:r>
             <a:endParaRPr lang="en-US" altLang="zh-TW" sz="6400" b="1" dirty="0">
               <a:solidFill>
@@ -4831,7 +4567,7 @@
                 <a:latin typeface="微軟正黑體" pitchFamily="34" charset="-120"/>
                 <a:ea typeface="微軟正黑體" pitchFamily="34" charset="-120"/>
               </a:rPr>
-              <a:t>莫說力量不足</a:t>
+              <a:t>當勤勞  當勤勞</a:t>
             </a:r>
             <a:endParaRPr lang="en-US" altLang="zh-TW" sz="6400" b="1" dirty="0">
               <a:solidFill>
@@ -4843,48 +4579,10 @@
           </a:p>
         </p:txBody>
       </p:sp>
-      <p:sp>
-        <p:nvSpPr>
-          <p:cNvPr id="3" name="TextBox 2"/>
-          <p:cNvSpPr txBox="1"/>
-          <p:nvPr/>
-        </p:nvSpPr>
-        <p:spPr>
-          <a:xfrm>
-            <a:off x="911424" y="2194526"/>
-            <a:ext cx="1248139" cy="1200329"/>
-          </a:xfrm>
-          <a:prstGeom prst="rect">
-            <a:avLst/>
-          </a:prstGeom>
-          <a:noFill/>
-        </p:spPr>
-        <p:txBody>
-          <a:bodyPr wrap="square" rtlCol="0">
-            <a:spAutoFit/>
-          </a:bodyPr>
-          <a:lstStyle/>
-          <a:p>
-            <a:r>
-              <a:rPr lang="en-US" sz="7200" b="1" dirty="0">
-                <a:solidFill>
-                  <a:srgbClr val="660033"/>
-                </a:solidFill>
-              </a:rPr>
-              <a:t>1.</a:t>
-            </a:r>
-            <a:endParaRPr lang="vi-VN" sz="7200" b="1" dirty="0">
-              <a:solidFill>
-                <a:srgbClr val="660033"/>
-              </a:solidFill>
-            </a:endParaRPr>
-          </a:p>
-        </p:txBody>
-      </p:sp>
     </p:spTree>
     <p:extLst>
       <p:ext uri="{BB962C8B-B14F-4D97-AF65-F5344CB8AC3E}">
-        <p14:creationId xmlns:p14="http://schemas.microsoft.com/office/powerpoint/2010/main" val="2692396887"/>
+        <p14:creationId xmlns:p14="http://schemas.microsoft.com/office/powerpoint/2010/main" val="3065914164"/>
       </p:ext>
     </p:extLst>
   </p:cSld>
@@ -4951,7 +4649,7 @@
                 <a:latin typeface="微軟正黑體" pitchFamily="34" charset="-120"/>
                 <a:ea typeface="微軟正黑體" pitchFamily="34" charset="-120"/>
               </a:rPr>
-              <a:t>只要慇勤撒種</a:t>
+              <a:t>恆忍望  儆醒待</a:t>
             </a:r>
             <a:endParaRPr lang="en-US" altLang="zh-TW" sz="6400" b="1" dirty="0">
               <a:solidFill>
@@ -4973,7 +4671,7 @@
                 <a:latin typeface="微軟正黑體" pitchFamily="34" charset="-120"/>
                 <a:ea typeface="微軟正黑體" pitchFamily="34" charset="-120"/>
               </a:rPr>
-              <a:t>必要茂盛成熟</a:t>
+              <a:t>忠心勤工直到主來</a:t>
             </a:r>
             <a:endParaRPr lang="en-US" altLang="zh-TW" sz="6400" b="1" dirty="0">
               <a:solidFill>
@@ -4985,48 +4683,10 @@
           </a:p>
         </p:txBody>
       </p:sp>
-      <p:sp>
-        <p:nvSpPr>
-          <p:cNvPr id="3" name="TextBox 2"/>
-          <p:cNvSpPr txBox="1"/>
-          <p:nvPr/>
-        </p:nvSpPr>
-        <p:spPr>
-          <a:xfrm>
-            <a:off x="911424" y="2194526"/>
-            <a:ext cx="1248139" cy="1200329"/>
-          </a:xfrm>
-          <a:prstGeom prst="rect">
-            <a:avLst/>
-          </a:prstGeom>
-          <a:noFill/>
-        </p:spPr>
-        <p:txBody>
-          <a:bodyPr wrap="square" rtlCol="0">
-            <a:spAutoFit/>
-          </a:bodyPr>
-          <a:lstStyle/>
-          <a:p>
-            <a:r>
-              <a:rPr lang="en-US" sz="7200" b="1" dirty="0">
-                <a:solidFill>
-                  <a:srgbClr val="660033"/>
-                </a:solidFill>
-              </a:rPr>
-              <a:t>1.</a:t>
-            </a:r>
-            <a:endParaRPr lang="vi-VN" sz="7200" b="1" dirty="0">
-              <a:solidFill>
-                <a:srgbClr val="660033"/>
-              </a:solidFill>
-            </a:endParaRPr>
-          </a:p>
-        </p:txBody>
-      </p:sp>
     </p:spTree>
     <p:extLst>
       <p:ext uri="{BB962C8B-B14F-4D97-AF65-F5344CB8AC3E}">
-        <p14:creationId xmlns:p14="http://schemas.microsoft.com/office/powerpoint/2010/main" val="3026707902"/>
+        <p14:creationId xmlns:p14="http://schemas.microsoft.com/office/powerpoint/2010/main" val="4230535663"/>
       </p:ext>
     </p:extLst>
   </p:cSld>
@@ -5093,7 +4753,159 @@
                 <a:latin typeface="微軟正黑體" pitchFamily="34" charset="-120"/>
                 <a:ea typeface="微軟正黑體" pitchFamily="34" charset="-120"/>
               </a:rPr>
-              <a:t>當勤勞  當勤勞</a:t>
+              <a:t>來作工  </a:t>
+            </a:r>
+            <a:r>
+              <a:rPr lang="zh-TW" altLang="en-US" sz="6400" b="1" dirty="0" smtClean="0">
+                <a:solidFill>
+                  <a:srgbClr val="660033"/>
+                </a:solidFill>
+                <a:latin typeface="微軟正黑體" pitchFamily="34" charset="-120"/>
+                <a:ea typeface="微軟正黑體" pitchFamily="34" charset="-120"/>
+              </a:rPr>
+              <a:t> 來</a:t>
+            </a:r>
+            <a:r>
+              <a:rPr lang="zh-TW" altLang="en-US" sz="6400" b="1" dirty="0">
+                <a:solidFill>
+                  <a:srgbClr val="660033"/>
+                </a:solidFill>
+                <a:latin typeface="微軟正黑體" pitchFamily="34" charset="-120"/>
+                <a:ea typeface="微軟正黑體" pitchFamily="34" charset="-120"/>
+              </a:rPr>
+              <a:t>作</a:t>
+            </a:r>
+            <a:r>
+              <a:rPr lang="zh-TW" altLang="en-US" sz="6400" b="1" dirty="0" smtClean="0">
+                <a:solidFill>
+                  <a:srgbClr val="660033"/>
+                </a:solidFill>
+                <a:latin typeface="微軟正黑體" pitchFamily="34" charset="-120"/>
+                <a:ea typeface="微軟正黑體" pitchFamily="34" charset="-120"/>
+              </a:rPr>
+              <a:t>工</a:t>
+            </a:r>
+            <a:r>
+              <a:rPr lang="en-US" altLang="zh-TW" sz="6400" b="1" dirty="0">
+                <a:solidFill>
+                  <a:srgbClr val="660033"/>
+                </a:solidFill>
+                <a:latin typeface="微軟正黑體" pitchFamily="34" charset="-120"/>
+                <a:ea typeface="微軟正黑體" pitchFamily="34" charset="-120"/>
+              </a:rPr>
+              <a:t> </a:t>
+            </a:r>
+            <a:r>
+              <a:rPr lang="en-US" altLang="zh-TW" sz="6400" b="1" dirty="0" smtClean="0">
+                <a:solidFill>
+                  <a:srgbClr val="660033"/>
+                </a:solidFill>
+                <a:latin typeface="微軟正黑體" pitchFamily="34" charset="-120"/>
+                <a:ea typeface="微軟正黑體" pitchFamily="34" charset="-120"/>
+              </a:rPr>
+              <a:t>  </a:t>
+            </a:r>
+            <a:r>
+              <a:rPr lang="zh-TW" altLang="en-US" sz="6400" b="1" dirty="0" smtClean="0">
+                <a:solidFill>
+                  <a:srgbClr val="660033"/>
+                </a:solidFill>
+                <a:latin typeface="微軟正黑體" pitchFamily="34" charset="-120"/>
+                <a:ea typeface="微軟正黑體" pitchFamily="34" charset="-120"/>
+              </a:rPr>
+              <a:t>望</a:t>
+            </a:r>
+            <a:r>
+              <a:rPr lang="zh-TW" altLang="en-US" sz="6400" b="1" dirty="0">
+                <a:solidFill>
+                  <a:srgbClr val="660033"/>
+                </a:solidFill>
+                <a:latin typeface="微軟正黑體" pitchFamily="34" charset="-120"/>
+                <a:ea typeface="微軟正黑體" pitchFamily="34" charset="-120"/>
+              </a:rPr>
+              <a:t>主國度大</a:t>
+            </a:r>
+            <a:r>
+              <a:rPr lang="zh-TW" altLang="en-US" sz="6400" b="1" dirty="0" smtClean="0">
+                <a:solidFill>
+                  <a:srgbClr val="660033"/>
+                </a:solidFill>
+                <a:latin typeface="微軟正黑體" pitchFamily="34" charset="-120"/>
+                <a:ea typeface="微軟正黑體" pitchFamily="34" charset="-120"/>
+              </a:rPr>
+              <a:t>興</a:t>
+            </a:r>
+            <a:endParaRPr lang="en-US" altLang="zh-TW" sz="6400" b="1" dirty="0" smtClean="0">
+              <a:solidFill>
+                <a:srgbClr val="660033"/>
+              </a:solidFill>
+              <a:latin typeface="微軟正黑體" pitchFamily="34" charset="-120"/>
+              <a:ea typeface="微軟正黑體" pitchFamily="34" charset="-120"/>
+            </a:endParaRPr>
+          </a:p>
+          <a:p>
+            <a:pPr algn="ctr">
+              <a:buNone/>
+            </a:pPr>
+            <a:r>
+              <a:rPr lang="zh-TW" altLang="en-US" sz="6400" b="1" dirty="0">
+                <a:solidFill>
+                  <a:srgbClr val="660033"/>
+                </a:solidFill>
+                <a:latin typeface="微軟正黑體" pitchFamily="34" charset="-120"/>
+                <a:ea typeface="微軟正黑體" pitchFamily="34" charset="-120"/>
+              </a:rPr>
+              <a:t>撒但權柄衰</a:t>
+            </a:r>
+            <a:r>
+              <a:rPr lang="zh-TW" altLang="en-US" sz="6400" b="1" dirty="0" smtClean="0">
+                <a:solidFill>
+                  <a:srgbClr val="660033"/>
+                </a:solidFill>
+                <a:latin typeface="微軟正黑體" pitchFamily="34" charset="-120"/>
+                <a:ea typeface="微軟正黑體" pitchFamily="34" charset="-120"/>
+              </a:rPr>
+              <a:t>敗</a:t>
+            </a:r>
+            <a:r>
+              <a:rPr lang="en-US" altLang="zh-TW" sz="6400" b="1" dirty="0" smtClean="0">
+                <a:solidFill>
+                  <a:srgbClr val="660033"/>
+                </a:solidFill>
+                <a:latin typeface="微軟正黑體" pitchFamily="34" charset="-120"/>
+                <a:ea typeface="微軟正黑體" pitchFamily="34" charset="-120"/>
+              </a:rPr>
+              <a:t>   </a:t>
+            </a:r>
+            <a:r>
+              <a:rPr lang="zh-TW" altLang="en-US" sz="6400" b="1" dirty="0" smtClean="0">
+                <a:solidFill>
+                  <a:srgbClr val="660033"/>
+                </a:solidFill>
+                <a:latin typeface="微軟正黑體" pitchFamily="34" charset="-120"/>
+                <a:ea typeface="微軟正黑體" pitchFamily="34" charset="-120"/>
+              </a:rPr>
+              <a:t>去</a:t>
+            </a:r>
+            <a:r>
+              <a:rPr lang="zh-TW" altLang="en-US" sz="6400" b="1" dirty="0">
+                <a:solidFill>
+                  <a:srgbClr val="660033"/>
+                </a:solidFill>
+                <a:latin typeface="微軟正黑體" pitchFamily="34" charset="-120"/>
+                <a:ea typeface="微軟正黑體" pitchFamily="34" charset="-120"/>
+              </a:rPr>
+              <a:t>我膽戰心</a:t>
+            </a:r>
+            <a:r>
+              <a:rPr lang="zh-TW" altLang="en-US" sz="6400" b="1" dirty="0" smtClean="0">
+                <a:solidFill>
+                  <a:srgbClr val="660033"/>
+                </a:solidFill>
+                <a:latin typeface="微軟正黑體" pitchFamily="34" charset="-120"/>
+                <a:ea typeface="微軟正黑體" pitchFamily="34" charset="-120"/>
+              </a:rPr>
+              <a:t>驚</a:t>
             </a:r>
             <a:endParaRPr lang="en-US" altLang="zh-TW" sz="6400" b="1" dirty="0">
               <a:solidFill>
@@ -5103,26 +4915,63 @@
               <a:ea typeface="微軟正黑體" pitchFamily="34" charset="-120"/>
             </a:endParaRPr>
           </a:p>
-          <a:p>
-            <a:pPr algn="ctr">
-              <a:buNone/>
-            </a:pPr>
-            <a:r>
-              <a:rPr lang="zh-TW" altLang="en-US" sz="6400" b="1" dirty="0">
-                <a:solidFill>
-                  <a:srgbClr val="660033"/>
-                </a:solidFill>
-                <a:latin typeface="微軟正黑體" pitchFamily="34" charset="-120"/>
-                <a:ea typeface="微軟正黑體" pitchFamily="34" charset="-120"/>
-              </a:rPr>
-              <a:t>當勤勞  當勤勞</a:t>
-            </a:r>
-            <a:endParaRPr lang="en-US" altLang="zh-TW" sz="6400" b="1" dirty="0">
+        </p:txBody>
+      </p:sp>
+      <p:sp>
+        <p:nvSpPr>
+          <p:cNvPr id="4" name="TextBox 3"/>
+          <p:cNvSpPr txBox="1"/>
+          <p:nvPr/>
+        </p:nvSpPr>
+        <p:spPr>
+          <a:xfrm>
+            <a:off x="-11404" y="5229200"/>
+            <a:ext cx="12202941" cy="830997"/>
+          </a:xfrm>
+          <a:prstGeom prst="rect">
+            <a:avLst/>
+          </a:prstGeom>
+          <a:noFill/>
+        </p:spPr>
+        <p:txBody>
+          <a:bodyPr wrap="square" rtlCol="0" anchor="ctr">
+            <a:spAutoFit/>
+          </a:bodyPr>
+          <a:lstStyle/>
+          <a:p>
+            <a:pPr algn="ctr"/>
+            <a:r>
+              <a:rPr lang="en-US" sz="4800" b="1" dirty="0" smtClean="0">
+                <a:solidFill>
+                  <a:srgbClr val="660033"/>
+                </a:solidFill>
+                <a:effectLst/>
+              </a:rPr>
+              <a:t>( </a:t>
+            </a:r>
+            <a:r>
+              <a:rPr lang="en-US" sz="4800" b="1" dirty="0" smtClean="0">
+                <a:solidFill>
+                  <a:srgbClr val="660033"/>
+                </a:solidFill>
+                <a:effectLst/>
+              </a:rPr>
+              <a:t>2 </a:t>
+            </a:r>
+            <a:r>
+              <a:rPr lang="en-US" sz="4800" b="1" dirty="0" smtClean="0">
+                <a:solidFill>
+                  <a:srgbClr val="660033"/>
+                </a:solidFill>
+                <a:effectLst/>
+              </a:rPr>
+              <a:t>)</a:t>
+            </a:r>
+            <a:endParaRPr lang="vi-VN" sz="4800" b="1" dirty="0">
               <a:solidFill>
                 <a:srgbClr val="660033"/>
               </a:solidFill>
-              <a:latin typeface="微軟正黑體" pitchFamily="34" charset="-120"/>
-              <a:ea typeface="微軟正黑體" pitchFamily="34" charset="-120"/>
+              <a:effectLst/>
             </a:endParaRPr>
           </a:p>
         </p:txBody>
@@ -5130,7 +4979,7 @@
     </p:spTree>
     <p:extLst>
       <p:ext uri="{BB962C8B-B14F-4D97-AF65-F5344CB8AC3E}">
-        <p14:creationId xmlns:p14="http://schemas.microsoft.com/office/powerpoint/2010/main" val="3065914164"/>
+        <p14:creationId xmlns:p14="http://schemas.microsoft.com/office/powerpoint/2010/main" val="857007563"/>
       </p:ext>
     </p:extLst>
   </p:cSld>
@@ -5197,7 +5046,129 @@
                 <a:latin typeface="微軟正黑體" pitchFamily="34" charset="-120"/>
                 <a:ea typeface="微軟正黑體" pitchFamily="34" charset="-120"/>
               </a:rPr>
-              <a:t>恆忍望  儆醒待</a:t>
+              <a:t>並使天下萬</a:t>
+            </a:r>
+            <a:r>
+              <a:rPr lang="zh-TW" altLang="en-US" sz="6400" b="1" dirty="0" smtClean="0">
+                <a:solidFill>
+                  <a:srgbClr val="660033"/>
+                </a:solidFill>
+                <a:latin typeface="微軟正黑體" pitchFamily="34" charset="-120"/>
+                <a:ea typeface="微軟正黑體" pitchFamily="34" charset="-120"/>
+              </a:rPr>
+              <a:t>國</a:t>
+            </a:r>
+            <a:r>
+              <a:rPr lang="en-US" altLang="zh-TW" sz="6400" b="1" dirty="0" smtClean="0">
+                <a:solidFill>
+                  <a:srgbClr val="660033"/>
+                </a:solidFill>
+                <a:latin typeface="微軟正黑體" pitchFamily="34" charset="-120"/>
+                <a:ea typeface="微軟正黑體" pitchFamily="34" charset="-120"/>
+              </a:rPr>
+              <a:t>   </a:t>
+            </a:r>
+            <a:r>
+              <a:rPr lang="zh-TW" altLang="en-US" sz="6400" b="1" dirty="0" smtClean="0">
+                <a:solidFill>
+                  <a:srgbClr val="660033"/>
+                </a:solidFill>
+                <a:latin typeface="微軟正黑體" pitchFamily="34" charset="-120"/>
+                <a:ea typeface="微軟正黑體" pitchFamily="34" charset="-120"/>
+              </a:rPr>
+              <a:t>皆</a:t>
+            </a:r>
+            <a:r>
+              <a:rPr lang="zh-TW" altLang="en-US" sz="6400" b="1" dirty="0">
+                <a:solidFill>
+                  <a:srgbClr val="660033"/>
+                </a:solidFill>
+                <a:latin typeface="微軟正黑體" pitchFamily="34" charset="-120"/>
+                <a:ea typeface="微軟正黑體" pitchFamily="34" charset="-120"/>
+              </a:rPr>
+              <a:t>尊基督榮</a:t>
+            </a:r>
+            <a:r>
+              <a:rPr lang="zh-TW" altLang="en-US" sz="6400" b="1" dirty="0" smtClean="0">
+                <a:solidFill>
+                  <a:srgbClr val="660033"/>
+                </a:solidFill>
+                <a:latin typeface="微軟正黑體" pitchFamily="34" charset="-120"/>
+                <a:ea typeface="微軟正黑體" pitchFamily="34" charset="-120"/>
+              </a:rPr>
+              <a:t>名</a:t>
+            </a:r>
+            <a:endParaRPr lang="en-US" altLang="zh-TW" sz="6400" b="1" dirty="0" smtClean="0">
+              <a:solidFill>
+                <a:srgbClr val="660033"/>
+              </a:solidFill>
+              <a:latin typeface="微軟正黑體" pitchFamily="34" charset="-120"/>
+              <a:ea typeface="微軟正黑體" pitchFamily="34" charset="-120"/>
+            </a:endParaRPr>
+          </a:p>
+          <a:p>
+            <a:pPr algn="ctr">
+              <a:buNone/>
+            </a:pPr>
+            <a:r>
+              <a:rPr lang="zh-TW" altLang="en-US" sz="6400" b="1" dirty="0">
+                <a:solidFill>
+                  <a:srgbClr val="660033"/>
+                </a:solidFill>
+                <a:latin typeface="微軟正黑體" pitchFamily="34" charset="-120"/>
+                <a:ea typeface="微軟正黑體" pitchFamily="34" charset="-120"/>
+              </a:rPr>
+              <a:t>都來同聲讚</a:t>
+            </a:r>
+            <a:r>
+              <a:rPr lang="zh-TW" altLang="en-US" sz="6400" b="1" dirty="0" smtClean="0">
+                <a:solidFill>
+                  <a:srgbClr val="660033"/>
+                </a:solidFill>
+                <a:latin typeface="微軟正黑體" pitchFamily="34" charset="-120"/>
+                <a:ea typeface="微軟正黑體" pitchFamily="34" charset="-120"/>
+              </a:rPr>
+              <a:t>美</a:t>
+            </a:r>
+            <a:r>
+              <a:rPr lang="en-US" altLang="zh-TW" sz="6400" b="1" dirty="0" smtClean="0">
+                <a:solidFill>
+                  <a:srgbClr val="660033"/>
+                </a:solidFill>
+                <a:latin typeface="微軟正黑體" pitchFamily="34" charset="-120"/>
+                <a:ea typeface="微軟正黑體" pitchFamily="34" charset="-120"/>
+              </a:rPr>
+              <a:t>   </a:t>
+            </a:r>
+            <a:r>
+              <a:rPr lang="zh-TW" altLang="en-US" sz="6400" b="1" dirty="0" smtClean="0">
+                <a:solidFill>
+                  <a:srgbClr val="660033"/>
+                </a:solidFill>
+                <a:latin typeface="微軟正黑體" pitchFamily="34" charset="-120"/>
+                <a:ea typeface="微軟正黑體" pitchFamily="34" charset="-120"/>
+              </a:rPr>
+              <a:t>感</a:t>
+            </a:r>
+            <a:r>
+              <a:rPr lang="zh-TW" altLang="en-US" sz="6400" b="1" dirty="0">
+                <a:solidFill>
+                  <a:srgbClr val="660033"/>
+                </a:solidFill>
+                <a:latin typeface="微軟正黑體" pitchFamily="34" charset="-120"/>
+                <a:ea typeface="微軟正黑體" pitchFamily="34" charset="-120"/>
+              </a:rPr>
+              <a:t>謝救人鴻</a:t>
+            </a:r>
+            <a:r>
+              <a:rPr lang="zh-TW" altLang="en-US" sz="6400" b="1" dirty="0" smtClean="0">
+                <a:solidFill>
+                  <a:srgbClr val="660033"/>
+                </a:solidFill>
+                <a:latin typeface="微軟正黑體" pitchFamily="34" charset="-120"/>
+                <a:ea typeface="微軟正黑體" pitchFamily="34" charset="-120"/>
+              </a:rPr>
+              <a:t>恩</a:t>
             </a:r>
             <a:endParaRPr lang="en-US" altLang="zh-TW" sz="6400" b="1" dirty="0">
               <a:solidFill>
@@ -5207,26 +5178,63 @@
               <a:ea typeface="微軟正黑體" pitchFamily="34" charset="-120"/>
             </a:endParaRPr>
           </a:p>
-          <a:p>
-            <a:pPr algn="ctr">
-              <a:buNone/>
-            </a:pPr>
-            <a:r>
-              <a:rPr lang="zh-TW" altLang="en-US" sz="6400" b="1" dirty="0">
-                <a:solidFill>
-                  <a:srgbClr val="660033"/>
-                </a:solidFill>
-                <a:latin typeface="微軟正黑體" pitchFamily="34" charset="-120"/>
-                <a:ea typeface="微軟正黑體" pitchFamily="34" charset="-120"/>
-              </a:rPr>
-              <a:t>忠心勤工直到主來</a:t>
-            </a:r>
-            <a:endParaRPr lang="en-US" altLang="zh-TW" sz="6400" b="1" dirty="0">
+        </p:txBody>
+      </p:sp>
+      <p:sp>
+        <p:nvSpPr>
+          <p:cNvPr id="4" name="TextBox 3"/>
+          <p:cNvSpPr txBox="1"/>
+          <p:nvPr/>
+        </p:nvSpPr>
+        <p:spPr>
+          <a:xfrm>
+            <a:off x="-11404" y="5229200"/>
+            <a:ext cx="12202941" cy="830997"/>
+          </a:xfrm>
+          <a:prstGeom prst="rect">
+            <a:avLst/>
+          </a:prstGeom>
+          <a:noFill/>
+        </p:spPr>
+        <p:txBody>
+          <a:bodyPr wrap="square" rtlCol="0" anchor="ctr">
+            <a:spAutoFit/>
+          </a:bodyPr>
+          <a:lstStyle/>
+          <a:p>
+            <a:pPr algn="ctr"/>
+            <a:r>
+              <a:rPr lang="en-US" sz="4800" b="1" dirty="0" smtClean="0">
+                <a:solidFill>
+                  <a:srgbClr val="660033"/>
+                </a:solidFill>
+                <a:effectLst/>
+              </a:rPr>
+              <a:t>( </a:t>
+            </a:r>
+            <a:r>
+              <a:rPr lang="en-US" sz="4800" b="1" dirty="0" smtClean="0">
+                <a:solidFill>
+                  <a:srgbClr val="660033"/>
+                </a:solidFill>
+                <a:effectLst/>
+              </a:rPr>
+              <a:t>2 </a:t>
+            </a:r>
+            <a:r>
+              <a:rPr lang="en-US" sz="4800" b="1" dirty="0" smtClean="0">
+                <a:solidFill>
+                  <a:srgbClr val="660033"/>
+                </a:solidFill>
+                <a:effectLst/>
+              </a:rPr>
+              <a:t>)</a:t>
+            </a:r>
+            <a:endParaRPr lang="vi-VN" sz="4800" b="1" dirty="0">
               <a:solidFill>
                 <a:srgbClr val="660033"/>
               </a:solidFill>
-              <a:latin typeface="微軟正黑體" pitchFamily="34" charset="-120"/>
-              <a:ea typeface="微軟正黑體" pitchFamily="34" charset="-120"/>
+              <a:effectLst/>
             </a:endParaRPr>
           </a:p>
         </p:txBody>
@@ -5234,7 +5242,7 @@
     </p:spTree>
     <p:extLst>
       <p:ext uri="{BB962C8B-B14F-4D97-AF65-F5344CB8AC3E}">
-        <p14:creationId xmlns:p14="http://schemas.microsoft.com/office/powerpoint/2010/main" val="4230535663"/>
+        <p14:creationId xmlns:p14="http://schemas.microsoft.com/office/powerpoint/2010/main" val="1870625940"/>
       </p:ext>
     </p:extLst>
   </p:cSld>
@@ -5301,7 +5309,7 @@
                 <a:latin typeface="微軟正黑體" pitchFamily="34" charset="-120"/>
                 <a:ea typeface="微軟正黑體" pitchFamily="34" charset="-120"/>
               </a:rPr>
-              <a:t>來作工  來作工</a:t>
+              <a:t>當勤勞  當勤勞</a:t>
             </a:r>
             <a:endParaRPr lang="en-US" altLang="zh-TW" sz="6400" b="1" dirty="0">
               <a:solidFill>
@@ -5323,7 +5331,7 @@
                 <a:latin typeface="微軟正黑體" pitchFamily="34" charset="-120"/>
                 <a:ea typeface="微軟正黑體" pitchFamily="34" charset="-120"/>
               </a:rPr>
-              <a:t>望主國度大興</a:t>
+              <a:t>當勤勞  當勤勞</a:t>
             </a:r>
             <a:endParaRPr lang="en-US" altLang="zh-TW" sz="6400" b="1" dirty="0">
               <a:solidFill>
@@ -5335,48 +5343,10 @@
           </a:p>
         </p:txBody>
       </p:sp>
-      <p:sp>
-        <p:nvSpPr>
-          <p:cNvPr id="3" name="TextBox 2"/>
-          <p:cNvSpPr txBox="1"/>
-          <p:nvPr/>
-        </p:nvSpPr>
-        <p:spPr>
-          <a:xfrm>
-            <a:off x="911424" y="2194526"/>
-            <a:ext cx="1248139" cy="1200329"/>
-          </a:xfrm>
-          <a:prstGeom prst="rect">
-            <a:avLst/>
-          </a:prstGeom>
-          <a:noFill/>
-        </p:spPr>
-        <p:txBody>
-          <a:bodyPr wrap="square" rtlCol="0">
-            <a:spAutoFit/>
-          </a:bodyPr>
-          <a:lstStyle/>
-          <a:p>
-            <a:r>
-              <a:rPr lang="en-US" sz="7200" b="1" dirty="0">
-                <a:solidFill>
-                  <a:srgbClr val="660033"/>
-                </a:solidFill>
-              </a:rPr>
-              <a:t>2.</a:t>
-            </a:r>
-            <a:endParaRPr lang="vi-VN" sz="7200" b="1" dirty="0">
-              <a:solidFill>
-                <a:srgbClr val="660033"/>
-              </a:solidFill>
-            </a:endParaRPr>
-          </a:p>
-        </p:txBody>
-      </p:sp>
     </p:spTree>
     <p:extLst>
       <p:ext uri="{BB962C8B-B14F-4D97-AF65-F5344CB8AC3E}">
-        <p14:creationId xmlns:p14="http://schemas.microsoft.com/office/powerpoint/2010/main" val="857007563"/>
+        <p14:creationId xmlns:p14="http://schemas.microsoft.com/office/powerpoint/2010/main" val="2294935142"/>
       </p:ext>
     </p:extLst>
   </p:cSld>
@@ -5443,7 +5413,7 @@
                 <a:latin typeface="微軟正黑體" pitchFamily="34" charset="-120"/>
                 <a:ea typeface="微軟正黑體" pitchFamily="34" charset="-120"/>
               </a:rPr>
-              <a:t>撒但權柄衰敗</a:t>
+              <a:t>恆忍望  儆醒待</a:t>
             </a:r>
             <a:endParaRPr lang="en-US" altLang="zh-TW" sz="6400" b="1" dirty="0">
               <a:solidFill>
@@ -5465,7 +5435,7 @@
                 <a:latin typeface="微軟正黑體" pitchFamily="34" charset="-120"/>
                 <a:ea typeface="微軟正黑體" pitchFamily="34" charset="-120"/>
               </a:rPr>
-              <a:t>去我膽戰心驚</a:t>
+              <a:t>忠心勤工直到主來</a:t>
             </a:r>
             <a:endParaRPr lang="en-US" altLang="zh-TW" sz="6400" b="1" dirty="0">
               <a:solidFill>
@@ -5477,48 +5447,10 @@
           </a:p>
         </p:txBody>
       </p:sp>
-      <p:sp>
-        <p:nvSpPr>
-          <p:cNvPr id="3" name="TextBox 2"/>
-          <p:cNvSpPr txBox="1"/>
-          <p:nvPr/>
-        </p:nvSpPr>
-        <p:spPr>
-          <a:xfrm>
-            <a:off x="911424" y="2194526"/>
-            <a:ext cx="1248139" cy="1200329"/>
-          </a:xfrm>
-          <a:prstGeom prst="rect">
-            <a:avLst/>
-          </a:prstGeom>
-          <a:noFill/>
-        </p:spPr>
-        <p:txBody>
-          <a:bodyPr wrap="square" rtlCol="0">
-            <a:spAutoFit/>
-          </a:bodyPr>
-          <a:lstStyle/>
-          <a:p>
-            <a:r>
-              <a:rPr lang="en-US" sz="7200" b="1" dirty="0">
-                <a:solidFill>
-                  <a:srgbClr val="660033"/>
-                </a:solidFill>
-              </a:rPr>
-              <a:t>2.</a:t>
-            </a:r>
-            <a:endParaRPr lang="vi-VN" sz="7200" b="1" dirty="0">
-              <a:solidFill>
-                <a:srgbClr val="660033"/>
-              </a:solidFill>
-            </a:endParaRPr>
-          </a:p>
-        </p:txBody>
-      </p:sp>
     </p:spTree>
     <p:extLst>
       <p:ext uri="{BB962C8B-B14F-4D97-AF65-F5344CB8AC3E}">
-        <p14:creationId xmlns:p14="http://schemas.microsoft.com/office/powerpoint/2010/main" val="1483857193"/>
+        <p14:creationId xmlns:p14="http://schemas.microsoft.com/office/powerpoint/2010/main" val="2309553629"/>
       </p:ext>
     </p:extLst>
   </p:cSld>

--- a/宣道詩/(宣道詩161)來作工.pptx
+++ b/宣道詩/(宣道詩161)來作工.pptx
@@ -316,7 +316,7 @@
           <a:p>
             <a:fld id="{14467127-E8DE-42E1-8DAB-0022B04B92FD}" type="datetimeFigureOut">
               <a:rPr lang="zh-TW" altLang="en-US" smtClean="0"/>
-              <a:t>2022/2/26</a:t>
+              <a:t>2023/7/7</a:t>
             </a:fld>
             <a:endParaRPr lang="zh-TW" altLang="en-US"/>
           </a:p>
@@ -481,7 +481,7 @@
           <a:p>
             <a:fld id="{14467127-E8DE-42E1-8DAB-0022B04B92FD}" type="datetimeFigureOut">
               <a:rPr lang="zh-TW" altLang="en-US" smtClean="0"/>
-              <a:t>2022/2/26</a:t>
+              <a:t>2023/7/7</a:t>
             </a:fld>
             <a:endParaRPr lang="zh-TW" altLang="en-US"/>
           </a:p>
@@ -656,7 +656,7 @@
           <a:p>
             <a:fld id="{14467127-E8DE-42E1-8DAB-0022B04B92FD}" type="datetimeFigureOut">
               <a:rPr lang="zh-TW" altLang="en-US" smtClean="0"/>
-              <a:t>2022/2/26</a:t>
+              <a:t>2023/7/7</a:t>
             </a:fld>
             <a:endParaRPr lang="zh-TW" altLang="en-US"/>
           </a:p>
@@ -821,7 +821,7 @@
           <a:p>
             <a:fld id="{14467127-E8DE-42E1-8DAB-0022B04B92FD}" type="datetimeFigureOut">
               <a:rPr lang="zh-TW" altLang="en-US" smtClean="0"/>
-              <a:t>2022/2/26</a:t>
+              <a:t>2023/7/7</a:t>
             </a:fld>
             <a:endParaRPr lang="zh-TW" altLang="en-US"/>
           </a:p>
@@ -1062,7 +1062,7 @@
           <a:p>
             <a:fld id="{14467127-E8DE-42E1-8DAB-0022B04B92FD}" type="datetimeFigureOut">
               <a:rPr lang="zh-TW" altLang="en-US" smtClean="0"/>
-              <a:t>2022/2/26</a:t>
+              <a:t>2023/7/7</a:t>
             </a:fld>
             <a:endParaRPr lang="zh-TW" altLang="en-US"/>
           </a:p>
@@ -1345,7 +1345,7 @@
           <a:p>
             <a:fld id="{14467127-E8DE-42E1-8DAB-0022B04B92FD}" type="datetimeFigureOut">
               <a:rPr lang="zh-TW" altLang="en-US" smtClean="0"/>
-              <a:t>2022/2/26</a:t>
+              <a:t>2023/7/7</a:t>
             </a:fld>
             <a:endParaRPr lang="zh-TW" altLang="en-US"/>
           </a:p>
@@ -1762,7 +1762,7 @@
           <a:p>
             <a:fld id="{14467127-E8DE-42E1-8DAB-0022B04B92FD}" type="datetimeFigureOut">
               <a:rPr lang="zh-TW" altLang="en-US" smtClean="0"/>
-              <a:t>2022/2/26</a:t>
+              <a:t>2023/7/7</a:t>
             </a:fld>
             <a:endParaRPr lang="zh-TW" altLang="en-US"/>
           </a:p>
@@ -1875,7 +1875,7 @@
           <a:p>
             <a:fld id="{14467127-E8DE-42E1-8DAB-0022B04B92FD}" type="datetimeFigureOut">
               <a:rPr lang="zh-TW" altLang="en-US" smtClean="0"/>
-              <a:t>2022/2/26</a:t>
+              <a:t>2023/7/7</a:t>
             </a:fld>
             <a:endParaRPr lang="zh-TW" altLang="en-US"/>
           </a:p>
@@ -1965,7 +1965,7 @@
           <a:p>
             <a:fld id="{14467127-E8DE-42E1-8DAB-0022B04B92FD}" type="datetimeFigureOut">
               <a:rPr lang="zh-TW" altLang="en-US" smtClean="0"/>
-              <a:t>2022/2/26</a:t>
+              <a:t>2023/7/7</a:t>
             </a:fld>
             <a:endParaRPr lang="zh-TW" altLang="en-US"/>
           </a:p>
@@ -2237,7 +2237,7 @@
           <a:p>
             <a:fld id="{14467127-E8DE-42E1-8DAB-0022B04B92FD}" type="datetimeFigureOut">
               <a:rPr lang="zh-TW" altLang="en-US" smtClean="0"/>
-              <a:t>2022/2/26</a:t>
+              <a:t>2023/7/7</a:t>
             </a:fld>
             <a:endParaRPr lang="zh-TW" altLang="en-US"/>
           </a:p>
@@ -2489,7 +2489,7 @@
           <a:p>
             <a:fld id="{14467127-E8DE-42E1-8DAB-0022B04B92FD}" type="datetimeFigureOut">
               <a:rPr lang="zh-TW" altLang="en-US" smtClean="0"/>
-              <a:t>2022/2/26</a:t>
+              <a:t>2023/7/7</a:t>
             </a:fld>
             <a:endParaRPr lang="zh-TW" altLang="en-US"/>
           </a:p>
@@ -2702,7 +2702,7 @@
           <a:p>
             <a:fld id="{14467127-E8DE-42E1-8DAB-0022B04B92FD}" type="datetimeFigureOut">
               <a:rPr lang="zh-TW" altLang="en-US" smtClean="0"/>
-              <a:t>2022/2/26</a:t>
+              <a:t>2023/7/7</a:t>
             </a:fld>
             <a:endParaRPr lang="zh-TW" altLang="en-US"/>
           </a:p>
@@ -3423,8 +3423,8 @@
         </p:nvSpPr>
         <p:spPr>
           <a:xfrm>
-            <a:off x="-11404" y="5229200"/>
-            <a:ext cx="12202941" cy="830997"/>
+            <a:off x="-11404" y="5290755"/>
+            <a:ext cx="12202941" cy="707886"/>
           </a:xfrm>
           <a:prstGeom prst="rect">
             <a:avLst/>
@@ -3439,37 +3439,33 @@
           <a:p>
             <a:pPr algn="ctr"/>
             <a:r>
-              <a:rPr lang="en-US" sz="4800" b="1" dirty="0" smtClean="0">
-                <a:solidFill>
-                  <a:srgbClr val="660033"/>
-                </a:solidFill>
-                <a:effectLst/>
+              <a:rPr lang="en-US" sz="4000" b="1" dirty="0">
+                <a:solidFill>
+                  <a:srgbClr val="660033"/>
+                </a:solidFill>
               </a:rPr>
               <a:t>( </a:t>
             </a:r>
             <a:r>
-              <a:rPr lang="en-US" sz="4800" b="1" dirty="0" smtClean="0">
-                <a:solidFill>
-                  <a:srgbClr val="660033"/>
-                </a:solidFill>
-                <a:effectLst/>
+              <a:rPr lang="en-US" sz="4000" b="1" dirty="0">
+                <a:solidFill>
+                  <a:srgbClr val="660033"/>
+                </a:solidFill>
               </a:rPr>
               <a:t>3 </a:t>
             </a:r>
             <a:r>
-              <a:rPr lang="en-US" sz="4800" b="1" dirty="0" smtClean="0">
-                <a:solidFill>
-                  <a:srgbClr val="660033"/>
-                </a:solidFill>
-                <a:effectLst/>
-              </a:rPr>
-              <a:t>)</a:t>
-            </a:r>
-            <a:endParaRPr lang="vi-VN" sz="4800" b="1" dirty="0">
+              <a:rPr lang="en-US" sz="4000" b="1" dirty="0">
+                <a:solidFill>
+                  <a:srgbClr val="660033"/>
+                </a:solidFill>
+              </a:rPr>
+              <a:t>/ 3 )</a:t>
+            </a:r>
+            <a:endParaRPr lang="vi-VN" sz="4000" b="1" dirty="0">
               <a:solidFill>
                 <a:srgbClr val="660033"/>
               </a:solidFill>
-              <a:effectLst/>
             </a:endParaRPr>
           </a:p>
         </p:txBody>
@@ -3686,8 +3682,8 @@
         </p:nvSpPr>
         <p:spPr>
           <a:xfrm>
-            <a:off x="-11404" y="5229200"/>
-            <a:ext cx="12202941" cy="830997"/>
+            <a:off x="-11404" y="5290755"/>
+            <a:ext cx="12202941" cy="707886"/>
           </a:xfrm>
           <a:prstGeom prst="rect">
             <a:avLst/>
@@ -3702,37 +3698,17 @@
           <a:p>
             <a:pPr algn="ctr"/>
             <a:r>
-              <a:rPr lang="en-US" sz="4800" b="1" dirty="0" smtClean="0">
-                <a:solidFill>
-                  <a:srgbClr val="660033"/>
-                </a:solidFill>
-                <a:effectLst/>
-              </a:rPr>
-              <a:t>( </a:t>
-            </a:r>
-            <a:r>
-              <a:rPr lang="en-US" sz="4800" b="1" dirty="0" smtClean="0">
-                <a:solidFill>
-                  <a:srgbClr val="660033"/>
-                </a:solidFill>
-                <a:effectLst/>
-              </a:rPr>
-              <a:t>3 </a:t>
-            </a:r>
-            <a:r>
-              <a:rPr lang="en-US" sz="4800" b="1" dirty="0" smtClean="0">
-                <a:solidFill>
-                  <a:srgbClr val="660033"/>
-                </a:solidFill>
-                <a:effectLst/>
-              </a:rPr>
-              <a:t>)</a:t>
-            </a:r>
-            <a:endParaRPr lang="vi-VN" sz="4800" b="1" dirty="0">
+              <a:rPr lang="en-US" sz="4000" b="1" dirty="0">
+                <a:solidFill>
+                  <a:srgbClr val="660033"/>
+                </a:solidFill>
+              </a:rPr>
+              <a:t>( 3 / 3 )</a:t>
+            </a:r>
+            <a:endParaRPr lang="vi-VN" sz="4000" b="1" dirty="0">
               <a:solidFill>
                 <a:srgbClr val="660033"/>
               </a:solidFill>
-              <a:effectLst/>
             </a:endParaRPr>
           </a:p>
         </p:txBody>
@@ -4187,8 +4163,8 @@
         </p:nvSpPr>
         <p:spPr>
           <a:xfrm>
-            <a:off x="-11404" y="5229200"/>
-            <a:ext cx="12202941" cy="830997"/>
+            <a:off x="-11404" y="5290755"/>
+            <a:ext cx="12202941" cy="707886"/>
           </a:xfrm>
           <a:prstGeom prst="rect">
             <a:avLst/>
@@ -4203,15 +4179,33 @@
           <a:p>
             <a:pPr algn="ctr"/>
             <a:r>
-              <a:rPr lang="en-US" sz="4800" b="1" dirty="0" smtClean="0">
+              <a:rPr lang="en-US" sz="4000" b="1" dirty="0" smtClean="0">
                 <a:solidFill>
                   <a:srgbClr val="660033"/>
                 </a:solidFill>
                 <a:effectLst/>
               </a:rPr>
-              <a:t>( 1 )</a:t>
-            </a:r>
-            <a:endParaRPr lang="vi-VN" sz="4800" b="1" dirty="0">
+              <a:t>( </a:t>
+            </a:r>
+            <a:r>
+              <a:rPr lang="en-US" sz="4000" b="1" dirty="0" smtClean="0">
+                <a:solidFill>
+                  <a:srgbClr val="660033"/>
+                </a:solidFill>
+                <a:effectLst/>
+              </a:rPr>
+              <a:t>1 / 3 </a:t>
+            </a:r>
+            <a:r>
+              <a:rPr lang="en-US" sz="4000" b="1" dirty="0" smtClean="0">
+                <a:solidFill>
+                  <a:srgbClr val="660033"/>
+                </a:solidFill>
+                <a:effectLst/>
+              </a:rPr>
+              <a:t>)</a:t>
+            </a:r>
+            <a:endParaRPr lang="vi-VN" sz="4000" b="1" dirty="0">
               <a:solidFill>
                 <a:srgbClr val="660033"/>
               </a:solidFill>
@@ -4442,8 +4436,8 @@
         </p:nvSpPr>
         <p:spPr>
           <a:xfrm>
-            <a:off x="-11404" y="5229200"/>
-            <a:ext cx="12202941" cy="830997"/>
+            <a:off x="-11404" y="5290755"/>
+            <a:ext cx="12202941" cy="707886"/>
           </a:xfrm>
           <a:prstGeom prst="rect">
             <a:avLst/>
@@ -4458,19 +4452,17 @@
           <a:p>
             <a:pPr algn="ctr"/>
             <a:r>
-              <a:rPr lang="en-US" sz="4800" b="1" dirty="0" smtClean="0">
-                <a:solidFill>
-                  <a:srgbClr val="660033"/>
-                </a:solidFill>
-                <a:effectLst/>
-              </a:rPr>
-              <a:t>( 1 )</a:t>
-            </a:r>
-            <a:endParaRPr lang="vi-VN" sz="4800" b="1" dirty="0">
+              <a:rPr lang="en-US" sz="4000" b="1" dirty="0">
+                <a:solidFill>
+                  <a:srgbClr val="660033"/>
+                </a:solidFill>
+              </a:rPr>
+              <a:t>( 1 / 3 )</a:t>
+            </a:r>
+            <a:endParaRPr lang="vi-VN" sz="4000" b="1" dirty="0">
               <a:solidFill>
                 <a:srgbClr val="660033"/>
               </a:solidFill>
-              <a:effectLst/>
             </a:endParaRPr>
           </a:p>
         </p:txBody>
@@ -4925,8 +4917,8 @@
         </p:nvSpPr>
         <p:spPr>
           <a:xfrm>
-            <a:off x="-11404" y="5229200"/>
-            <a:ext cx="12202941" cy="830997"/>
+            <a:off x="-11404" y="5290755"/>
+            <a:ext cx="12202941" cy="707886"/>
           </a:xfrm>
           <a:prstGeom prst="rect">
             <a:avLst/>
@@ -4941,37 +4933,33 @@
           <a:p>
             <a:pPr algn="ctr"/>
             <a:r>
-              <a:rPr lang="en-US" sz="4800" b="1" dirty="0" smtClean="0">
-                <a:solidFill>
-                  <a:srgbClr val="660033"/>
-                </a:solidFill>
-                <a:effectLst/>
+              <a:rPr lang="en-US" sz="4000" b="1" dirty="0">
+                <a:solidFill>
+                  <a:srgbClr val="660033"/>
+                </a:solidFill>
               </a:rPr>
               <a:t>( </a:t>
             </a:r>
             <a:r>
-              <a:rPr lang="en-US" sz="4800" b="1" dirty="0" smtClean="0">
-                <a:solidFill>
-                  <a:srgbClr val="660033"/>
-                </a:solidFill>
-                <a:effectLst/>
+              <a:rPr lang="en-US" sz="4000" b="1" dirty="0">
+                <a:solidFill>
+                  <a:srgbClr val="660033"/>
+                </a:solidFill>
               </a:rPr>
               <a:t>2 </a:t>
             </a:r>
             <a:r>
-              <a:rPr lang="en-US" sz="4800" b="1" dirty="0" smtClean="0">
-                <a:solidFill>
-                  <a:srgbClr val="660033"/>
-                </a:solidFill>
-                <a:effectLst/>
-              </a:rPr>
-              <a:t>)</a:t>
-            </a:r>
-            <a:endParaRPr lang="vi-VN" sz="4800" b="1" dirty="0">
+              <a:rPr lang="en-US" sz="4000" b="1" dirty="0">
+                <a:solidFill>
+                  <a:srgbClr val="660033"/>
+                </a:solidFill>
+              </a:rPr>
+              <a:t>/ 3 )</a:t>
+            </a:r>
+            <a:endParaRPr lang="vi-VN" sz="4000" b="1" dirty="0">
               <a:solidFill>
                 <a:srgbClr val="660033"/>
               </a:solidFill>
-              <a:effectLst/>
             </a:endParaRPr>
           </a:p>
         </p:txBody>
@@ -5188,8 +5176,8 @@
         </p:nvSpPr>
         <p:spPr>
           <a:xfrm>
-            <a:off x="-11404" y="5229200"/>
-            <a:ext cx="12202941" cy="830997"/>
+            <a:off x="-11404" y="5290755"/>
+            <a:ext cx="12202941" cy="707886"/>
           </a:xfrm>
           <a:prstGeom prst="rect">
             <a:avLst/>
@@ -5204,37 +5192,17 @@
           <a:p>
             <a:pPr algn="ctr"/>
             <a:r>
-              <a:rPr lang="en-US" sz="4800" b="1" dirty="0" smtClean="0">
-                <a:solidFill>
-                  <a:srgbClr val="660033"/>
-                </a:solidFill>
-                <a:effectLst/>
-              </a:rPr>
-              <a:t>( </a:t>
-            </a:r>
-            <a:r>
-              <a:rPr lang="en-US" sz="4800" b="1" dirty="0" smtClean="0">
-                <a:solidFill>
-                  <a:srgbClr val="660033"/>
-                </a:solidFill>
-                <a:effectLst/>
-              </a:rPr>
-              <a:t>2 </a:t>
-            </a:r>
-            <a:r>
-              <a:rPr lang="en-US" sz="4800" b="1" dirty="0" smtClean="0">
-                <a:solidFill>
-                  <a:srgbClr val="660033"/>
-                </a:solidFill>
-                <a:effectLst/>
-              </a:rPr>
-              <a:t>)</a:t>
-            </a:r>
-            <a:endParaRPr lang="vi-VN" sz="4800" b="1" dirty="0">
+              <a:rPr lang="en-US" sz="4000" b="1" dirty="0">
+                <a:solidFill>
+                  <a:srgbClr val="660033"/>
+                </a:solidFill>
+              </a:rPr>
+              <a:t>( 2 / 3 )</a:t>
+            </a:r>
+            <a:endParaRPr lang="vi-VN" sz="4000" b="1" dirty="0">
               <a:solidFill>
                 <a:srgbClr val="660033"/>
               </a:solidFill>
-              <a:effectLst/>
             </a:endParaRPr>
           </a:p>
         </p:txBody>
